--- a/doc/presentation/Barcodes.pptx
+++ b/doc/presentation/Barcodes.pptx
@@ -10,6 +10,10 @@
     <p:sldId id="258" r:id="rId4"/>
     <p:sldId id="259" r:id="rId5"/>
     <p:sldId id="260" r:id="rId6"/>
+    <p:sldId id="261" r:id="rId7"/>
+    <p:sldId id="262" r:id="rId8"/>
+    <p:sldId id="263" r:id="rId9"/>
+    <p:sldId id="264" r:id="rId10"/>
   </p:sldIdLst>
   <p:sldSz cx="9144000" cy="6858000" type="screen4x3"/>
   <p:notesSz cx="6858000" cy="9144000"/>
@@ -3006,7 +3010,7 @@
         <p:spPr/>
         <p:txBody>
           <a:bodyPr>
-            <a:normAutofit/>
+            <a:normAutofit lnSpcReduction="10000"/>
           </a:bodyPr>
           <a:lstStyle/>
           <a:p>
@@ -3056,8 +3060,30 @@
             </a:r>
             <a:r>
               <a:rPr lang="en-US" dirty="0" smtClean="0"/>
-              <a:t> (luethifl@students.zhaw.ch)</a:t>
-            </a:r>
+              <a:t> (</a:t>
+            </a:r>
+            <a:r>
+              <a:rPr lang="en-US" dirty="0" smtClean="0">
+                <a:hlinkClick r:id="rId2"/>
+              </a:rPr>
+              <a:t>luethifl@students.zhaw.ch</a:t>
+            </a:r>
+            <a:r>
+              <a:rPr lang="en-US" dirty="0" smtClean="0"/>
+              <a:t>)</a:t>
+            </a:r>
+          </a:p>
+          <a:p>
+            <a:r>
+              <a:rPr lang="en-US" dirty="0"/>
+              <a:t>https://</a:t>
+            </a:r>
+            <a:r>
+              <a:rPr lang="en-US" dirty="0" smtClean="0"/>
+              <a:t>github.com/foyan/ColorizedBarCodec</a:t>
+            </a:r>
+          </a:p>
+          <a:p>
             <a:endParaRPr lang="en-US" dirty="0"/>
           </a:p>
         </p:txBody>
@@ -3552,7 +3578,7 @@
             </a:r>
             <a:r>
               <a:rPr lang="en-US" dirty="0" smtClean="0"/>
-              <a:t> et al.</a:t>
+              <a:t> et al. (I)</a:t>
             </a:r>
             <a:endParaRPr lang="en-US" dirty="0"/>
           </a:p>
@@ -3668,9 +3694,42 @@
           <p:nvPr/>
         </p:nvCxnSpPr>
         <p:spPr>
-          <a:xfrm rot="5400000">
-            <a:off x="1665611" y="3736879"/>
-            <a:ext cx="4482987" cy="0"/>
+          <a:xfrm>
+            <a:off x="3900361" y="1938023"/>
+            <a:ext cx="0" cy="2686048"/>
+          </a:xfrm>
+          <a:prstGeom prst="line">
+            <a:avLst/>
+          </a:prstGeom>
+          <a:ln>
+            <a:prstDash val="sysDot"/>
+          </a:ln>
+        </p:spPr>
+        <p:style>
+          <a:lnRef idx="3">
+            <a:schemeClr val="dk1"/>
+          </a:lnRef>
+          <a:fillRef idx="0">
+            <a:schemeClr val="dk1"/>
+          </a:fillRef>
+          <a:effectRef idx="2">
+            <a:schemeClr val="dk1"/>
+          </a:effectRef>
+          <a:fontRef idx="minor">
+            <a:schemeClr val="tx1"/>
+          </a:fontRef>
+        </p:style>
+      </p:cxnSp>
+      <p:cxnSp>
+        <p:nvCxnSpPr>
+          <p:cNvPr id="17" name="Straight Connector 16"/>
+          <p:cNvCxnSpPr/>
+          <p:nvPr/>
+        </p:nvCxnSpPr>
+        <p:spPr>
+          <a:xfrm>
+            <a:off x="5226106" y="1946116"/>
+            <a:ext cx="0" cy="2686048"/>
           </a:xfrm>
           <a:prstGeom prst="line">
             <a:avLst/>
@@ -3698,6 +3757,1722 @@
     <p:extLst>
       <p:ext uri="{BB962C8B-B14F-4D97-AF65-F5344CB8AC3E}">
         <p14:creationId xmlns:p14="http://schemas.microsoft.com/office/powerpoint/2010/main" val="1324316754"/>
+      </p:ext>
+    </p:extLst>
+  </p:cSld>
+  <p:clrMapOvr>
+    <a:masterClrMapping/>
+  </p:clrMapOvr>
+  <p:timing>
+    <p:tnLst>
+      <p:par>
+        <p:cTn id="1" dur="indefinite" restart="never" nodeType="tmRoot"/>
+      </p:par>
+    </p:tnLst>
+  </p:timing>
+</p:sld>
+</file>
+
+<file path=ppt/slides/slide6.xml><?xml version="1.0" encoding="utf-8"?>
+<p:sld xmlns:a="http://schemas.openxmlformats.org/drawingml/2006/main" xmlns:r="http://schemas.openxmlformats.org/officeDocument/2006/relationships" xmlns:p="http://schemas.openxmlformats.org/presentationml/2006/main">
+  <p:cSld>
+    <p:spTree>
+      <p:nvGrpSpPr>
+        <p:cNvPr id="1" name=""/>
+        <p:cNvGrpSpPr/>
+        <p:nvPr/>
+      </p:nvGrpSpPr>
+      <p:grpSpPr>
+        <a:xfrm>
+          <a:off x="0" y="0"/>
+          <a:ext cx="0" cy="0"/>
+          <a:chOff x="0" y="0"/>
+          <a:chExt cx="0" cy="0"/>
+        </a:xfrm>
+      </p:grpSpPr>
+      <p:sp>
+        <p:nvSpPr>
+          <p:cNvPr id="2" name="Title 1"/>
+          <p:cNvSpPr>
+            <a:spLocks noGrp="1"/>
+          </p:cNvSpPr>
+          <p:nvPr>
+            <p:ph type="title"/>
+          </p:nvPr>
+        </p:nvSpPr>
+        <p:spPr/>
+        <p:txBody>
+          <a:bodyPr/>
+          <a:lstStyle/>
+          <a:p>
+            <a:r>
+              <a:rPr lang="en-US" dirty="0" err="1" smtClean="0"/>
+              <a:t>Methode</a:t>
+            </a:r>
+            <a:r>
+              <a:rPr lang="en-US" dirty="0" smtClean="0"/>
+              <a:t> von </a:t>
+            </a:r>
+            <a:r>
+              <a:rPr lang="en-US" dirty="0" err="1" smtClean="0"/>
+              <a:t>Rana</a:t>
+            </a:r>
+            <a:r>
+              <a:rPr lang="en-US" dirty="0" smtClean="0"/>
+              <a:t> et al. (II)</a:t>
+            </a:r>
+            <a:endParaRPr lang="en-US" dirty="0"/>
+          </a:p>
+        </p:txBody>
+      </p:sp>
+      <p:sp>
+        <p:nvSpPr>
+          <p:cNvPr id="3" name="Content Placeholder 2"/>
+          <p:cNvSpPr>
+            <a:spLocks noGrp="1"/>
+          </p:cNvSpPr>
+          <p:nvPr>
+            <p:ph idx="1"/>
+          </p:nvPr>
+        </p:nvSpPr>
+        <p:spPr>
+          <a:xfrm>
+            <a:off x="628649" y="5025153"/>
+            <a:ext cx="2468711" cy="1151809"/>
+          </a:xfrm>
+        </p:spPr>
+        <p:txBody>
+          <a:bodyPr/>
+          <a:lstStyle/>
+          <a:p>
+            <a:pPr marL="0" indent="0">
+              <a:buNone/>
+            </a:pPr>
+            <a:r>
+              <a:rPr lang="en-US" dirty="0" err="1" smtClean="0"/>
+              <a:t>Leerer</a:t>
+            </a:r>
+            <a:r>
+              <a:rPr lang="en-US" dirty="0" smtClean="0"/>
+              <a:t> Barcode</a:t>
+            </a:r>
+            <a:endParaRPr lang="en-US" dirty="0"/>
+          </a:p>
+        </p:txBody>
+      </p:sp>
+      <p:pic>
+        <p:nvPicPr>
+          <p:cNvPr id="5" name="Picture 4"/>
+          <p:cNvPicPr>
+            <a:picLocks noChangeAspect="1"/>
+          </p:cNvPicPr>
+          <p:nvPr/>
+        </p:nvPicPr>
+        <p:blipFill>
+          <a:blip r:embed="rId2"/>
+          <a:stretch>
+            <a:fillRect/>
+          </a:stretch>
+        </p:blipFill>
+        <p:spPr>
+          <a:xfrm>
+            <a:off x="626938" y="2147768"/>
+            <a:ext cx="2468710" cy="2420303"/>
+          </a:xfrm>
+          <a:prstGeom prst="rect">
+            <a:avLst/>
+          </a:prstGeom>
+        </p:spPr>
+      </p:pic>
+      <p:pic>
+        <p:nvPicPr>
+          <p:cNvPr id="6" name="Picture 5"/>
+          <p:cNvPicPr>
+            <a:picLocks noChangeAspect="1"/>
+          </p:cNvPicPr>
+          <p:nvPr/>
+        </p:nvPicPr>
+        <p:blipFill>
+          <a:blip r:embed="rId3"/>
+          <a:stretch>
+            <a:fillRect/>
+          </a:stretch>
+        </p:blipFill>
+        <p:spPr>
+          <a:xfrm>
+            <a:off x="3336787" y="2147768"/>
+            <a:ext cx="2467000" cy="2418626"/>
+          </a:xfrm>
+          <a:prstGeom prst="rect">
+            <a:avLst/>
+          </a:prstGeom>
+        </p:spPr>
+      </p:pic>
+      <p:pic>
+        <p:nvPicPr>
+          <p:cNvPr id="7" name="Picture 6"/>
+          <p:cNvPicPr>
+            <a:picLocks noChangeAspect="1"/>
+          </p:cNvPicPr>
+          <p:nvPr/>
+        </p:nvPicPr>
+        <p:blipFill>
+          <a:blip r:embed="rId4"/>
+          <a:stretch>
+            <a:fillRect/>
+          </a:stretch>
+        </p:blipFill>
+        <p:spPr>
+          <a:xfrm>
+            <a:off x="6044927" y="2147769"/>
+            <a:ext cx="2468711" cy="2420304"/>
+          </a:xfrm>
+          <a:prstGeom prst="rect">
+            <a:avLst/>
+          </a:prstGeom>
+        </p:spPr>
+      </p:pic>
+      <p:sp>
+        <p:nvSpPr>
+          <p:cNvPr id="8" name="Content Placeholder 2"/>
+          <p:cNvSpPr txBox="1">
+            <a:spLocks/>
+          </p:cNvSpPr>
+          <p:nvPr/>
+        </p:nvSpPr>
+        <p:spPr>
+          <a:xfrm>
+            <a:off x="3336788" y="5025153"/>
+            <a:ext cx="2468711" cy="1151809"/>
+          </a:xfrm>
+          <a:prstGeom prst="rect">
+            <a:avLst/>
+          </a:prstGeom>
+        </p:spPr>
+        <p:txBody>
+          <a:bodyPr vert="horz" lIns="91440" tIns="45720" rIns="91440" bIns="45720" rtlCol="0">
+            <a:normAutofit/>
+          </a:bodyPr>
+          <a:lstStyle>
+            <a:lvl1pPr marL="228600" indent="-228600" algn="l" defTabSz="914400" rtl="0" eaLnBrk="1" latinLnBrk="0" hangingPunct="1">
+              <a:lnSpc>
+                <a:spcPct val="90000"/>
+              </a:lnSpc>
+              <a:spcBef>
+                <a:spcPts val="1000"/>
+              </a:spcBef>
+              <a:buFont typeface="Arial" panose="020B0604020202020204" pitchFamily="34" charset="0"/>
+              <a:buChar char="•"/>
+              <a:defRPr sz="2800" kern="1200">
+                <a:solidFill>
+                  <a:schemeClr val="tx1"/>
+                </a:solidFill>
+                <a:latin typeface="+mn-lt"/>
+                <a:ea typeface="+mn-ea"/>
+                <a:cs typeface="+mn-cs"/>
+              </a:defRPr>
+            </a:lvl1pPr>
+            <a:lvl2pPr marL="685800" indent="-228600" algn="l" defTabSz="914400" rtl="0" eaLnBrk="1" latinLnBrk="0" hangingPunct="1">
+              <a:lnSpc>
+                <a:spcPct val="90000"/>
+              </a:lnSpc>
+              <a:spcBef>
+                <a:spcPts val="500"/>
+              </a:spcBef>
+              <a:buFont typeface="Arial" panose="020B0604020202020204" pitchFamily="34" charset="0"/>
+              <a:buChar char="•"/>
+              <a:defRPr sz="2400" kern="1200">
+                <a:solidFill>
+                  <a:schemeClr val="tx1"/>
+                </a:solidFill>
+                <a:latin typeface="+mn-lt"/>
+                <a:ea typeface="+mn-ea"/>
+                <a:cs typeface="+mn-cs"/>
+              </a:defRPr>
+            </a:lvl2pPr>
+            <a:lvl3pPr marL="1143000" indent="-228600" algn="l" defTabSz="914400" rtl="0" eaLnBrk="1" latinLnBrk="0" hangingPunct="1">
+              <a:lnSpc>
+                <a:spcPct val="90000"/>
+              </a:lnSpc>
+              <a:spcBef>
+                <a:spcPts val="500"/>
+              </a:spcBef>
+              <a:buFont typeface="Arial" panose="020B0604020202020204" pitchFamily="34" charset="0"/>
+              <a:buChar char="•"/>
+              <a:defRPr sz="2000" kern="1200">
+                <a:solidFill>
+                  <a:schemeClr val="tx1"/>
+                </a:solidFill>
+                <a:latin typeface="+mn-lt"/>
+                <a:ea typeface="+mn-ea"/>
+                <a:cs typeface="+mn-cs"/>
+              </a:defRPr>
+            </a:lvl3pPr>
+            <a:lvl4pPr marL="1600200" indent="-228600" algn="l" defTabSz="914400" rtl="0" eaLnBrk="1" latinLnBrk="0" hangingPunct="1">
+              <a:lnSpc>
+                <a:spcPct val="90000"/>
+              </a:lnSpc>
+              <a:spcBef>
+                <a:spcPts val="500"/>
+              </a:spcBef>
+              <a:buFont typeface="Arial" panose="020B0604020202020204" pitchFamily="34" charset="0"/>
+              <a:buChar char="•"/>
+              <a:defRPr sz="1800" kern="1200">
+                <a:solidFill>
+                  <a:schemeClr val="tx1"/>
+                </a:solidFill>
+                <a:latin typeface="+mn-lt"/>
+                <a:ea typeface="+mn-ea"/>
+                <a:cs typeface="+mn-cs"/>
+              </a:defRPr>
+            </a:lvl4pPr>
+            <a:lvl5pPr marL="2057400" indent="-228600" algn="l" defTabSz="914400" rtl="0" eaLnBrk="1" latinLnBrk="0" hangingPunct="1">
+              <a:lnSpc>
+                <a:spcPct val="90000"/>
+              </a:lnSpc>
+              <a:spcBef>
+                <a:spcPts val="500"/>
+              </a:spcBef>
+              <a:buFont typeface="Arial" panose="020B0604020202020204" pitchFamily="34" charset="0"/>
+              <a:buChar char="•"/>
+              <a:defRPr sz="1800" kern="1200">
+                <a:solidFill>
+                  <a:schemeClr val="tx1"/>
+                </a:solidFill>
+                <a:latin typeface="+mn-lt"/>
+                <a:ea typeface="+mn-ea"/>
+                <a:cs typeface="+mn-cs"/>
+              </a:defRPr>
+            </a:lvl5pPr>
+            <a:lvl6pPr marL="2514600" indent="-228600" algn="l" defTabSz="914400" rtl="0" eaLnBrk="1" latinLnBrk="0" hangingPunct="1">
+              <a:lnSpc>
+                <a:spcPct val="90000"/>
+              </a:lnSpc>
+              <a:spcBef>
+                <a:spcPts val="500"/>
+              </a:spcBef>
+              <a:buFont typeface="Arial" panose="020B0604020202020204" pitchFamily="34" charset="0"/>
+              <a:buChar char="•"/>
+              <a:defRPr sz="1800" kern="1200">
+                <a:solidFill>
+                  <a:schemeClr val="tx1"/>
+                </a:solidFill>
+                <a:latin typeface="+mn-lt"/>
+                <a:ea typeface="+mn-ea"/>
+                <a:cs typeface="+mn-cs"/>
+              </a:defRPr>
+            </a:lvl6pPr>
+            <a:lvl7pPr marL="2971800" indent="-228600" algn="l" defTabSz="914400" rtl="0" eaLnBrk="1" latinLnBrk="0" hangingPunct="1">
+              <a:lnSpc>
+                <a:spcPct val="90000"/>
+              </a:lnSpc>
+              <a:spcBef>
+                <a:spcPts val="500"/>
+              </a:spcBef>
+              <a:buFont typeface="Arial" panose="020B0604020202020204" pitchFamily="34" charset="0"/>
+              <a:buChar char="•"/>
+              <a:defRPr sz="1800" kern="1200">
+                <a:solidFill>
+                  <a:schemeClr val="tx1"/>
+                </a:solidFill>
+                <a:latin typeface="+mn-lt"/>
+                <a:ea typeface="+mn-ea"/>
+                <a:cs typeface="+mn-cs"/>
+              </a:defRPr>
+            </a:lvl7pPr>
+            <a:lvl8pPr marL="3429000" indent="-228600" algn="l" defTabSz="914400" rtl="0" eaLnBrk="1" latinLnBrk="0" hangingPunct="1">
+              <a:lnSpc>
+                <a:spcPct val="90000"/>
+              </a:lnSpc>
+              <a:spcBef>
+                <a:spcPts val="500"/>
+              </a:spcBef>
+              <a:buFont typeface="Arial" panose="020B0604020202020204" pitchFamily="34" charset="0"/>
+              <a:buChar char="•"/>
+              <a:defRPr sz="1800" kern="1200">
+                <a:solidFill>
+                  <a:schemeClr val="tx1"/>
+                </a:solidFill>
+                <a:latin typeface="+mn-lt"/>
+                <a:ea typeface="+mn-ea"/>
+                <a:cs typeface="+mn-cs"/>
+              </a:defRPr>
+            </a:lvl8pPr>
+            <a:lvl9pPr marL="3886200" indent="-228600" algn="l" defTabSz="914400" rtl="0" eaLnBrk="1" latinLnBrk="0" hangingPunct="1">
+              <a:lnSpc>
+                <a:spcPct val="90000"/>
+              </a:lnSpc>
+              <a:spcBef>
+                <a:spcPts val="500"/>
+              </a:spcBef>
+              <a:buFont typeface="Arial" panose="020B0604020202020204" pitchFamily="34" charset="0"/>
+              <a:buChar char="•"/>
+              <a:defRPr sz="1800" kern="1200">
+                <a:solidFill>
+                  <a:schemeClr val="tx1"/>
+                </a:solidFill>
+                <a:latin typeface="+mn-lt"/>
+                <a:ea typeface="+mn-ea"/>
+                <a:cs typeface="+mn-cs"/>
+              </a:defRPr>
+            </a:lvl9pPr>
+          </a:lstStyle>
+          <a:p>
+            <a:pPr marL="0" indent="0" algn="ctr">
+              <a:buFont typeface="Arial" panose="020B0604020202020204" pitchFamily="34" charset="0"/>
+              <a:buNone/>
+            </a:pPr>
+            <a:r>
+              <a:rPr lang="en-US" dirty="0" smtClean="0"/>
+              <a:t>Was </a:t>
+            </a:r>
+            <a:r>
+              <a:rPr lang="en-US" dirty="0" err="1" smtClean="0"/>
+              <a:t>ist</a:t>
+            </a:r>
+            <a:r>
+              <a:rPr lang="en-US" dirty="0" smtClean="0"/>
+              <a:t> </a:t>
+            </a:r>
+            <a:r>
+              <a:rPr lang="en-US" dirty="0" err="1" smtClean="0"/>
+              <a:t>Aufklärung</a:t>
+            </a:r>
+            <a:r>
+              <a:rPr lang="en-US" dirty="0" smtClean="0"/>
+              <a:t>?</a:t>
+            </a:r>
+            <a:endParaRPr lang="en-US" dirty="0"/>
+          </a:p>
+        </p:txBody>
+      </p:sp>
+      <p:sp>
+        <p:nvSpPr>
+          <p:cNvPr id="9" name="Content Placeholder 2"/>
+          <p:cNvSpPr txBox="1">
+            <a:spLocks/>
+          </p:cNvSpPr>
+          <p:nvPr/>
+        </p:nvSpPr>
+        <p:spPr>
+          <a:xfrm>
+            <a:off x="6044927" y="5025153"/>
+            <a:ext cx="2468711" cy="1151809"/>
+          </a:xfrm>
+          <a:prstGeom prst="rect">
+            <a:avLst/>
+          </a:prstGeom>
+        </p:spPr>
+        <p:txBody>
+          <a:bodyPr vert="horz" lIns="91440" tIns="45720" rIns="91440" bIns="45720" rtlCol="0">
+            <a:normAutofit fontScale="92500" lnSpcReduction="10000"/>
+          </a:bodyPr>
+          <a:lstStyle>
+            <a:lvl1pPr marL="228600" indent="-228600" algn="l" defTabSz="914400" rtl="0" eaLnBrk="1" latinLnBrk="0" hangingPunct="1">
+              <a:lnSpc>
+                <a:spcPct val="90000"/>
+              </a:lnSpc>
+              <a:spcBef>
+                <a:spcPts val="1000"/>
+              </a:spcBef>
+              <a:buFont typeface="Arial" panose="020B0604020202020204" pitchFamily="34" charset="0"/>
+              <a:buChar char="•"/>
+              <a:defRPr sz="2800" kern="1200">
+                <a:solidFill>
+                  <a:schemeClr val="tx1"/>
+                </a:solidFill>
+                <a:latin typeface="+mn-lt"/>
+                <a:ea typeface="+mn-ea"/>
+                <a:cs typeface="+mn-cs"/>
+              </a:defRPr>
+            </a:lvl1pPr>
+            <a:lvl2pPr marL="685800" indent="-228600" algn="l" defTabSz="914400" rtl="0" eaLnBrk="1" latinLnBrk="0" hangingPunct="1">
+              <a:lnSpc>
+                <a:spcPct val="90000"/>
+              </a:lnSpc>
+              <a:spcBef>
+                <a:spcPts val="500"/>
+              </a:spcBef>
+              <a:buFont typeface="Arial" panose="020B0604020202020204" pitchFamily="34" charset="0"/>
+              <a:buChar char="•"/>
+              <a:defRPr sz="2400" kern="1200">
+                <a:solidFill>
+                  <a:schemeClr val="tx1"/>
+                </a:solidFill>
+                <a:latin typeface="+mn-lt"/>
+                <a:ea typeface="+mn-ea"/>
+                <a:cs typeface="+mn-cs"/>
+              </a:defRPr>
+            </a:lvl2pPr>
+            <a:lvl3pPr marL="1143000" indent="-228600" algn="l" defTabSz="914400" rtl="0" eaLnBrk="1" latinLnBrk="0" hangingPunct="1">
+              <a:lnSpc>
+                <a:spcPct val="90000"/>
+              </a:lnSpc>
+              <a:spcBef>
+                <a:spcPts val="500"/>
+              </a:spcBef>
+              <a:buFont typeface="Arial" panose="020B0604020202020204" pitchFamily="34" charset="0"/>
+              <a:buChar char="•"/>
+              <a:defRPr sz="2000" kern="1200">
+                <a:solidFill>
+                  <a:schemeClr val="tx1"/>
+                </a:solidFill>
+                <a:latin typeface="+mn-lt"/>
+                <a:ea typeface="+mn-ea"/>
+                <a:cs typeface="+mn-cs"/>
+              </a:defRPr>
+            </a:lvl3pPr>
+            <a:lvl4pPr marL="1600200" indent="-228600" algn="l" defTabSz="914400" rtl="0" eaLnBrk="1" latinLnBrk="0" hangingPunct="1">
+              <a:lnSpc>
+                <a:spcPct val="90000"/>
+              </a:lnSpc>
+              <a:spcBef>
+                <a:spcPts val="500"/>
+              </a:spcBef>
+              <a:buFont typeface="Arial" panose="020B0604020202020204" pitchFamily="34" charset="0"/>
+              <a:buChar char="•"/>
+              <a:defRPr sz="1800" kern="1200">
+                <a:solidFill>
+                  <a:schemeClr val="tx1"/>
+                </a:solidFill>
+                <a:latin typeface="+mn-lt"/>
+                <a:ea typeface="+mn-ea"/>
+                <a:cs typeface="+mn-cs"/>
+              </a:defRPr>
+            </a:lvl4pPr>
+            <a:lvl5pPr marL="2057400" indent="-228600" algn="l" defTabSz="914400" rtl="0" eaLnBrk="1" latinLnBrk="0" hangingPunct="1">
+              <a:lnSpc>
+                <a:spcPct val="90000"/>
+              </a:lnSpc>
+              <a:spcBef>
+                <a:spcPts val="500"/>
+              </a:spcBef>
+              <a:buFont typeface="Arial" panose="020B0604020202020204" pitchFamily="34" charset="0"/>
+              <a:buChar char="•"/>
+              <a:defRPr sz="1800" kern="1200">
+                <a:solidFill>
+                  <a:schemeClr val="tx1"/>
+                </a:solidFill>
+                <a:latin typeface="+mn-lt"/>
+                <a:ea typeface="+mn-ea"/>
+                <a:cs typeface="+mn-cs"/>
+              </a:defRPr>
+            </a:lvl5pPr>
+            <a:lvl6pPr marL="2514600" indent="-228600" algn="l" defTabSz="914400" rtl="0" eaLnBrk="1" latinLnBrk="0" hangingPunct="1">
+              <a:lnSpc>
+                <a:spcPct val="90000"/>
+              </a:lnSpc>
+              <a:spcBef>
+                <a:spcPts val="500"/>
+              </a:spcBef>
+              <a:buFont typeface="Arial" panose="020B0604020202020204" pitchFamily="34" charset="0"/>
+              <a:buChar char="•"/>
+              <a:defRPr sz="1800" kern="1200">
+                <a:solidFill>
+                  <a:schemeClr val="tx1"/>
+                </a:solidFill>
+                <a:latin typeface="+mn-lt"/>
+                <a:ea typeface="+mn-ea"/>
+                <a:cs typeface="+mn-cs"/>
+              </a:defRPr>
+            </a:lvl6pPr>
+            <a:lvl7pPr marL="2971800" indent="-228600" algn="l" defTabSz="914400" rtl="0" eaLnBrk="1" latinLnBrk="0" hangingPunct="1">
+              <a:lnSpc>
+                <a:spcPct val="90000"/>
+              </a:lnSpc>
+              <a:spcBef>
+                <a:spcPts val="500"/>
+              </a:spcBef>
+              <a:buFont typeface="Arial" panose="020B0604020202020204" pitchFamily="34" charset="0"/>
+              <a:buChar char="•"/>
+              <a:defRPr sz="1800" kern="1200">
+                <a:solidFill>
+                  <a:schemeClr val="tx1"/>
+                </a:solidFill>
+                <a:latin typeface="+mn-lt"/>
+                <a:ea typeface="+mn-ea"/>
+                <a:cs typeface="+mn-cs"/>
+              </a:defRPr>
+            </a:lvl7pPr>
+            <a:lvl8pPr marL="3429000" indent="-228600" algn="l" defTabSz="914400" rtl="0" eaLnBrk="1" latinLnBrk="0" hangingPunct="1">
+              <a:lnSpc>
+                <a:spcPct val="90000"/>
+              </a:lnSpc>
+              <a:spcBef>
+                <a:spcPts val="500"/>
+              </a:spcBef>
+              <a:buFont typeface="Arial" panose="020B0604020202020204" pitchFamily="34" charset="0"/>
+              <a:buChar char="•"/>
+              <a:defRPr sz="1800" kern="1200">
+                <a:solidFill>
+                  <a:schemeClr val="tx1"/>
+                </a:solidFill>
+                <a:latin typeface="+mn-lt"/>
+                <a:ea typeface="+mn-ea"/>
+                <a:cs typeface="+mn-cs"/>
+              </a:defRPr>
+            </a:lvl8pPr>
+            <a:lvl9pPr marL="3886200" indent="-228600" algn="l" defTabSz="914400" rtl="0" eaLnBrk="1" latinLnBrk="0" hangingPunct="1">
+              <a:lnSpc>
+                <a:spcPct val="90000"/>
+              </a:lnSpc>
+              <a:spcBef>
+                <a:spcPts val="500"/>
+              </a:spcBef>
+              <a:buFont typeface="Arial" panose="020B0604020202020204" pitchFamily="34" charset="0"/>
+              <a:buChar char="•"/>
+              <a:defRPr sz="1800" kern="1200">
+                <a:solidFill>
+                  <a:schemeClr val="tx1"/>
+                </a:solidFill>
+                <a:latin typeface="+mn-lt"/>
+                <a:ea typeface="+mn-ea"/>
+                <a:cs typeface="+mn-cs"/>
+              </a:defRPr>
+            </a:lvl9pPr>
+          </a:lstStyle>
+          <a:p>
+            <a:pPr marL="0" indent="0" algn="r">
+              <a:buFont typeface="Arial" panose="020B0604020202020204" pitchFamily="34" charset="0"/>
+              <a:buNone/>
+            </a:pPr>
+            <a:r>
+              <a:rPr lang="en-US" dirty="0" smtClean="0"/>
+              <a:t>Was </a:t>
+            </a:r>
+            <a:r>
+              <a:rPr lang="en-US" dirty="0" err="1" smtClean="0"/>
+              <a:t>ist</a:t>
+            </a:r>
+            <a:r>
+              <a:rPr lang="en-US" dirty="0" smtClean="0"/>
+              <a:t> </a:t>
+            </a:r>
+            <a:r>
+              <a:rPr lang="en-US" dirty="0" err="1" smtClean="0"/>
+              <a:t>Aufklärung</a:t>
+            </a:r>
+            <a:r>
+              <a:rPr lang="en-US" dirty="0" smtClean="0"/>
+              <a:t>? n-mal</a:t>
+            </a:r>
+            <a:endParaRPr lang="en-US" dirty="0"/>
+          </a:p>
+        </p:txBody>
+      </p:sp>
+    </p:spTree>
+    <p:extLst>
+      <p:ext uri="{BB962C8B-B14F-4D97-AF65-F5344CB8AC3E}">
+        <p14:creationId xmlns:p14="http://schemas.microsoft.com/office/powerpoint/2010/main" val="2878710363"/>
+      </p:ext>
+    </p:extLst>
+  </p:cSld>
+  <p:clrMapOvr>
+    <a:masterClrMapping/>
+  </p:clrMapOvr>
+  <p:timing>
+    <p:tnLst>
+      <p:par>
+        <p:cTn id="1" dur="indefinite" restart="never" nodeType="tmRoot"/>
+      </p:par>
+    </p:tnLst>
+  </p:timing>
+</p:sld>
+</file>
+
+<file path=ppt/slides/slide7.xml><?xml version="1.0" encoding="utf-8"?>
+<p:sld xmlns:a="http://schemas.openxmlformats.org/drawingml/2006/main" xmlns:r="http://schemas.openxmlformats.org/officeDocument/2006/relationships" xmlns:p="http://schemas.openxmlformats.org/presentationml/2006/main">
+  <p:cSld>
+    <p:spTree>
+      <p:nvGrpSpPr>
+        <p:cNvPr id="1" name=""/>
+        <p:cNvGrpSpPr/>
+        <p:nvPr/>
+      </p:nvGrpSpPr>
+      <p:grpSpPr>
+        <a:xfrm>
+          <a:off x="0" y="0"/>
+          <a:ext cx="0" cy="0"/>
+          <a:chOff x="0" y="0"/>
+          <a:chExt cx="0" cy="0"/>
+        </a:xfrm>
+      </p:grpSpPr>
+      <p:sp>
+        <p:nvSpPr>
+          <p:cNvPr id="2" name="Title 1"/>
+          <p:cNvSpPr>
+            <a:spLocks noGrp="1"/>
+          </p:cNvSpPr>
+          <p:nvPr>
+            <p:ph type="title"/>
+          </p:nvPr>
+        </p:nvSpPr>
+        <p:spPr/>
+        <p:txBody>
+          <a:bodyPr/>
+          <a:lstStyle/>
+          <a:p>
+            <a:r>
+              <a:rPr lang="en-US" dirty="0" err="1" smtClean="0"/>
+              <a:t>Methode</a:t>
+            </a:r>
+            <a:r>
+              <a:rPr lang="en-US" dirty="0" smtClean="0"/>
+              <a:t> von </a:t>
+            </a:r>
+            <a:r>
+              <a:rPr lang="en-US" dirty="0" err="1" smtClean="0"/>
+              <a:t>Rana</a:t>
+            </a:r>
+            <a:r>
+              <a:rPr lang="en-US" dirty="0" smtClean="0"/>
+              <a:t> et al. (III)</a:t>
+            </a:r>
+            <a:endParaRPr lang="en-US" dirty="0"/>
+          </a:p>
+        </p:txBody>
+      </p:sp>
+      <p:sp>
+        <p:nvSpPr>
+          <p:cNvPr id="3" name="Content Placeholder 2"/>
+          <p:cNvSpPr>
+            <a:spLocks noGrp="1"/>
+          </p:cNvSpPr>
+          <p:nvPr>
+            <p:ph idx="1"/>
+          </p:nvPr>
+        </p:nvSpPr>
+        <p:spPr/>
+        <p:txBody>
+          <a:bodyPr/>
+          <a:lstStyle/>
+          <a:p>
+            <a:pPr marL="0" indent="0">
+              <a:buNone/>
+            </a:pPr>
+            <a:r>
+              <a:rPr lang="en-US" b="1" dirty="0" err="1" smtClean="0"/>
+              <a:t>Vorteile</a:t>
+            </a:r>
+            <a:endParaRPr lang="en-US" b="1" dirty="0" smtClean="0"/>
+          </a:p>
+          <a:p>
+            <a:r>
+              <a:rPr lang="en-US" dirty="0" err="1" smtClean="0"/>
+              <a:t>Sehr</a:t>
+            </a:r>
+            <a:r>
+              <a:rPr lang="en-US" dirty="0" smtClean="0"/>
+              <a:t> </a:t>
+            </a:r>
+            <a:r>
+              <a:rPr lang="en-US" dirty="0" err="1" smtClean="0"/>
+              <a:t>einfach</a:t>
+            </a:r>
+            <a:r>
+              <a:rPr lang="en-US" dirty="0" smtClean="0"/>
+              <a:t> </a:t>
+            </a:r>
+            <a:r>
+              <a:rPr lang="en-US" dirty="0" err="1" smtClean="0"/>
+              <a:t>umsetzbar</a:t>
+            </a:r>
+            <a:endParaRPr lang="en-US" dirty="0" smtClean="0"/>
+          </a:p>
+          <a:p>
+            <a:r>
+              <a:rPr lang="en-US" dirty="0" err="1" smtClean="0"/>
+              <a:t>Lineare</a:t>
+            </a:r>
+            <a:r>
+              <a:rPr lang="en-US" dirty="0" smtClean="0"/>
+              <a:t> </a:t>
+            </a:r>
+            <a:r>
+              <a:rPr lang="en-US" dirty="0" err="1" smtClean="0"/>
+              <a:t>Zeitkomplexität</a:t>
+            </a:r>
+            <a:endParaRPr lang="en-US" dirty="0" smtClean="0"/>
+          </a:p>
+          <a:p>
+            <a:pPr marL="0" indent="0">
+              <a:buNone/>
+            </a:pPr>
+            <a:r>
+              <a:rPr lang="en-US" b="1" dirty="0" smtClean="0"/>
+              <a:t>Caveats</a:t>
+            </a:r>
+          </a:p>
+          <a:p>
+            <a:r>
+              <a:rPr lang="en-US" dirty="0" err="1" smtClean="0"/>
+              <a:t>Immer</a:t>
+            </a:r>
+            <a:r>
+              <a:rPr lang="en-US" dirty="0" smtClean="0"/>
+              <a:t> worst-case-</a:t>
+            </a:r>
+            <a:r>
+              <a:rPr lang="en-US" dirty="0" err="1" smtClean="0"/>
+              <a:t>Optimierung</a:t>
+            </a:r>
+            <a:endParaRPr lang="en-US" dirty="0" smtClean="0"/>
+          </a:p>
+          <a:p>
+            <a:r>
+              <a:rPr lang="en-US" dirty="0" err="1" smtClean="0"/>
+              <a:t>Nicht</a:t>
+            </a:r>
+            <a:r>
+              <a:rPr lang="en-US" dirty="0" smtClean="0"/>
+              <a:t> </a:t>
+            </a:r>
+            <a:r>
+              <a:rPr lang="en-US" dirty="0" err="1" smtClean="0"/>
+              <a:t>vollständig</a:t>
+            </a:r>
+            <a:r>
+              <a:rPr lang="en-US" dirty="0" smtClean="0"/>
+              <a:t> </a:t>
+            </a:r>
+            <a:r>
+              <a:rPr lang="en-US" dirty="0" err="1" smtClean="0"/>
+              <a:t>definiert</a:t>
+            </a:r>
+            <a:endParaRPr lang="en-US" dirty="0" smtClean="0"/>
+          </a:p>
+          <a:p>
+            <a:r>
+              <a:rPr lang="en-US" dirty="0" err="1" smtClean="0"/>
+              <a:t>Keine</a:t>
+            </a:r>
+            <a:r>
+              <a:rPr lang="en-US" dirty="0" smtClean="0"/>
+              <a:t> Error-Detection</a:t>
+            </a:r>
+          </a:p>
+          <a:p>
+            <a:r>
+              <a:rPr lang="en-US" dirty="0" err="1" smtClean="0"/>
+              <a:t>Kapazität</a:t>
+            </a:r>
+            <a:r>
+              <a:rPr lang="en-US" dirty="0" smtClean="0"/>
+              <a:t>: 1698 Bytes</a:t>
+            </a:r>
+            <a:endParaRPr lang="en-US" dirty="0"/>
+          </a:p>
+        </p:txBody>
+      </p:sp>
+    </p:spTree>
+    <p:extLst>
+      <p:ext uri="{BB962C8B-B14F-4D97-AF65-F5344CB8AC3E}">
+        <p14:creationId xmlns:p14="http://schemas.microsoft.com/office/powerpoint/2010/main" val="3267818541"/>
+      </p:ext>
+    </p:extLst>
+  </p:cSld>
+  <p:clrMapOvr>
+    <a:masterClrMapping/>
+  </p:clrMapOvr>
+  <p:timing>
+    <p:tnLst>
+      <p:par>
+        <p:cTn id="1" dur="indefinite" restart="never" nodeType="tmRoot"/>
+      </p:par>
+    </p:tnLst>
+  </p:timing>
+</p:sld>
+</file>
+
+<file path=ppt/slides/slide8.xml><?xml version="1.0" encoding="utf-8"?>
+<p:sld xmlns:a="http://schemas.openxmlformats.org/drawingml/2006/main" xmlns:r="http://schemas.openxmlformats.org/officeDocument/2006/relationships" xmlns:p="http://schemas.openxmlformats.org/presentationml/2006/main">
+  <p:cSld>
+    <p:spTree>
+      <p:nvGrpSpPr>
+        <p:cNvPr id="1" name=""/>
+        <p:cNvGrpSpPr/>
+        <p:nvPr/>
+      </p:nvGrpSpPr>
+      <p:grpSpPr>
+        <a:xfrm>
+          <a:off x="0" y="0"/>
+          <a:ext cx="0" cy="0"/>
+          <a:chOff x="0" y="0"/>
+          <a:chExt cx="0" cy="0"/>
+        </a:xfrm>
+      </p:grpSpPr>
+      <p:sp>
+        <p:nvSpPr>
+          <p:cNvPr id="2" name="Title 1"/>
+          <p:cNvSpPr>
+            <a:spLocks noGrp="1"/>
+          </p:cNvSpPr>
+          <p:nvPr>
+            <p:ph type="title"/>
+          </p:nvPr>
+        </p:nvSpPr>
+        <p:spPr/>
+        <p:txBody>
+          <a:bodyPr/>
+          <a:lstStyle/>
+          <a:p>
+            <a:r>
+              <a:rPr lang="en-US" dirty="0" err="1" smtClean="0"/>
+              <a:t>Codier-Algorithmus</a:t>
+            </a:r>
+            <a:endParaRPr lang="en-US" dirty="0"/>
+          </a:p>
+        </p:txBody>
+      </p:sp>
+      <p:sp>
+        <p:nvSpPr>
+          <p:cNvPr id="3" name="Content Placeholder 2"/>
+          <p:cNvSpPr>
+            <a:spLocks noGrp="1"/>
+          </p:cNvSpPr>
+          <p:nvPr>
+            <p:ph idx="1"/>
+          </p:nvPr>
+        </p:nvSpPr>
+        <p:spPr/>
+        <p:txBody>
+          <a:bodyPr>
+            <a:normAutofit/>
+          </a:bodyPr>
+          <a:lstStyle/>
+          <a:p>
+            <a:pPr marL="0" indent="0">
+              <a:buNone/>
+            </a:pPr>
+            <a:r>
+              <a:rPr lang="en-US" sz="2000" b="1" dirty="0" err="1">
+                <a:latin typeface="Consolas" panose="020B0609020204030204" pitchFamily="49" charset="0"/>
+                <a:cs typeface="Consolas" panose="020B0609020204030204" pitchFamily="49" charset="0"/>
+              </a:rPr>
+              <a:t>algo</a:t>
+            </a:r>
+            <a:r>
+              <a:rPr lang="en-US" sz="2000" dirty="0">
+                <a:latin typeface="Consolas" panose="020B0609020204030204" pitchFamily="49" charset="0"/>
+                <a:cs typeface="Consolas" panose="020B0609020204030204" pitchFamily="49" charset="0"/>
+              </a:rPr>
+              <a:t> encode:</a:t>
+            </a:r>
+          </a:p>
+          <a:p>
+            <a:pPr marL="0" indent="0">
+              <a:buNone/>
+            </a:pPr>
+            <a:r>
+              <a:rPr lang="en-US" sz="2000" dirty="0" smtClean="0">
+                <a:latin typeface="Consolas" panose="020B0609020204030204" pitchFamily="49" charset="0"/>
+                <a:cs typeface="Consolas" panose="020B0609020204030204" pitchFamily="49" charset="0"/>
+              </a:rPr>
+              <a:t>	</a:t>
+            </a:r>
+            <a:r>
+              <a:rPr lang="en-US" sz="2000" b="1" dirty="0" smtClean="0">
+                <a:latin typeface="Consolas" panose="020B0609020204030204" pitchFamily="49" charset="0"/>
+                <a:cs typeface="Consolas" panose="020B0609020204030204" pitchFamily="49" charset="0"/>
+              </a:rPr>
+              <a:t>for</a:t>
+            </a:r>
+            <a:r>
+              <a:rPr lang="en-US" sz="2000" dirty="0" smtClean="0">
+                <a:latin typeface="Consolas" panose="020B0609020204030204" pitchFamily="49" charset="0"/>
+                <a:cs typeface="Consolas" panose="020B0609020204030204" pitchFamily="49" charset="0"/>
+              </a:rPr>
+              <a:t> </a:t>
+            </a:r>
+            <a:r>
+              <a:rPr lang="en-US" sz="2000" dirty="0" err="1">
+                <a:latin typeface="Consolas" panose="020B0609020204030204" pitchFamily="49" charset="0"/>
+                <a:cs typeface="Consolas" panose="020B0609020204030204" pitchFamily="49" charset="0"/>
+              </a:rPr>
+              <a:t>i</a:t>
+            </a:r>
+            <a:r>
+              <a:rPr lang="en-US" sz="2000" dirty="0">
+                <a:latin typeface="Consolas" panose="020B0609020204030204" pitchFamily="49" charset="0"/>
+                <a:cs typeface="Consolas" panose="020B0609020204030204" pitchFamily="49" charset="0"/>
+              </a:rPr>
+              <a:t> </a:t>
+            </a:r>
+            <a:r>
+              <a:rPr lang="en-US" sz="2000" b="1" dirty="0">
+                <a:latin typeface="Consolas" panose="020B0609020204030204" pitchFamily="49" charset="0"/>
+                <a:cs typeface="Consolas" panose="020B0609020204030204" pitchFamily="49" charset="0"/>
+              </a:rPr>
+              <a:t>in</a:t>
+            </a:r>
+            <a:r>
+              <a:rPr lang="en-US" sz="2000" dirty="0">
+                <a:latin typeface="Consolas" panose="020B0609020204030204" pitchFamily="49" charset="0"/>
+                <a:cs typeface="Consolas" panose="020B0609020204030204" pitchFamily="49" charset="0"/>
+              </a:rPr>
+              <a:t> [0..|text|-1]:</a:t>
+            </a:r>
+          </a:p>
+          <a:p>
+            <a:pPr marL="0" indent="0">
+              <a:buNone/>
+            </a:pPr>
+            <a:r>
+              <a:rPr lang="da-DK" sz="2000" dirty="0" smtClean="0">
+                <a:latin typeface="Consolas" panose="020B0609020204030204" pitchFamily="49" charset="0"/>
+                <a:cs typeface="Consolas" panose="020B0609020204030204" pitchFamily="49" charset="0"/>
+              </a:rPr>
+              <a:t>	</a:t>
+            </a:r>
+            <a:r>
+              <a:rPr lang="da-DK" sz="2000" b="1" dirty="0" smtClean="0">
+                <a:latin typeface="Consolas" panose="020B0609020204030204" pitchFamily="49" charset="0"/>
+                <a:cs typeface="Consolas" panose="020B0609020204030204" pitchFamily="49" charset="0"/>
+              </a:rPr>
+              <a:t>var</a:t>
+            </a:r>
+            <a:r>
+              <a:rPr lang="da-DK" sz="2000" dirty="0" smtClean="0">
+                <a:latin typeface="Consolas" panose="020B0609020204030204" pitchFamily="49" charset="0"/>
+                <a:cs typeface="Consolas" panose="020B0609020204030204" pitchFamily="49" charset="0"/>
+              </a:rPr>
+              <a:t> </a:t>
+            </a:r>
+            <a:r>
+              <a:rPr lang="da-DK" sz="2000" dirty="0">
+                <a:latin typeface="Consolas" panose="020B0609020204030204" pitchFamily="49" charset="0"/>
+                <a:cs typeface="Consolas" panose="020B0609020204030204" pitchFamily="49" charset="0"/>
+              </a:rPr>
+              <a:t>x = (i*3) </a:t>
+            </a:r>
+            <a:r>
+              <a:rPr lang="da-DK" sz="2000" b="1" dirty="0">
+                <a:latin typeface="Consolas" panose="020B0609020204030204" pitchFamily="49" charset="0"/>
+                <a:cs typeface="Consolas" panose="020B0609020204030204" pitchFamily="49" charset="0"/>
+              </a:rPr>
+              <a:t>mod</a:t>
+            </a:r>
+            <a:r>
+              <a:rPr lang="da-DK" sz="2000" dirty="0">
+                <a:latin typeface="Consolas" panose="020B0609020204030204" pitchFamily="49" charset="0"/>
+                <a:cs typeface="Consolas" panose="020B0609020204030204" pitchFamily="49" charset="0"/>
+              </a:rPr>
+              <a:t> width</a:t>
+            </a:r>
+          </a:p>
+          <a:p>
+            <a:pPr marL="0" indent="0">
+              <a:buNone/>
+            </a:pPr>
+            <a:r>
+              <a:rPr lang="en-US" sz="2000" dirty="0" smtClean="0">
+                <a:latin typeface="Consolas" panose="020B0609020204030204" pitchFamily="49" charset="0"/>
+                <a:cs typeface="Consolas" panose="020B0609020204030204" pitchFamily="49" charset="0"/>
+              </a:rPr>
+              <a:t>	</a:t>
+            </a:r>
+            <a:r>
+              <a:rPr lang="en-US" sz="2000" b="1" dirty="0" err="1" smtClean="0">
+                <a:latin typeface="Consolas" panose="020B0609020204030204" pitchFamily="49" charset="0"/>
+                <a:cs typeface="Consolas" panose="020B0609020204030204" pitchFamily="49" charset="0"/>
+              </a:rPr>
+              <a:t>var</a:t>
+            </a:r>
+            <a:r>
+              <a:rPr lang="en-US" sz="2000" dirty="0" smtClean="0">
+                <a:latin typeface="Consolas" panose="020B0609020204030204" pitchFamily="49" charset="0"/>
+                <a:cs typeface="Consolas" panose="020B0609020204030204" pitchFamily="49" charset="0"/>
+              </a:rPr>
+              <a:t> </a:t>
+            </a:r>
+            <a:r>
+              <a:rPr lang="en-US" sz="2000" dirty="0">
+                <a:latin typeface="Consolas" panose="020B0609020204030204" pitchFamily="49" charset="0"/>
+                <a:cs typeface="Consolas" panose="020B0609020204030204" pitchFamily="49" charset="0"/>
+              </a:rPr>
+              <a:t>y = (</a:t>
+            </a:r>
+            <a:r>
+              <a:rPr lang="en-US" sz="2000" dirty="0" err="1">
+                <a:latin typeface="Consolas" panose="020B0609020204030204" pitchFamily="49" charset="0"/>
+                <a:cs typeface="Consolas" panose="020B0609020204030204" pitchFamily="49" charset="0"/>
+              </a:rPr>
+              <a:t>i</a:t>
+            </a:r>
+            <a:r>
+              <a:rPr lang="en-US" sz="2000" dirty="0">
+                <a:latin typeface="Consolas" panose="020B0609020204030204" pitchFamily="49" charset="0"/>
+                <a:cs typeface="Consolas" panose="020B0609020204030204" pitchFamily="49" charset="0"/>
+              </a:rPr>
+              <a:t>*3) / width * 2</a:t>
+            </a:r>
+          </a:p>
+          <a:p>
+            <a:pPr marL="0" indent="0">
+              <a:buNone/>
+            </a:pPr>
+            <a:r>
+              <a:rPr lang="es-ES" sz="2000" dirty="0" smtClean="0">
+                <a:latin typeface="Consolas" panose="020B0609020204030204" pitchFamily="49" charset="0"/>
+                <a:cs typeface="Consolas" panose="020B0609020204030204" pitchFamily="49" charset="0"/>
+              </a:rPr>
+              <a:t>	</a:t>
+            </a:r>
+            <a:r>
+              <a:rPr lang="es-ES" sz="2000" dirty="0" err="1" smtClean="0">
+                <a:latin typeface="Consolas" panose="020B0609020204030204" pitchFamily="49" charset="0"/>
+                <a:cs typeface="Consolas" panose="020B0609020204030204" pitchFamily="49" charset="0"/>
+              </a:rPr>
+              <a:t>bc</a:t>
+            </a:r>
+            <a:r>
+              <a:rPr lang="es-ES" sz="2000" dirty="0" smtClean="0">
+                <a:latin typeface="Consolas" panose="020B0609020204030204" pitchFamily="49" charset="0"/>
+                <a:cs typeface="Consolas" panose="020B0609020204030204" pitchFamily="49" charset="0"/>
+              </a:rPr>
+              <a:t>[x</a:t>
+            </a:r>
+            <a:r>
+              <a:rPr lang="es-ES" sz="2000" dirty="0">
+                <a:latin typeface="Consolas" panose="020B0609020204030204" pitchFamily="49" charset="0"/>
+                <a:cs typeface="Consolas" panose="020B0609020204030204" pitchFamily="49" charset="0"/>
+              </a:rPr>
+              <a:t>, y] = </a:t>
+            </a:r>
+            <a:r>
+              <a:rPr lang="es-ES" sz="2000" dirty="0" err="1">
+                <a:latin typeface="Consolas" panose="020B0609020204030204" pitchFamily="49" charset="0"/>
+                <a:cs typeface="Consolas" panose="020B0609020204030204" pitchFamily="49" charset="0"/>
+              </a:rPr>
+              <a:t>bc</a:t>
+            </a:r>
+            <a:r>
+              <a:rPr lang="es-ES" sz="2000" dirty="0">
+                <a:latin typeface="Consolas" panose="020B0609020204030204" pitchFamily="49" charset="0"/>
+                <a:cs typeface="Consolas" panose="020B0609020204030204" pitchFamily="49" charset="0"/>
+              </a:rPr>
+              <a:t>[x+1, y] = </a:t>
+            </a:r>
+            <a:r>
+              <a:rPr lang="es-ES" sz="2000" dirty="0" err="1">
+                <a:latin typeface="Consolas" panose="020B0609020204030204" pitchFamily="49" charset="0"/>
+                <a:cs typeface="Consolas" panose="020B0609020204030204" pitchFamily="49" charset="0"/>
+              </a:rPr>
+              <a:t>bc</a:t>
+            </a:r>
+            <a:r>
+              <a:rPr lang="es-ES" sz="2000" dirty="0">
+                <a:latin typeface="Consolas" panose="020B0609020204030204" pitchFamily="49" charset="0"/>
+                <a:cs typeface="Consolas" panose="020B0609020204030204" pitchFamily="49" charset="0"/>
+              </a:rPr>
+              <a:t>[x, y+1] </a:t>
+            </a:r>
+            <a:r>
+              <a:rPr lang="es-ES" sz="2000" dirty="0" smtClean="0">
+                <a:latin typeface="Consolas" panose="020B0609020204030204" pitchFamily="49" charset="0"/>
+                <a:cs typeface="Consolas" panose="020B0609020204030204" pitchFamily="49" charset="0"/>
+              </a:rPr>
+              <a:t>=</a:t>
+            </a:r>
+          </a:p>
+          <a:p>
+            <a:pPr marL="0" indent="0">
+              <a:buNone/>
+            </a:pPr>
+            <a:r>
+              <a:rPr lang="es-ES" sz="2000" dirty="0">
+                <a:latin typeface="Consolas" panose="020B0609020204030204" pitchFamily="49" charset="0"/>
+                <a:cs typeface="Consolas" panose="020B0609020204030204" pitchFamily="49" charset="0"/>
+              </a:rPr>
+              <a:t>	</a:t>
+            </a:r>
+            <a:r>
+              <a:rPr lang="es-ES" sz="2000" dirty="0" smtClean="0">
+                <a:latin typeface="Consolas" panose="020B0609020204030204" pitchFamily="49" charset="0"/>
+                <a:cs typeface="Consolas" panose="020B0609020204030204" pitchFamily="49" charset="0"/>
+              </a:rPr>
+              <a:t>	color(</a:t>
+            </a:r>
+            <a:r>
+              <a:rPr lang="es-ES" sz="2000" dirty="0" err="1" smtClean="0">
+                <a:latin typeface="Consolas" panose="020B0609020204030204" pitchFamily="49" charset="0"/>
+                <a:cs typeface="Consolas" panose="020B0609020204030204" pitchFamily="49" charset="0"/>
+              </a:rPr>
+              <a:t>text</a:t>
+            </a:r>
+            <a:r>
+              <a:rPr lang="es-ES" sz="2000" dirty="0" smtClean="0">
+                <a:latin typeface="Consolas" panose="020B0609020204030204" pitchFamily="49" charset="0"/>
+                <a:cs typeface="Consolas" panose="020B0609020204030204" pitchFamily="49" charset="0"/>
+              </a:rPr>
+              <a:t>[i</a:t>
+            </a:r>
+            <a:r>
+              <a:rPr lang="es-ES" sz="2000" dirty="0">
+                <a:latin typeface="Consolas" panose="020B0609020204030204" pitchFamily="49" charset="0"/>
+                <a:cs typeface="Consolas" panose="020B0609020204030204" pitchFamily="49" charset="0"/>
+              </a:rPr>
+              <a:t>].</a:t>
+            </a:r>
+            <a:r>
+              <a:rPr lang="es-ES" sz="2000" dirty="0" err="1">
+                <a:latin typeface="Consolas" panose="020B0609020204030204" pitchFamily="49" charset="0"/>
+                <a:cs typeface="Consolas" panose="020B0609020204030204" pitchFamily="49" charset="0"/>
+              </a:rPr>
+              <a:t>low</a:t>
+            </a:r>
+            <a:r>
+              <a:rPr lang="es-ES" sz="2000" dirty="0">
+                <a:latin typeface="Consolas" panose="020B0609020204030204" pitchFamily="49" charset="0"/>
+                <a:cs typeface="Consolas" panose="020B0609020204030204" pitchFamily="49" charset="0"/>
+              </a:rPr>
+              <a:t>)</a:t>
+            </a:r>
+          </a:p>
+          <a:p>
+            <a:pPr marL="0" indent="0">
+              <a:buNone/>
+            </a:pPr>
+            <a:r>
+              <a:rPr lang="es-ES" sz="2000" dirty="0" smtClean="0">
+                <a:latin typeface="Consolas" panose="020B0609020204030204" pitchFamily="49" charset="0"/>
+                <a:cs typeface="Consolas" panose="020B0609020204030204" pitchFamily="49" charset="0"/>
+              </a:rPr>
+              <a:t>	</a:t>
+            </a:r>
+            <a:r>
+              <a:rPr lang="es-ES" sz="2000" dirty="0" err="1" smtClean="0">
+                <a:latin typeface="Consolas" panose="020B0609020204030204" pitchFamily="49" charset="0"/>
+                <a:cs typeface="Consolas" panose="020B0609020204030204" pitchFamily="49" charset="0"/>
+              </a:rPr>
+              <a:t>bc</a:t>
+            </a:r>
+            <a:r>
+              <a:rPr lang="es-ES" sz="2000" dirty="0" smtClean="0">
+                <a:latin typeface="Consolas" panose="020B0609020204030204" pitchFamily="49" charset="0"/>
+                <a:cs typeface="Consolas" panose="020B0609020204030204" pitchFamily="49" charset="0"/>
+              </a:rPr>
+              <a:t>[x+1</a:t>
+            </a:r>
+            <a:r>
+              <a:rPr lang="es-ES" sz="2000" dirty="0">
+                <a:latin typeface="Consolas" panose="020B0609020204030204" pitchFamily="49" charset="0"/>
+                <a:cs typeface="Consolas" panose="020B0609020204030204" pitchFamily="49" charset="0"/>
+              </a:rPr>
+              <a:t>, y+1] = </a:t>
+            </a:r>
+            <a:r>
+              <a:rPr lang="es-ES" sz="2000" dirty="0" err="1">
+                <a:latin typeface="Consolas" panose="020B0609020204030204" pitchFamily="49" charset="0"/>
+                <a:cs typeface="Consolas" panose="020B0609020204030204" pitchFamily="49" charset="0"/>
+              </a:rPr>
+              <a:t>bc</a:t>
+            </a:r>
+            <a:r>
+              <a:rPr lang="es-ES" sz="2000" dirty="0">
+                <a:latin typeface="Consolas" panose="020B0609020204030204" pitchFamily="49" charset="0"/>
+                <a:cs typeface="Consolas" panose="020B0609020204030204" pitchFamily="49" charset="0"/>
+              </a:rPr>
+              <a:t>[x+2, y+1] = </a:t>
+            </a:r>
+            <a:r>
+              <a:rPr lang="es-ES" sz="2000" dirty="0" err="1">
+                <a:latin typeface="Consolas" panose="020B0609020204030204" pitchFamily="49" charset="0"/>
+                <a:cs typeface="Consolas" panose="020B0609020204030204" pitchFamily="49" charset="0"/>
+              </a:rPr>
+              <a:t>bc</a:t>
+            </a:r>
+            <a:r>
+              <a:rPr lang="es-ES" sz="2000" dirty="0">
+                <a:latin typeface="Consolas" panose="020B0609020204030204" pitchFamily="49" charset="0"/>
+                <a:cs typeface="Consolas" panose="020B0609020204030204" pitchFamily="49" charset="0"/>
+              </a:rPr>
+              <a:t>[x+2, y] </a:t>
+            </a:r>
+            <a:r>
+              <a:rPr lang="es-ES" sz="2000" dirty="0" smtClean="0">
+                <a:latin typeface="Consolas" panose="020B0609020204030204" pitchFamily="49" charset="0"/>
+                <a:cs typeface="Consolas" panose="020B0609020204030204" pitchFamily="49" charset="0"/>
+              </a:rPr>
+              <a:t>=</a:t>
+            </a:r>
+          </a:p>
+          <a:p>
+            <a:pPr marL="0" indent="0">
+              <a:buNone/>
+            </a:pPr>
+            <a:r>
+              <a:rPr lang="es-ES" sz="2000" dirty="0">
+                <a:latin typeface="Consolas" panose="020B0609020204030204" pitchFamily="49" charset="0"/>
+                <a:cs typeface="Consolas" panose="020B0609020204030204" pitchFamily="49" charset="0"/>
+              </a:rPr>
+              <a:t>	</a:t>
+            </a:r>
+            <a:r>
+              <a:rPr lang="es-ES" sz="2000" dirty="0" smtClean="0">
+                <a:latin typeface="Consolas" panose="020B0609020204030204" pitchFamily="49" charset="0"/>
+                <a:cs typeface="Consolas" panose="020B0609020204030204" pitchFamily="49" charset="0"/>
+              </a:rPr>
+              <a:t>	color(</a:t>
+            </a:r>
+            <a:r>
+              <a:rPr lang="es-ES" sz="2000" dirty="0" err="1" smtClean="0">
+                <a:latin typeface="Consolas" panose="020B0609020204030204" pitchFamily="49" charset="0"/>
+                <a:cs typeface="Consolas" panose="020B0609020204030204" pitchFamily="49" charset="0"/>
+              </a:rPr>
+              <a:t>text</a:t>
+            </a:r>
+            <a:r>
+              <a:rPr lang="es-ES" sz="2000" dirty="0" smtClean="0">
+                <a:latin typeface="Consolas" panose="020B0609020204030204" pitchFamily="49" charset="0"/>
+                <a:cs typeface="Consolas" panose="020B0609020204030204" pitchFamily="49" charset="0"/>
+              </a:rPr>
+              <a:t>[i</a:t>
+            </a:r>
+            <a:r>
+              <a:rPr lang="es-ES" sz="2000" dirty="0">
+                <a:latin typeface="Consolas" panose="020B0609020204030204" pitchFamily="49" charset="0"/>
+                <a:cs typeface="Consolas" panose="020B0609020204030204" pitchFamily="49" charset="0"/>
+              </a:rPr>
+              <a:t>].</a:t>
+            </a:r>
+            <a:r>
+              <a:rPr lang="es-ES" sz="2000" dirty="0" err="1">
+                <a:latin typeface="Consolas" panose="020B0609020204030204" pitchFamily="49" charset="0"/>
+                <a:cs typeface="Consolas" panose="020B0609020204030204" pitchFamily="49" charset="0"/>
+              </a:rPr>
+              <a:t>high</a:t>
+            </a:r>
+            <a:r>
+              <a:rPr lang="es-ES" sz="2000" dirty="0">
+                <a:latin typeface="Consolas" panose="020B0609020204030204" pitchFamily="49" charset="0"/>
+                <a:cs typeface="Consolas" panose="020B0609020204030204" pitchFamily="49" charset="0"/>
+              </a:rPr>
+              <a:t>)</a:t>
+            </a:r>
+            <a:endParaRPr lang="en-US" sz="2000" dirty="0">
+              <a:latin typeface="Consolas" panose="020B0609020204030204" pitchFamily="49" charset="0"/>
+              <a:cs typeface="Consolas" panose="020B0609020204030204" pitchFamily="49" charset="0"/>
+            </a:endParaRPr>
+          </a:p>
+        </p:txBody>
+      </p:sp>
+    </p:spTree>
+    <p:extLst>
+      <p:ext uri="{BB962C8B-B14F-4D97-AF65-F5344CB8AC3E}">
+        <p14:creationId xmlns:p14="http://schemas.microsoft.com/office/powerpoint/2010/main" val="599096765"/>
+      </p:ext>
+    </p:extLst>
+  </p:cSld>
+  <p:clrMapOvr>
+    <a:masterClrMapping/>
+  </p:clrMapOvr>
+  <p:timing>
+    <p:tnLst>
+      <p:par>
+        <p:cTn id="1" dur="indefinite" restart="never" nodeType="tmRoot"/>
+      </p:par>
+    </p:tnLst>
+  </p:timing>
+</p:sld>
+</file>
+
+<file path=ppt/slides/slide9.xml><?xml version="1.0" encoding="utf-8"?>
+<p:sld xmlns:a="http://schemas.openxmlformats.org/drawingml/2006/main" xmlns:r="http://schemas.openxmlformats.org/officeDocument/2006/relationships" xmlns:p="http://schemas.openxmlformats.org/presentationml/2006/main">
+  <p:cSld>
+    <p:spTree>
+      <p:nvGrpSpPr>
+        <p:cNvPr id="1" name=""/>
+        <p:cNvGrpSpPr/>
+        <p:nvPr/>
+      </p:nvGrpSpPr>
+      <p:grpSpPr>
+        <a:xfrm>
+          <a:off x="0" y="0"/>
+          <a:ext cx="0" cy="0"/>
+          <a:chOff x="0" y="0"/>
+          <a:chExt cx="0" cy="0"/>
+        </a:xfrm>
+      </p:grpSpPr>
+      <p:sp>
+        <p:nvSpPr>
+          <p:cNvPr id="2" name="Title 1"/>
+          <p:cNvSpPr>
+            <a:spLocks noGrp="1"/>
+          </p:cNvSpPr>
+          <p:nvPr>
+            <p:ph type="title"/>
+          </p:nvPr>
+        </p:nvSpPr>
+        <p:spPr/>
+        <p:txBody>
+          <a:bodyPr/>
+          <a:lstStyle/>
+          <a:p>
+            <a:r>
+              <a:rPr lang="en-US" dirty="0" err="1" smtClean="0"/>
+              <a:t>Decodier-Algorithmus</a:t>
+            </a:r>
+            <a:endParaRPr lang="en-US" dirty="0"/>
+          </a:p>
+        </p:txBody>
+      </p:sp>
+      <p:sp>
+        <p:nvSpPr>
+          <p:cNvPr id="3" name="Content Placeholder 2"/>
+          <p:cNvSpPr>
+            <a:spLocks noGrp="1"/>
+          </p:cNvSpPr>
+          <p:nvPr>
+            <p:ph idx="1"/>
+          </p:nvPr>
+        </p:nvSpPr>
+        <p:spPr/>
+        <p:txBody>
+          <a:bodyPr vert="horz" lIns="91440" tIns="45720" rIns="91440" bIns="45720" rtlCol="0">
+            <a:normAutofit/>
+          </a:bodyPr>
+          <a:lstStyle/>
+          <a:p>
+            <a:pPr marL="0" indent="0">
+              <a:buNone/>
+            </a:pPr>
+            <a:r>
+              <a:rPr lang="en-US" sz="1600" b="1" dirty="0" err="1">
+                <a:latin typeface="Consolas" panose="020B0609020204030204" pitchFamily="49" charset="0"/>
+                <a:cs typeface="Consolas" panose="020B0609020204030204" pitchFamily="49" charset="0"/>
+              </a:rPr>
+              <a:t>algo</a:t>
+            </a:r>
+            <a:r>
+              <a:rPr lang="en-US" sz="1600" dirty="0">
+                <a:latin typeface="Consolas" panose="020B0609020204030204" pitchFamily="49" charset="0"/>
+                <a:cs typeface="Consolas" panose="020B0609020204030204" pitchFamily="49" charset="0"/>
+              </a:rPr>
+              <a:t> decode:</a:t>
+            </a:r>
+          </a:p>
+          <a:p>
+            <a:pPr marL="0" indent="0">
+              <a:buNone/>
+            </a:pPr>
+            <a:r>
+              <a:rPr lang="en-US" sz="1600" dirty="0" smtClean="0">
+                <a:latin typeface="Consolas" panose="020B0609020204030204" pitchFamily="49" charset="0"/>
+                <a:cs typeface="Consolas" panose="020B0609020204030204" pitchFamily="49" charset="0"/>
+              </a:rPr>
+              <a:t>	</a:t>
+            </a:r>
+            <a:r>
+              <a:rPr lang="en-US" sz="1600" b="1" dirty="0" smtClean="0">
+                <a:latin typeface="Consolas" panose="020B0609020204030204" pitchFamily="49" charset="0"/>
+                <a:cs typeface="Consolas" panose="020B0609020204030204" pitchFamily="49" charset="0"/>
+              </a:rPr>
+              <a:t>for</a:t>
+            </a:r>
+            <a:r>
+              <a:rPr lang="en-US" sz="1600" dirty="0" smtClean="0">
+                <a:latin typeface="Consolas" panose="020B0609020204030204" pitchFamily="49" charset="0"/>
+                <a:cs typeface="Consolas" panose="020B0609020204030204" pitchFamily="49" charset="0"/>
+              </a:rPr>
+              <a:t> </a:t>
+            </a:r>
+            <a:r>
+              <a:rPr lang="en-US" sz="1600" dirty="0">
+                <a:latin typeface="Consolas" panose="020B0609020204030204" pitchFamily="49" charset="0"/>
+                <a:cs typeface="Consolas" panose="020B0609020204030204" pitchFamily="49" charset="0"/>
+              </a:rPr>
+              <a:t>(y, x) </a:t>
+            </a:r>
+            <a:r>
+              <a:rPr lang="en-US" sz="1600" b="1" dirty="0">
+                <a:latin typeface="Consolas" panose="020B0609020204030204" pitchFamily="49" charset="0"/>
+                <a:cs typeface="Consolas" panose="020B0609020204030204" pitchFamily="49" charset="0"/>
+              </a:rPr>
+              <a:t>in</a:t>
+            </a:r>
+            <a:r>
+              <a:rPr lang="en-US" sz="1600" dirty="0">
+                <a:latin typeface="Consolas" panose="020B0609020204030204" pitchFamily="49" charset="0"/>
+                <a:cs typeface="Consolas" panose="020B0609020204030204" pitchFamily="49" charset="0"/>
+              </a:rPr>
+              <a:t> [0..height-1] x [0..width-1] </a:t>
+            </a:r>
+            <a:r>
+              <a:rPr lang="en-US" sz="1600" b="1" dirty="0" smtClean="0">
+                <a:latin typeface="Consolas" panose="020B0609020204030204" pitchFamily="49" charset="0"/>
+                <a:cs typeface="Consolas" panose="020B0609020204030204" pitchFamily="49" charset="0"/>
+              </a:rPr>
+              <a:t>step</a:t>
+            </a:r>
+            <a:r>
+              <a:rPr lang="en-US" sz="1600" dirty="0" smtClean="0">
+                <a:latin typeface="Consolas" panose="020B0609020204030204" pitchFamily="49" charset="0"/>
+                <a:cs typeface="Consolas" panose="020B0609020204030204" pitchFamily="49" charset="0"/>
+              </a:rPr>
+              <a:t>(2</a:t>
+            </a:r>
+            <a:r>
+              <a:rPr lang="en-US" sz="1600" dirty="0">
+                <a:latin typeface="Consolas" panose="020B0609020204030204" pitchFamily="49" charset="0"/>
+                <a:cs typeface="Consolas" panose="020B0609020204030204" pitchFamily="49" charset="0"/>
+              </a:rPr>
+              <a:t>, 3):</a:t>
+            </a:r>
+          </a:p>
+          <a:p>
+            <a:pPr marL="0" indent="0">
+              <a:buNone/>
+            </a:pPr>
+            <a:r>
+              <a:rPr lang="es-ES" sz="1600" dirty="0" smtClean="0">
+                <a:latin typeface="Consolas" panose="020B0609020204030204" pitchFamily="49" charset="0"/>
+                <a:cs typeface="Consolas" panose="020B0609020204030204" pitchFamily="49" charset="0"/>
+              </a:rPr>
+              <a:t>		</a:t>
+            </a:r>
+            <a:r>
+              <a:rPr lang="es-ES" sz="1600" b="1" dirty="0" err="1" smtClean="0">
+                <a:latin typeface="Consolas" panose="020B0609020204030204" pitchFamily="49" charset="0"/>
+                <a:cs typeface="Consolas" panose="020B0609020204030204" pitchFamily="49" charset="0"/>
+              </a:rPr>
+              <a:t>var</a:t>
+            </a:r>
+            <a:r>
+              <a:rPr lang="es-ES" sz="1600" dirty="0" smtClean="0">
+                <a:latin typeface="Consolas" panose="020B0609020204030204" pitchFamily="49" charset="0"/>
+                <a:cs typeface="Consolas" panose="020B0609020204030204" pitchFamily="49" charset="0"/>
+              </a:rPr>
+              <a:t> </a:t>
+            </a:r>
+            <a:r>
+              <a:rPr lang="es-ES" sz="1600" dirty="0">
+                <a:latin typeface="Consolas" panose="020B0609020204030204" pitchFamily="49" charset="0"/>
+                <a:cs typeface="Consolas" panose="020B0609020204030204" pitchFamily="49" charset="0"/>
+              </a:rPr>
+              <a:t>c1 = </a:t>
+            </a:r>
+            <a:r>
+              <a:rPr lang="es-ES" sz="1600" dirty="0" err="1" smtClean="0">
+                <a:latin typeface="Consolas" panose="020B0609020204030204" pitchFamily="49" charset="0"/>
+                <a:cs typeface="Consolas" panose="020B0609020204030204" pitchFamily="49" charset="0"/>
+              </a:rPr>
+              <a:t>detect_color</a:t>
+            </a:r>
+            <a:endParaRPr lang="es-ES" sz="1600" dirty="0" smtClean="0">
+              <a:latin typeface="Consolas" panose="020B0609020204030204" pitchFamily="49" charset="0"/>
+              <a:cs typeface="Consolas" panose="020B0609020204030204" pitchFamily="49" charset="0"/>
+            </a:endParaRPr>
+          </a:p>
+          <a:p>
+            <a:pPr marL="0" indent="0">
+              <a:buNone/>
+            </a:pPr>
+            <a:r>
+              <a:rPr lang="es-ES" sz="1600" dirty="0">
+                <a:latin typeface="Consolas" panose="020B0609020204030204" pitchFamily="49" charset="0"/>
+                <a:cs typeface="Consolas" panose="020B0609020204030204" pitchFamily="49" charset="0"/>
+              </a:rPr>
+              <a:t>	</a:t>
+            </a:r>
+            <a:r>
+              <a:rPr lang="es-ES" sz="1600" dirty="0" smtClean="0">
+                <a:latin typeface="Consolas" panose="020B0609020204030204" pitchFamily="49" charset="0"/>
+                <a:cs typeface="Consolas" panose="020B0609020204030204" pitchFamily="49" charset="0"/>
+              </a:rPr>
+              <a:t>		(</a:t>
+            </a:r>
+            <a:r>
+              <a:rPr lang="es-ES" sz="1600" dirty="0" err="1">
+                <a:latin typeface="Consolas" panose="020B0609020204030204" pitchFamily="49" charset="0"/>
+                <a:cs typeface="Consolas" panose="020B0609020204030204" pitchFamily="49" charset="0"/>
+              </a:rPr>
+              <a:t>bc</a:t>
+            </a:r>
+            <a:r>
+              <a:rPr lang="es-ES" sz="1600" dirty="0">
+                <a:latin typeface="Consolas" panose="020B0609020204030204" pitchFamily="49" charset="0"/>
+                <a:cs typeface="Consolas" panose="020B0609020204030204" pitchFamily="49" charset="0"/>
+              </a:rPr>
+              <a:t>[x, y], </a:t>
+            </a:r>
+            <a:r>
+              <a:rPr lang="es-ES" sz="1600" dirty="0" err="1">
+                <a:latin typeface="Consolas" panose="020B0609020204030204" pitchFamily="49" charset="0"/>
+                <a:cs typeface="Consolas" panose="020B0609020204030204" pitchFamily="49" charset="0"/>
+              </a:rPr>
+              <a:t>bc</a:t>
+            </a:r>
+            <a:r>
+              <a:rPr lang="es-ES" sz="1600" dirty="0">
+                <a:latin typeface="Consolas" panose="020B0609020204030204" pitchFamily="49" charset="0"/>
+                <a:cs typeface="Consolas" panose="020B0609020204030204" pitchFamily="49" charset="0"/>
+              </a:rPr>
+              <a:t>[x+1, y], </a:t>
+            </a:r>
+            <a:r>
+              <a:rPr lang="es-ES" sz="1600" dirty="0" err="1">
+                <a:latin typeface="Consolas" panose="020B0609020204030204" pitchFamily="49" charset="0"/>
+                <a:cs typeface="Consolas" panose="020B0609020204030204" pitchFamily="49" charset="0"/>
+              </a:rPr>
+              <a:t>bc</a:t>
+            </a:r>
+            <a:r>
+              <a:rPr lang="es-ES" sz="1600" dirty="0">
+                <a:latin typeface="Consolas" panose="020B0609020204030204" pitchFamily="49" charset="0"/>
+                <a:cs typeface="Consolas" panose="020B0609020204030204" pitchFamily="49" charset="0"/>
+              </a:rPr>
+              <a:t>[x, y+1])</a:t>
+            </a:r>
+          </a:p>
+          <a:p>
+            <a:pPr marL="0" indent="0">
+              <a:buNone/>
+            </a:pPr>
+            <a:r>
+              <a:rPr lang="es-ES" sz="1600" dirty="0" smtClean="0">
+                <a:latin typeface="Consolas" panose="020B0609020204030204" pitchFamily="49" charset="0"/>
+                <a:cs typeface="Consolas" panose="020B0609020204030204" pitchFamily="49" charset="0"/>
+              </a:rPr>
+              <a:t>		</a:t>
+            </a:r>
+            <a:r>
+              <a:rPr lang="es-ES" sz="1600" b="1" dirty="0" err="1" smtClean="0">
+                <a:latin typeface="Consolas" panose="020B0609020204030204" pitchFamily="49" charset="0"/>
+                <a:cs typeface="Consolas" panose="020B0609020204030204" pitchFamily="49" charset="0"/>
+              </a:rPr>
+              <a:t>var</a:t>
+            </a:r>
+            <a:r>
+              <a:rPr lang="es-ES" sz="1600" dirty="0" smtClean="0">
+                <a:latin typeface="Consolas" panose="020B0609020204030204" pitchFamily="49" charset="0"/>
+                <a:cs typeface="Consolas" panose="020B0609020204030204" pitchFamily="49" charset="0"/>
+              </a:rPr>
+              <a:t> </a:t>
+            </a:r>
+            <a:r>
+              <a:rPr lang="es-ES" sz="1600" dirty="0">
+                <a:latin typeface="Consolas" panose="020B0609020204030204" pitchFamily="49" charset="0"/>
+                <a:cs typeface="Consolas" panose="020B0609020204030204" pitchFamily="49" charset="0"/>
+              </a:rPr>
+              <a:t>c2 = </a:t>
+            </a:r>
+            <a:r>
+              <a:rPr lang="es-ES" sz="1600" dirty="0" err="1" smtClean="0">
+                <a:latin typeface="Consolas" panose="020B0609020204030204" pitchFamily="49" charset="0"/>
+                <a:cs typeface="Consolas" panose="020B0609020204030204" pitchFamily="49" charset="0"/>
+              </a:rPr>
+              <a:t>detect_color</a:t>
+            </a:r>
+            <a:endParaRPr lang="es-ES" sz="1600" dirty="0" smtClean="0">
+              <a:latin typeface="Consolas" panose="020B0609020204030204" pitchFamily="49" charset="0"/>
+              <a:cs typeface="Consolas" panose="020B0609020204030204" pitchFamily="49" charset="0"/>
+            </a:endParaRPr>
+          </a:p>
+          <a:p>
+            <a:pPr marL="0" indent="0">
+              <a:buNone/>
+            </a:pPr>
+            <a:r>
+              <a:rPr lang="es-ES" sz="1600" dirty="0">
+                <a:latin typeface="Consolas" panose="020B0609020204030204" pitchFamily="49" charset="0"/>
+                <a:cs typeface="Consolas" panose="020B0609020204030204" pitchFamily="49" charset="0"/>
+              </a:rPr>
+              <a:t>	</a:t>
+            </a:r>
+            <a:r>
+              <a:rPr lang="es-ES" sz="1600" dirty="0" smtClean="0">
+                <a:latin typeface="Consolas" panose="020B0609020204030204" pitchFamily="49" charset="0"/>
+                <a:cs typeface="Consolas" panose="020B0609020204030204" pitchFamily="49" charset="0"/>
+              </a:rPr>
+              <a:t>		(</a:t>
+            </a:r>
+            <a:r>
+              <a:rPr lang="es-ES" sz="1600" dirty="0" err="1">
+                <a:latin typeface="Consolas" panose="020B0609020204030204" pitchFamily="49" charset="0"/>
+                <a:cs typeface="Consolas" panose="020B0609020204030204" pitchFamily="49" charset="0"/>
+              </a:rPr>
+              <a:t>bc</a:t>
+            </a:r>
+            <a:r>
+              <a:rPr lang="es-ES" sz="1600" dirty="0">
+                <a:latin typeface="Consolas" panose="020B0609020204030204" pitchFamily="49" charset="0"/>
+                <a:cs typeface="Consolas" panose="020B0609020204030204" pitchFamily="49" charset="0"/>
+              </a:rPr>
+              <a:t>[x+1, y+1], </a:t>
+            </a:r>
+            <a:r>
+              <a:rPr lang="es-ES" sz="1600" dirty="0" err="1">
+                <a:latin typeface="Consolas" panose="020B0609020204030204" pitchFamily="49" charset="0"/>
+                <a:cs typeface="Consolas" panose="020B0609020204030204" pitchFamily="49" charset="0"/>
+              </a:rPr>
+              <a:t>bc</a:t>
+            </a:r>
+            <a:r>
+              <a:rPr lang="es-ES" sz="1600" dirty="0">
+                <a:latin typeface="Consolas" panose="020B0609020204030204" pitchFamily="49" charset="0"/>
+                <a:cs typeface="Consolas" panose="020B0609020204030204" pitchFamily="49" charset="0"/>
+              </a:rPr>
+              <a:t>[x+2, y+1], </a:t>
+            </a:r>
+            <a:r>
+              <a:rPr lang="es-ES" sz="1600" dirty="0" err="1">
+                <a:latin typeface="Consolas" panose="020B0609020204030204" pitchFamily="49" charset="0"/>
+                <a:cs typeface="Consolas" panose="020B0609020204030204" pitchFamily="49" charset="0"/>
+              </a:rPr>
+              <a:t>bc</a:t>
+            </a:r>
+            <a:r>
+              <a:rPr lang="es-ES" sz="1600" dirty="0">
+                <a:latin typeface="Consolas" panose="020B0609020204030204" pitchFamily="49" charset="0"/>
+                <a:cs typeface="Consolas" panose="020B0609020204030204" pitchFamily="49" charset="0"/>
+              </a:rPr>
+              <a:t>[x+2, y])</a:t>
+            </a:r>
+          </a:p>
+          <a:p>
+            <a:pPr marL="0" indent="0">
+              <a:buNone/>
+            </a:pPr>
+            <a:r>
+              <a:rPr lang="en-US" sz="1600" dirty="0" smtClean="0">
+                <a:latin typeface="Consolas" panose="020B0609020204030204" pitchFamily="49" charset="0"/>
+                <a:cs typeface="Consolas" panose="020B0609020204030204" pitchFamily="49" charset="0"/>
+              </a:rPr>
+              <a:t>		</a:t>
+            </a:r>
+            <a:r>
+              <a:rPr lang="en-US" sz="1600" dirty="0" err="1" smtClean="0">
+                <a:latin typeface="Consolas" panose="020B0609020204030204" pitchFamily="49" charset="0"/>
+                <a:cs typeface="Consolas" panose="020B0609020204030204" pitchFamily="49" charset="0"/>
+              </a:rPr>
+              <a:t>text.append</a:t>
+            </a:r>
+            <a:r>
+              <a:rPr lang="en-US" sz="1600" dirty="0" smtClean="0">
+                <a:latin typeface="Consolas" panose="020B0609020204030204" pitchFamily="49" charset="0"/>
+                <a:cs typeface="Consolas" panose="020B0609020204030204" pitchFamily="49" charset="0"/>
+              </a:rPr>
+              <a:t>(nibble(c2</a:t>
+            </a:r>
+            <a:r>
+              <a:rPr lang="en-US" sz="1600" dirty="0">
+                <a:latin typeface="Consolas" panose="020B0609020204030204" pitchFamily="49" charset="0"/>
+                <a:cs typeface="Consolas" panose="020B0609020204030204" pitchFamily="49" charset="0"/>
+              </a:rPr>
+              <a:t>) nibble(c1))</a:t>
+            </a:r>
+            <a:endParaRPr lang="en-US" sz="1600" dirty="0">
+              <a:latin typeface="Consolas" panose="020B0609020204030204" pitchFamily="49" charset="0"/>
+              <a:cs typeface="Consolas" panose="020B0609020204030204" pitchFamily="49" charset="0"/>
+            </a:endParaRPr>
+          </a:p>
+        </p:txBody>
+      </p:sp>
+    </p:spTree>
+    <p:extLst>
+      <p:ext uri="{BB962C8B-B14F-4D97-AF65-F5344CB8AC3E}">
+        <p14:creationId xmlns:p14="http://schemas.microsoft.com/office/powerpoint/2010/main" val="1838496281"/>
       </p:ext>
     </p:extLst>
   </p:cSld>

--- a/doc/presentation/Barcodes.pptx
+++ b/doc/presentation/Barcodes.pptx
@@ -14,6 +14,15 @@
     <p:sldId id="262" r:id="rId8"/>
     <p:sldId id="263" r:id="rId9"/>
     <p:sldId id="264" r:id="rId10"/>
+    <p:sldId id="265" r:id="rId11"/>
+    <p:sldId id="266" r:id="rId12"/>
+    <p:sldId id="267" r:id="rId13"/>
+    <p:sldId id="268" r:id="rId14"/>
+    <p:sldId id="269" r:id="rId15"/>
+    <p:sldId id="270" r:id="rId16"/>
+    <p:sldId id="271" r:id="rId17"/>
+    <p:sldId id="272" r:id="rId18"/>
+    <p:sldId id="273" r:id="rId19"/>
   </p:sldIdLst>
   <p:sldSz cx="9144000" cy="6858000" type="screen4x3"/>
   <p:notesSz cx="6858000" cy="9144000"/>
@@ -3108,6 +3117,4113 @@
 </p:sld>
 </file>
 
+<file path=ppt/slides/slide10.xml><?xml version="1.0" encoding="utf-8"?>
+<p:sld xmlns:a="http://schemas.openxmlformats.org/drawingml/2006/main" xmlns:r="http://schemas.openxmlformats.org/officeDocument/2006/relationships" xmlns:p="http://schemas.openxmlformats.org/presentationml/2006/main">
+  <p:cSld>
+    <p:spTree>
+      <p:nvGrpSpPr>
+        <p:cNvPr id="1" name=""/>
+        <p:cNvGrpSpPr/>
+        <p:nvPr/>
+      </p:nvGrpSpPr>
+      <p:grpSpPr>
+        <a:xfrm>
+          <a:off x="0" y="0"/>
+          <a:ext cx="0" cy="0"/>
+          <a:chOff x="0" y="0"/>
+          <a:chExt cx="0" cy="0"/>
+        </a:xfrm>
+      </p:grpSpPr>
+      <p:sp>
+        <p:nvSpPr>
+          <p:cNvPr id="2" name="Title 1"/>
+          <p:cNvSpPr>
+            <a:spLocks noGrp="1"/>
+          </p:cNvSpPr>
+          <p:nvPr>
+            <p:ph type="title"/>
+          </p:nvPr>
+        </p:nvSpPr>
+        <p:spPr>
+          <a:xfrm>
+            <a:off x="628650" y="365126"/>
+            <a:ext cx="8151208" cy="1325563"/>
+          </a:xfrm>
+        </p:spPr>
+        <p:txBody>
+          <a:bodyPr/>
+          <a:lstStyle/>
+          <a:p>
+            <a:r>
+              <a:rPr lang="en-US" dirty="0" smtClean="0"/>
+              <a:t>“</a:t>
+            </a:r>
+            <a:r>
+              <a:rPr lang="en-US" dirty="0" err="1" smtClean="0"/>
+              <a:t>Probabilistische</a:t>
+            </a:r>
+            <a:r>
+              <a:rPr lang="en-US" dirty="0" smtClean="0"/>
+              <a:t> </a:t>
+            </a:r>
+            <a:r>
+              <a:rPr lang="en-US" dirty="0" err="1" smtClean="0"/>
+              <a:t>Fehlererkennung</a:t>
+            </a:r>
+            <a:r>
+              <a:rPr lang="en-US" dirty="0" smtClean="0"/>
+              <a:t>”</a:t>
+            </a:r>
+            <a:endParaRPr lang="en-US" dirty="0"/>
+          </a:p>
+        </p:txBody>
+      </p:sp>
+      <p:pic>
+        <p:nvPicPr>
+          <p:cNvPr id="4" name="Picture 3"/>
+          <p:cNvPicPr>
+            <a:picLocks noChangeAspect="1"/>
+          </p:cNvPicPr>
+          <p:nvPr/>
+        </p:nvPicPr>
+        <p:blipFill>
+          <a:blip r:embed="rId2"/>
+          <a:stretch>
+            <a:fillRect/>
+          </a:stretch>
+        </p:blipFill>
+        <p:spPr>
+          <a:xfrm>
+            <a:off x="1563575" y="1566019"/>
+            <a:ext cx="3056978" cy="2047667"/>
+          </a:xfrm>
+          <a:prstGeom prst="rect">
+            <a:avLst/>
+          </a:prstGeom>
+        </p:spPr>
+      </p:pic>
+      <p:sp>
+        <p:nvSpPr>
+          <p:cNvPr id="8" name="Content Placeholder 2"/>
+          <p:cNvSpPr>
+            <a:spLocks noGrp="1"/>
+          </p:cNvSpPr>
+          <p:nvPr>
+            <p:ph idx="1"/>
+          </p:nvPr>
+        </p:nvSpPr>
+        <p:spPr>
+          <a:xfrm>
+            <a:off x="628650" y="5586794"/>
+            <a:ext cx="7886700" cy="590168"/>
+          </a:xfrm>
+        </p:spPr>
+        <p:txBody>
+          <a:bodyPr/>
+          <a:lstStyle/>
+          <a:p>
+            <a:pPr marL="0" indent="0" algn="ctr">
+              <a:buNone/>
+            </a:pPr>
+            <a:r>
+              <a:rPr lang="en-US" dirty="0" smtClean="0"/>
+              <a:t>m = s1 =&gt; return m</a:t>
+            </a:r>
+            <a:endParaRPr lang="en-US" b="1" dirty="0" smtClean="0"/>
+          </a:p>
+        </p:txBody>
+      </p:sp>
+      <p:sp>
+        <p:nvSpPr>
+          <p:cNvPr id="9" name="Rectangle 8"/>
+          <p:cNvSpPr/>
+          <p:nvPr/>
+        </p:nvSpPr>
+        <p:spPr>
+          <a:xfrm>
+            <a:off x="1563574" y="1566019"/>
+            <a:ext cx="2027137" cy="999387"/>
+          </a:xfrm>
+          <a:prstGeom prst="rect">
+            <a:avLst/>
+          </a:prstGeom>
+          <a:noFill/>
+          <a:ln w="38100"/>
+        </p:spPr>
+        <p:style>
+          <a:lnRef idx="2">
+            <a:schemeClr val="accent1">
+              <a:shade val="50000"/>
+            </a:schemeClr>
+          </a:lnRef>
+          <a:fillRef idx="1">
+            <a:schemeClr val="accent1"/>
+          </a:fillRef>
+          <a:effectRef idx="0">
+            <a:schemeClr val="accent1"/>
+          </a:effectRef>
+          <a:fontRef idx="minor">
+            <a:schemeClr val="lt1"/>
+          </a:fontRef>
+        </p:style>
+        <p:txBody>
+          <a:bodyPr rtlCol="0" anchor="ctr"/>
+          <a:lstStyle/>
+          <a:p>
+            <a:pPr algn="ctr"/>
+            <a:endParaRPr lang="en-US"/>
+          </a:p>
+        </p:txBody>
+      </p:sp>
+      <p:pic>
+        <p:nvPicPr>
+          <p:cNvPr id="16" name="Picture 15"/>
+          <p:cNvPicPr>
+            <a:picLocks noChangeAspect="1"/>
+          </p:cNvPicPr>
+          <p:nvPr/>
+        </p:nvPicPr>
+        <p:blipFill>
+          <a:blip r:embed="rId2"/>
+          <a:stretch>
+            <a:fillRect/>
+          </a:stretch>
+        </p:blipFill>
+        <p:spPr>
+          <a:xfrm>
+            <a:off x="4540095" y="1566019"/>
+            <a:ext cx="3056978" cy="2047667"/>
+          </a:xfrm>
+          <a:prstGeom prst="rect">
+            <a:avLst/>
+          </a:prstGeom>
+        </p:spPr>
+      </p:pic>
+      <p:pic>
+        <p:nvPicPr>
+          <p:cNvPr id="17" name="Picture 16"/>
+          <p:cNvPicPr>
+            <a:picLocks noChangeAspect="1"/>
+          </p:cNvPicPr>
+          <p:nvPr/>
+        </p:nvPicPr>
+        <p:blipFill>
+          <a:blip r:embed="rId2"/>
+          <a:stretch>
+            <a:fillRect/>
+          </a:stretch>
+        </p:blipFill>
+        <p:spPr>
+          <a:xfrm>
+            <a:off x="1563575" y="3539127"/>
+            <a:ext cx="3056978" cy="2047667"/>
+          </a:xfrm>
+          <a:prstGeom prst="rect">
+            <a:avLst/>
+          </a:prstGeom>
+        </p:spPr>
+      </p:pic>
+      <p:pic>
+        <p:nvPicPr>
+          <p:cNvPr id="18" name="Picture 17"/>
+          <p:cNvPicPr>
+            <a:picLocks noChangeAspect="1"/>
+          </p:cNvPicPr>
+          <p:nvPr/>
+        </p:nvPicPr>
+        <p:blipFill>
+          <a:blip r:embed="rId2"/>
+          <a:stretch>
+            <a:fillRect/>
+          </a:stretch>
+        </p:blipFill>
+        <p:spPr>
+          <a:xfrm>
+            <a:off x="4537756" y="3539127"/>
+            <a:ext cx="3056978" cy="2047667"/>
+          </a:xfrm>
+          <a:prstGeom prst="rect">
+            <a:avLst/>
+          </a:prstGeom>
+        </p:spPr>
+      </p:pic>
+      <p:sp>
+        <p:nvSpPr>
+          <p:cNvPr id="19" name="TextBox 18"/>
+          <p:cNvSpPr txBox="1"/>
+          <p:nvPr/>
+        </p:nvSpPr>
+        <p:spPr>
+          <a:xfrm>
+            <a:off x="1662743" y="1772340"/>
+            <a:ext cx="833480" cy="584775"/>
+          </a:xfrm>
+          <a:prstGeom prst="rect">
+            <a:avLst/>
+          </a:prstGeom>
+          <a:noFill/>
+        </p:spPr>
+        <p:txBody>
+          <a:bodyPr wrap="square" rtlCol="0">
+            <a:spAutoFit/>
+          </a:bodyPr>
+          <a:lstStyle/>
+          <a:p>
+            <a:pPr algn="ctr"/>
+            <a:r>
+              <a:rPr lang="en-US" sz="3200" dirty="0" smtClean="0"/>
+              <a:t>m</a:t>
+            </a:r>
+            <a:endParaRPr lang="en-US" sz="3200" dirty="0"/>
+          </a:p>
+        </p:txBody>
+      </p:sp>
+      <p:sp>
+        <p:nvSpPr>
+          <p:cNvPr id="20" name="TextBox 19"/>
+          <p:cNvSpPr txBox="1"/>
+          <p:nvPr/>
+        </p:nvSpPr>
+        <p:spPr>
+          <a:xfrm>
+            <a:off x="2663689" y="1775988"/>
+            <a:ext cx="833480" cy="584775"/>
+          </a:xfrm>
+          <a:prstGeom prst="rect">
+            <a:avLst/>
+          </a:prstGeom>
+          <a:noFill/>
+        </p:spPr>
+        <p:txBody>
+          <a:bodyPr wrap="square" rtlCol="0">
+            <a:spAutoFit/>
+          </a:bodyPr>
+          <a:lstStyle/>
+          <a:p>
+            <a:pPr algn="ctr"/>
+            <a:r>
+              <a:rPr lang="en-US" sz="3200" dirty="0" smtClean="0"/>
+              <a:t>s1</a:t>
+            </a:r>
+            <a:endParaRPr lang="en-US" sz="3200" dirty="0"/>
+          </a:p>
+        </p:txBody>
+      </p:sp>
+      <p:sp>
+        <p:nvSpPr>
+          <p:cNvPr id="21" name="TextBox 20"/>
+          <p:cNvSpPr txBox="1"/>
+          <p:nvPr/>
+        </p:nvSpPr>
+        <p:spPr>
+          <a:xfrm>
+            <a:off x="1662743" y="2758893"/>
+            <a:ext cx="833480" cy="584775"/>
+          </a:xfrm>
+          <a:prstGeom prst="rect">
+            <a:avLst/>
+          </a:prstGeom>
+          <a:noFill/>
+        </p:spPr>
+        <p:txBody>
+          <a:bodyPr wrap="square" rtlCol="0">
+            <a:spAutoFit/>
+          </a:bodyPr>
+          <a:lstStyle/>
+          <a:p>
+            <a:pPr algn="ctr"/>
+            <a:r>
+              <a:rPr lang="en-US" sz="3200" dirty="0" smtClean="0"/>
+              <a:t>s2</a:t>
+            </a:r>
+            <a:endParaRPr lang="en-US" sz="3200" dirty="0"/>
+          </a:p>
+        </p:txBody>
+      </p:sp>
+    </p:spTree>
+    <p:extLst>
+      <p:ext uri="{BB962C8B-B14F-4D97-AF65-F5344CB8AC3E}">
+        <p14:creationId xmlns:p14="http://schemas.microsoft.com/office/powerpoint/2010/main" val="2073254488"/>
+      </p:ext>
+    </p:extLst>
+  </p:cSld>
+  <p:clrMapOvr>
+    <a:masterClrMapping/>
+  </p:clrMapOvr>
+  <p:timing>
+    <p:tnLst>
+      <p:par>
+        <p:cTn id="1" dur="indefinite" restart="never" nodeType="tmRoot"/>
+      </p:par>
+    </p:tnLst>
+  </p:timing>
+</p:sld>
+</file>
+
+<file path=ppt/slides/slide11.xml><?xml version="1.0" encoding="utf-8"?>
+<p:sld xmlns:a="http://schemas.openxmlformats.org/drawingml/2006/main" xmlns:r="http://schemas.openxmlformats.org/officeDocument/2006/relationships" xmlns:p="http://schemas.openxmlformats.org/presentationml/2006/main">
+  <p:cSld>
+    <p:spTree>
+      <p:nvGrpSpPr>
+        <p:cNvPr id="1" name=""/>
+        <p:cNvGrpSpPr/>
+        <p:nvPr/>
+      </p:nvGrpSpPr>
+      <p:grpSpPr>
+        <a:xfrm>
+          <a:off x="0" y="0"/>
+          <a:ext cx="0" cy="0"/>
+          <a:chOff x="0" y="0"/>
+          <a:chExt cx="0" cy="0"/>
+        </a:xfrm>
+      </p:grpSpPr>
+      <p:sp>
+        <p:nvSpPr>
+          <p:cNvPr id="2" name="Title 1"/>
+          <p:cNvSpPr>
+            <a:spLocks noGrp="1"/>
+          </p:cNvSpPr>
+          <p:nvPr>
+            <p:ph type="title"/>
+          </p:nvPr>
+        </p:nvSpPr>
+        <p:spPr>
+          <a:xfrm>
+            <a:off x="628650" y="365126"/>
+            <a:ext cx="8151208" cy="1325563"/>
+          </a:xfrm>
+        </p:spPr>
+        <p:txBody>
+          <a:bodyPr/>
+          <a:lstStyle/>
+          <a:p>
+            <a:r>
+              <a:rPr lang="en-US" dirty="0" smtClean="0"/>
+              <a:t>“</a:t>
+            </a:r>
+            <a:r>
+              <a:rPr lang="en-US" dirty="0" err="1" smtClean="0"/>
+              <a:t>Probabilistische</a:t>
+            </a:r>
+            <a:r>
+              <a:rPr lang="en-US" dirty="0" smtClean="0"/>
+              <a:t> </a:t>
+            </a:r>
+            <a:r>
+              <a:rPr lang="en-US" dirty="0" err="1" smtClean="0"/>
+              <a:t>Fehlererkennung</a:t>
+            </a:r>
+            <a:r>
+              <a:rPr lang="en-US" dirty="0" smtClean="0"/>
+              <a:t>”</a:t>
+            </a:r>
+            <a:endParaRPr lang="en-US" dirty="0"/>
+          </a:p>
+        </p:txBody>
+      </p:sp>
+      <p:pic>
+        <p:nvPicPr>
+          <p:cNvPr id="4" name="Picture 3"/>
+          <p:cNvPicPr>
+            <a:picLocks noChangeAspect="1"/>
+          </p:cNvPicPr>
+          <p:nvPr/>
+        </p:nvPicPr>
+        <p:blipFill>
+          <a:blip r:embed="rId2"/>
+          <a:stretch>
+            <a:fillRect/>
+          </a:stretch>
+        </p:blipFill>
+        <p:spPr>
+          <a:xfrm>
+            <a:off x="1563575" y="1566019"/>
+            <a:ext cx="3056978" cy="2047667"/>
+          </a:xfrm>
+          <a:prstGeom prst="rect">
+            <a:avLst/>
+          </a:prstGeom>
+        </p:spPr>
+      </p:pic>
+      <p:sp>
+        <p:nvSpPr>
+          <p:cNvPr id="8" name="Content Placeholder 2"/>
+          <p:cNvSpPr>
+            <a:spLocks noGrp="1"/>
+          </p:cNvSpPr>
+          <p:nvPr>
+            <p:ph idx="1"/>
+          </p:nvPr>
+        </p:nvSpPr>
+        <p:spPr>
+          <a:xfrm>
+            <a:off x="628650" y="5586794"/>
+            <a:ext cx="7886700" cy="590168"/>
+          </a:xfrm>
+        </p:spPr>
+        <p:txBody>
+          <a:bodyPr/>
+          <a:lstStyle/>
+          <a:p>
+            <a:pPr marL="0" indent="0" algn="ctr">
+              <a:buNone/>
+            </a:pPr>
+            <a:r>
+              <a:rPr lang="en-US" dirty="0" smtClean="0"/>
+              <a:t>s1 = s2 =&gt; return s1</a:t>
+            </a:r>
+            <a:endParaRPr lang="en-US" b="1" dirty="0" smtClean="0"/>
+          </a:p>
+        </p:txBody>
+      </p:sp>
+      <p:pic>
+        <p:nvPicPr>
+          <p:cNvPr id="16" name="Picture 15"/>
+          <p:cNvPicPr>
+            <a:picLocks noChangeAspect="1"/>
+          </p:cNvPicPr>
+          <p:nvPr/>
+        </p:nvPicPr>
+        <p:blipFill>
+          <a:blip r:embed="rId2"/>
+          <a:stretch>
+            <a:fillRect/>
+          </a:stretch>
+        </p:blipFill>
+        <p:spPr>
+          <a:xfrm>
+            <a:off x="4540095" y="1566019"/>
+            <a:ext cx="3056978" cy="2047667"/>
+          </a:xfrm>
+          <a:prstGeom prst="rect">
+            <a:avLst/>
+          </a:prstGeom>
+        </p:spPr>
+      </p:pic>
+      <p:pic>
+        <p:nvPicPr>
+          <p:cNvPr id="17" name="Picture 16"/>
+          <p:cNvPicPr>
+            <a:picLocks noChangeAspect="1"/>
+          </p:cNvPicPr>
+          <p:nvPr/>
+        </p:nvPicPr>
+        <p:blipFill>
+          <a:blip r:embed="rId2"/>
+          <a:stretch>
+            <a:fillRect/>
+          </a:stretch>
+        </p:blipFill>
+        <p:spPr>
+          <a:xfrm>
+            <a:off x="1563575" y="3539127"/>
+            <a:ext cx="3056978" cy="2047667"/>
+          </a:xfrm>
+          <a:prstGeom prst="rect">
+            <a:avLst/>
+          </a:prstGeom>
+        </p:spPr>
+      </p:pic>
+      <p:pic>
+        <p:nvPicPr>
+          <p:cNvPr id="18" name="Picture 17"/>
+          <p:cNvPicPr>
+            <a:picLocks noChangeAspect="1"/>
+          </p:cNvPicPr>
+          <p:nvPr/>
+        </p:nvPicPr>
+        <p:blipFill>
+          <a:blip r:embed="rId2"/>
+          <a:stretch>
+            <a:fillRect/>
+          </a:stretch>
+        </p:blipFill>
+        <p:spPr>
+          <a:xfrm>
+            <a:off x="4537756" y="3539127"/>
+            <a:ext cx="3056978" cy="2047667"/>
+          </a:xfrm>
+          <a:prstGeom prst="rect">
+            <a:avLst/>
+          </a:prstGeom>
+        </p:spPr>
+      </p:pic>
+      <p:sp>
+        <p:nvSpPr>
+          <p:cNvPr id="3" name="Rectangle 2"/>
+          <p:cNvSpPr/>
+          <p:nvPr/>
+        </p:nvSpPr>
+        <p:spPr>
+          <a:xfrm>
+            <a:off x="1675051" y="1640576"/>
+            <a:ext cx="833480" cy="874717"/>
+          </a:xfrm>
+          <a:prstGeom prst="rect">
+            <a:avLst/>
+          </a:prstGeom>
+          <a:solidFill>
+            <a:schemeClr val="accent4"/>
+          </a:solidFill>
+          <a:ln>
+            <a:noFill/>
+          </a:ln>
+        </p:spPr>
+        <p:style>
+          <a:lnRef idx="2">
+            <a:schemeClr val="accent1">
+              <a:shade val="50000"/>
+            </a:schemeClr>
+          </a:lnRef>
+          <a:fillRef idx="1">
+            <a:schemeClr val="accent1"/>
+          </a:fillRef>
+          <a:effectRef idx="0">
+            <a:schemeClr val="accent1"/>
+          </a:effectRef>
+          <a:fontRef idx="minor">
+            <a:schemeClr val="lt1"/>
+          </a:fontRef>
+        </p:style>
+        <p:txBody>
+          <a:bodyPr rtlCol="0" anchor="ctr"/>
+          <a:lstStyle/>
+          <a:p>
+            <a:pPr algn="ctr"/>
+            <a:endParaRPr lang="en-US"/>
+          </a:p>
+        </p:txBody>
+      </p:sp>
+      <p:sp>
+        <p:nvSpPr>
+          <p:cNvPr id="9" name="Rectangle 8"/>
+          <p:cNvSpPr/>
+          <p:nvPr/>
+        </p:nvSpPr>
+        <p:spPr>
+          <a:xfrm>
+            <a:off x="1563574" y="2589849"/>
+            <a:ext cx="1033969" cy="949278"/>
+          </a:xfrm>
+          <a:prstGeom prst="rect">
+            <a:avLst/>
+          </a:prstGeom>
+          <a:noFill/>
+          <a:ln w="38100"/>
+        </p:spPr>
+        <p:style>
+          <a:lnRef idx="2">
+            <a:schemeClr val="accent1">
+              <a:shade val="50000"/>
+            </a:schemeClr>
+          </a:lnRef>
+          <a:fillRef idx="1">
+            <a:schemeClr val="accent1"/>
+          </a:fillRef>
+          <a:effectRef idx="0">
+            <a:schemeClr val="accent1"/>
+          </a:effectRef>
+          <a:fontRef idx="minor">
+            <a:schemeClr val="lt1"/>
+          </a:fontRef>
+        </p:style>
+        <p:txBody>
+          <a:bodyPr rtlCol="0" anchor="ctr"/>
+          <a:lstStyle/>
+          <a:p>
+            <a:pPr algn="ctr"/>
+            <a:endParaRPr lang="en-US"/>
+          </a:p>
+        </p:txBody>
+      </p:sp>
+      <p:sp>
+        <p:nvSpPr>
+          <p:cNvPr id="10" name="Rectangle 9"/>
+          <p:cNvSpPr/>
+          <p:nvPr/>
+        </p:nvSpPr>
+        <p:spPr>
+          <a:xfrm>
+            <a:off x="2597543" y="1606801"/>
+            <a:ext cx="1033969" cy="949278"/>
+          </a:xfrm>
+          <a:prstGeom prst="rect">
+            <a:avLst/>
+          </a:prstGeom>
+          <a:noFill/>
+          <a:ln w="38100"/>
+        </p:spPr>
+        <p:style>
+          <a:lnRef idx="2">
+            <a:schemeClr val="accent1">
+              <a:shade val="50000"/>
+            </a:schemeClr>
+          </a:lnRef>
+          <a:fillRef idx="1">
+            <a:schemeClr val="accent1"/>
+          </a:fillRef>
+          <a:effectRef idx="0">
+            <a:schemeClr val="accent1"/>
+          </a:effectRef>
+          <a:fontRef idx="minor">
+            <a:schemeClr val="lt1"/>
+          </a:fontRef>
+        </p:style>
+        <p:txBody>
+          <a:bodyPr rtlCol="0" anchor="ctr"/>
+          <a:lstStyle/>
+          <a:p>
+            <a:pPr algn="ctr"/>
+            <a:endParaRPr lang="en-US"/>
+          </a:p>
+        </p:txBody>
+      </p:sp>
+      <p:sp>
+        <p:nvSpPr>
+          <p:cNvPr id="11" name="TextBox 10"/>
+          <p:cNvSpPr txBox="1"/>
+          <p:nvPr/>
+        </p:nvSpPr>
+        <p:spPr>
+          <a:xfrm>
+            <a:off x="1662743" y="1772340"/>
+            <a:ext cx="833480" cy="584775"/>
+          </a:xfrm>
+          <a:prstGeom prst="rect">
+            <a:avLst/>
+          </a:prstGeom>
+          <a:noFill/>
+        </p:spPr>
+        <p:txBody>
+          <a:bodyPr wrap="square" rtlCol="0">
+            <a:spAutoFit/>
+          </a:bodyPr>
+          <a:lstStyle/>
+          <a:p>
+            <a:pPr algn="ctr"/>
+            <a:r>
+              <a:rPr lang="en-US" sz="3200" dirty="0" smtClean="0"/>
+              <a:t>m</a:t>
+            </a:r>
+            <a:endParaRPr lang="en-US" sz="3200" dirty="0"/>
+          </a:p>
+        </p:txBody>
+      </p:sp>
+      <p:sp>
+        <p:nvSpPr>
+          <p:cNvPr id="12" name="TextBox 11"/>
+          <p:cNvSpPr txBox="1"/>
+          <p:nvPr/>
+        </p:nvSpPr>
+        <p:spPr>
+          <a:xfrm>
+            <a:off x="2663689" y="1775988"/>
+            <a:ext cx="833480" cy="584775"/>
+          </a:xfrm>
+          <a:prstGeom prst="rect">
+            <a:avLst/>
+          </a:prstGeom>
+          <a:noFill/>
+        </p:spPr>
+        <p:txBody>
+          <a:bodyPr wrap="square" rtlCol="0">
+            <a:spAutoFit/>
+          </a:bodyPr>
+          <a:lstStyle/>
+          <a:p>
+            <a:pPr algn="ctr"/>
+            <a:r>
+              <a:rPr lang="en-US" sz="3200" dirty="0" smtClean="0"/>
+              <a:t>s1</a:t>
+            </a:r>
+            <a:endParaRPr lang="en-US" sz="3200" dirty="0"/>
+          </a:p>
+        </p:txBody>
+      </p:sp>
+      <p:sp>
+        <p:nvSpPr>
+          <p:cNvPr id="13" name="TextBox 12"/>
+          <p:cNvSpPr txBox="1"/>
+          <p:nvPr/>
+        </p:nvSpPr>
+        <p:spPr>
+          <a:xfrm>
+            <a:off x="1662743" y="2758893"/>
+            <a:ext cx="833480" cy="584775"/>
+          </a:xfrm>
+          <a:prstGeom prst="rect">
+            <a:avLst/>
+          </a:prstGeom>
+          <a:noFill/>
+        </p:spPr>
+        <p:txBody>
+          <a:bodyPr wrap="square" rtlCol="0">
+            <a:spAutoFit/>
+          </a:bodyPr>
+          <a:lstStyle/>
+          <a:p>
+            <a:pPr algn="ctr"/>
+            <a:r>
+              <a:rPr lang="en-US" sz="3200" dirty="0" smtClean="0"/>
+              <a:t>s2</a:t>
+            </a:r>
+            <a:endParaRPr lang="en-US" sz="3200" dirty="0"/>
+          </a:p>
+        </p:txBody>
+      </p:sp>
+    </p:spTree>
+    <p:extLst>
+      <p:ext uri="{BB962C8B-B14F-4D97-AF65-F5344CB8AC3E}">
+        <p14:creationId xmlns:p14="http://schemas.microsoft.com/office/powerpoint/2010/main" val="2210430566"/>
+      </p:ext>
+    </p:extLst>
+  </p:cSld>
+  <p:clrMapOvr>
+    <a:masterClrMapping/>
+  </p:clrMapOvr>
+  <p:timing>
+    <p:tnLst>
+      <p:par>
+        <p:cTn id="1" dur="indefinite" restart="never" nodeType="tmRoot"/>
+      </p:par>
+    </p:tnLst>
+  </p:timing>
+</p:sld>
+</file>
+
+<file path=ppt/slides/slide12.xml><?xml version="1.0" encoding="utf-8"?>
+<p:sld xmlns:a="http://schemas.openxmlformats.org/drawingml/2006/main" xmlns:r="http://schemas.openxmlformats.org/officeDocument/2006/relationships" xmlns:p="http://schemas.openxmlformats.org/presentationml/2006/main">
+  <p:cSld>
+    <p:spTree>
+      <p:nvGrpSpPr>
+        <p:cNvPr id="1" name=""/>
+        <p:cNvGrpSpPr/>
+        <p:nvPr/>
+      </p:nvGrpSpPr>
+      <p:grpSpPr>
+        <a:xfrm>
+          <a:off x="0" y="0"/>
+          <a:ext cx="0" cy="0"/>
+          <a:chOff x="0" y="0"/>
+          <a:chExt cx="0" cy="0"/>
+        </a:xfrm>
+      </p:grpSpPr>
+      <p:sp>
+        <p:nvSpPr>
+          <p:cNvPr id="2" name="Title 1"/>
+          <p:cNvSpPr>
+            <a:spLocks noGrp="1"/>
+          </p:cNvSpPr>
+          <p:nvPr>
+            <p:ph type="title"/>
+          </p:nvPr>
+        </p:nvSpPr>
+        <p:spPr>
+          <a:xfrm>
+            <a:off x="628650" y="365126"/>
+            <a:ext cx="8151208" cy="1325563"/>
+          </a:xfrm>
+        </p:spPr>
+        <p:txBody>
+          <a:bodyPr/>
+          <a:lstStyle/>
+          <a:p>
+            <a:r>
+              <a:rPr lang="en-US" dirty="0" smtClean="0"/>
+              <a:t>“</a:t>
+            </a:r>
+            <a:r>
+              <a:rPr lang="en-US" dirty="0" err="1" smtClean="0"/>
+              <a:t>Probabilistische</a:t>
+            </a:r>
+            <a:r>
+              <a:rPr lang="en-US" dirty="0" smtClean="0"/>
+              <a:t> </a:t>
+            </a:r>
+            <a:r>
+              <a:rPr lang="en-US" dirty="0" err="1" smtClean="0"/>
+              <a:t>Fehlererkennung</a:t>
+            </a:r>
+            <a:r>
+              <a:rPr lang="en-US" dirty="0" smtClean="0"/>
+              <a:t>”</a:t>
+            </a:r>
+            <a:endParaRPr lang="en-US" dirty="0"/>
+          </a:p>
+        </p:txBody>
+      </p:sp>
+      <p:pic>
+        <p:nvPicPr>
+          <p:cNvPr id="4" name="Picture 3"/>
+          <p:cNvPicPr>
+            <a:picLocks noChangeAspect="1"/>
+          </p:cNvPicPr>
+          <p:nvPr/>
+        </p:nvPicPr>
+        <p:blipFill>
+          <a:blip r:embed="rId2"/>
+          <a:stretch>
+            <a:fillRect/>
+          </a:stretch>
+        </p:blipFill>
+        <p:spPr>
+          <a:xfrm>
+            <a:off x="1563575" y="1566019"/>
+            <a:ext cx="3056978" cy="2047667"/>
+          </a:xfrm>
+          <a:prstGeom prst="rect">
+            <a:avLst/>
+          </a:prstGeom>
+        </p:spPr>
+      </p:pic>
+      <p:sp>
+        <p:nvSpPr>
+          <p:cNvPr id="8" name="Content Placeholder 2"/>
+          <p:cNvSpPr>
+            <a:spLocks noGrp="1"/>
+          </p:cNvSpPr>
+          <p:nvPr>
+            <p:ph idx="1"/>
+          </p:nvPr>
+        </p:nvSpPr>
+        <p:spPr>
+          <a:xfrm>
+            <a:off x="628650" y="5586794"/>
+            <a:ext cx="7886700" cy="590168"/>
+          </a:xfrm>
+        </p:spPr>
+        <p:txBody>
+          <a:bodyPr/>
+          <a:lstStyle/>
+          <a:p>
+            <a:pPr marL="0" indent="0" algn="ctr">
+              <a:buNone/>
+            </a:pPr>
+            <a:r>
+              <a:rPr lang="en-US" dirty="0" smtClean="0"/>
+              <a:t>return s2</a:t>
+            </a:r>
+            <a:endParaRPr lang="en-US" b="1" dirty="0" smtClean="0"/>
+          </a:p>
+        </p:txBody>
+      </p:sp>
+      <p:pic>
+        <p:nvPicPr>
+          <p:cNvPr id="16" name="Picture 15"/>
+          <p:cNvPicPr>
+            <a:picLocks noChangeAspect="1"/>
+          </p:cNvPicPr>
+          <p:nvPr/>
+        </p:nvPicPr>
+        <p:blipFill>
+          <a:blip r:embed="rId2"/>
+          <a:stretch>
+            <a:fillRect/>
+          </a:stretch>
+        </p:blipFill>
+        <p:spPr>
+          <a:xfrm>
+            <a:off x="4540095" y="1566019"/>
+            <a:ext cx="3056978" cy="2047667"/>
+          </a:xfrm>
+          <a:prstGeom prst="rect">
+            <a:avLst/>
+          </a:prstGeom>
+        </p:spPr>
+      </p:pic>
+      <p:pic>
+        <p:nvPicPr>
+          <p:cNvPr id="17" name="Picture 16"/>
+          <p:cNvPicPr>
+            <a:picLocks noChangeAspect="1"/>
+          </p:cNvPicPr>
+          <p:nvPr/>
+        </p:nvPicPr>
+        <p:blipFill>
+          <a:blip r:embed="rId2"/>
+          <a:stretch>
+            <a:fillRect/>
+          </a:stretch>
+        </p:blipFill>
+        <p:spPr>
+          <a:xfrm>
+            <a:off x="1563575" y="3539127"/>
+            <a:ext cx="3056978" cy="2047667"/>
+          </a:xfrm>
+          <a:prstGeom prst="rect">
+            <a:avLst/>
+          </a:prstGeom>
+        </p:spPr>
+      </p:pic>
+      <p:pic>
+        <p:nvPicPr>
+          <p:cNvPr id="18" name="Picture 17"/>
+          <p:cNvPicPr>
+            <a:picLocks noChangeAspect="1"/>
+          </p:cNvPicPr>
+          <p:nvPr/>
+        </p:nvPicPr>
+        <p:blipFill>
+          <a:blip r:embed="rId2"/>
+          <a:stretch>
+            <a:fillRect/>
+          </a:stretch>
+        </p:blipFill>
+        <p:spPr>
+          <a:xfrm>
+            <a:off x="4537756" y="3539127"/>
+            <a:ext cx="3056978" cy="2047667"/>
+          </a:xfrm>
+          <a:prstGeom prst="rect">
+            <a:avLst/>
+          </a:prstGeom>
+        </p:spPr>
+      </p:pic>
+      <p:sp>
+        <p:nvSpPr>
+          <p:cNvPr id="3" name="Rectangle 2"/>
+          <p:cNvSpPr/>
+          <p:nvPr/>
+        </p:nvSpPr>
+        <p:spPr>
+          <a:xfrm>
+            <a:off x="1675051" y="1640576"/>
+            <a:ext cx="833480" cy="874717"/>
+          </a:xfrm>
+          <a:prstGeom prst="rect">
+            <a:avLst/>
+          </a:prstGeom>
+          <a:solidFill>
+            <a:schemeClr val="accent4"/>
+          </a:solidFill>
+          <a:ln>
+            <a:noFill/>
+          </a:ln>
+        </p:spPr>
+        <p:style>
+          <a:lnRef idx="2">
+            <a:schemeClr val="accent1">
+              <a:shade val="50000"/>
+            </a:schemeClr>
+          </a:lnRef>
+          <a:fillRef idx="1">
+            <a:schemeClr val="accent1"/>
+          </a:fillRef>
+          <a:effectRef idx="0">
+            <a:schemeClr val="accent1"/>
+          </a:effectRef>
+          <a:fontRef idx="minor">
+            <a:schemeClr val="lt1"/>
+          </a:fontRef>
+        </p:style>
+        <p:txBody>
+          <a:bodyPr rtlCol="0" anchor="ctr"/>
+          <a:lstStyle/>
+          <a:p>
+            <a:pPr algn="ctr"/>
+            <a:endParaRPr lang="en-US"/>
+          </a:p>
+        </p:txBody>
+      </p:sp>
+      <p:sp>
+        <p:nvSpPr>
+          <p:cNvPr id="9" name="Rectangle 8"/>
+          <p:cNvSpPr/>
+          <p:nvPr/>
+        </p:nvSpPr>
+        <p:spPr>
+          <a:xfrm>
+            <a:off x="1563574" y="2589849"/>
+            <a:ext cx="1033969" cy="949278"/>
+          </a:xfrm>
+          <a:prstGeom prst="rect">
+            <a:avLst/>
+          </a:prstGeom>
+          <a:noFill/>
+          <a:ln w="38100"/>
+        </p:spPr>
+        <p:style>
+          <a:lnRef idx="2">
+            <a:schemeClr val="accent1">
+              <a:shade val="50000"/>
+            </a:schemeClr>
+          </a:lnRef>
+          <a:fillRef idx="1">
+            <a:schemeClr val="accent1"/>
+          </a:fillRef>
+          <a:effectRef idx="0">
+            <a:schemeClr val="accent1"/>
+          </a:effectRef>
+          <a:fontRef idx="minor">
+            <a:schemeClr val="lt1"/>
+          </a:fontRef>
+        </p:style>
+        <p:txBody>
+          <a:bodyPr rtlCol="0" anchor="ctr"/>
+          <a:lstStyle/>
+          <a:p>
+            <a:pPr algn="ctr"/>
+            <a:endParaRPr lang="en-US"/>
+          </a:p>
+        </p:txBody>
+      </p:sp>
+      <p:sp>
+        <p:nvSpPr>
+          <p:cNvPr id="11" name="Rectangle 10"/>
+          <p:cNvSpPr/>
+          <p:nvPr/>
+        </p:nvSpPr>
+        <p:spPr>
+          <a:xfrm>
+            <a:off x="2675324" y="1665633"/>
+            <a:ext cx="833480" cy="874717"/>
+          </a:xfrm>
+          <a:prstGeom prst="rect">
+            <a:avLst/>
+          </a:prstGeom>
+          <a:solidFill>
+            <a:schemeClr val="accent4"/>
+          </a:solidFill>
+          <a:ln>
+            <a:noFill/>
+          </a:ln>
+        </p:spPr>
+        <p:style>
+          <a:lnRef idx="2">
+            <a:schemeClr val="accent1">
+              <a:shade val="50000"/>
+            </a:schemeClr>
+          </a:lnRef>
+          <a:fillRef idx="1">
+            <a:schemeClr val="accent1"/>
+          </a:fillRef>
+          <a:effectRef idx="0">
+            <a:schemeClr val="accent1"/>
+          </a:effectRef>
+          <a:fontRef idx="minor">
+            <a:schemeClr val="lt1"/>
+          </a:fontRef>
+        </p:style>
+        <p:txBody>
+          <a:bodyPr rtlCol="0" anchor="ctr"/>
+          <a:lstStyle/>
+          <a:p>
+            <a:pPr algn="ctr"/>
+            <a:endParaRPr lang="en-US"/>
+          </a:p>
+        </p:txBody>
+      </p:sp>
+      <p:sp>
+        <p:nvSpPr>
+          <p:cNvPr id="12" name="TextBox 11"/>
+          <p:cNvSpPr txBox="1"/>
+          <p:nvPr/>
+        </p:nvSpPr>
+        <p:spPr>
+          <a:xfrm>
+            <a:off x="1662743" y="1772340"/>
+            <a:ext cx="833480" cy="584775"/>
+          </a:xfrm>
+          <a:prstGeom prst="rect">
+            <a:avLst/>
+          </a:prstGeom>
+          <a:noFill/>
+        </p:spPr>
+        <p:txBody>
+          <a:bodyPr wrap="square" rtlCol="0">
+            <a:spAutoFit/>
+          </a:bodyPr>
+          <a:lstStyle/>
+          <a:p>
+            <a:pPr algn="ctr"/>
+            <a:r>
+              <a:rPr lang="en-US" sz="3200" dirty="0" smtClean="0"/>
+              <a:t>m</a:t>
+            </a:r>
+            <a:endParaRPr lang="en-US" sz="3200" dirty="0"/>
+          </a:p>
+        </p:txBody>
+      </p:sp>
+      <p:sp>
+        <p:nvSpPr>
+          <p:cNvPr id="13" name="TextBox 12"/>
+          <p:cNvSpPr txBox="1"/>
+          <p:nvPr/>
+        </p:nvSpPr>
+        <p:spPr>
+          <a:xfrm>
+            <a:off x="2663689" y="1775988"/>
+            <a:ext cx="833480" cy="584775"/>
+          </a:xfrm>
+          <a:prstGeom prst="rect">
+            <a:avLst/>
+          </a:prstGeom>
+          <a:noFill/>
+        </p:spPr>
+        <p:txBody>
+          <a:bodyPr wrap="square" rtlCol="0">
+            <a:spAutoFit/>
+          </a:bodyPr>
+          <a:lstStyle/>
+          <a:p>
+            <a:pPr algn="ctr"/>
+            <a:r>
+              <a:rPr lang="en-US" sz="3200" dirty="0" smtClean="0"/>
+              <a:t>s1</a:t>
+            </a:r>
+            <a:endParaRPr lang="en-US" sz="3200" dirty="0"/>
+          </a:p>
+        </p:txBody>
+      </p:sp>
+      <p:sp>
+        <p:nvSpPr>
+          <p:cNvPr id="14" name="TextBox 13"/>
+          <p:cNvSpPr txBox="1"/>
+          <p:nvPr/>
+        </p:nvSpPr>
+        <p:spPr>
+          <a:xfrm>
+            <a:off x="1662743" y="2758893"/>
+            <a:ext cx="833480" cy="584775"/>
+          </a:xfrm>
+          <a:prstGeom prst="rect">
+            <a:avLst/>
+          </a:prstGeom>
+          <a:noFill/>
+        </p:spPr>
+        <p:txBody>
+          <a:bodyPr wrap="square" rtlCol="0">
+            <a:spAutoFit/>
+          </a:bodyPr>
+          <a:lstStyle/>
+          <a:p>
+            <a:pPr algn="ctr"/>
+            <a:r>
+              <a:rPr lang="en-US" sz="3200" dirty="0" smtClean="0"/>
+              <a:t>s2</a:t>
+            </a:r>
+            <a:endParaRPr lang="en-US" sz="3200" dirty="0"/>
+          </a:p>
+        </p:txBody>
+      </p:sp>
+    </p:spTree>
+    <p:extLst>
+      <p:ext uri="{BB962C8B-B14F-4D97-AF65-F5344CB8AC3E}">
+        <p14:creationId xmlns:p14="http://schemas.microsoft.com/office/powerpoint/2010/main" val="1888794392"/>
+      </p:ext>
+    </p:extLst>
+  </p:cSld>
+  <p:clrMapOvr>
+    <a:masterClrMapping/>
+  </p:clrMapOvr>
+  <p:timing>
+    <p:tnLst>
+      <p:par>
+        <p:cTn id="1" dur="indefinite" restart="never" nodeType="tmRoot"/>
+      </p:par>
+    </p:tnLst>
+  </p:timing>
+</p:sld>
+</file>
+
+<file path=ppt/slides/slide13.xml><?xml version="1.0" encoding="utf-8"?>
+<p:sld xmlns:a="http://schemas.openxmlformats.org/drawingml/2006/main" xmlns:r="http://schemas.openxmlformats.org/officeDocument/2006/relationships" xmlns:p="http://schemas.openxmlformats.org/presentationml/2006/main">
+  <p:cSld>
+    <p:spTree>
+      <p:nvGrpSpPr>
+        <p:cNvPr id="1" name=""/>
+        <p:cNvGrpSpPr/>
+        <p:nvPr/>
+      </p:nvGrpSpPr>
+      <p:grpSpPr>
+        <a:xfrm>
+          <a:off x="0" y="0"/>
+          <a:ext cx="0" cy="0"/>
+          <a:chOff x="0" y="0"/>
+          <a:chExt cx="0" cy="0"/>
+        </a:xfrm>
+      </p:grpSpPr>
+      <p:sp>
+        <p:nvSpPr>
+          <p:cNvPr id="2" name="Title 1"/>
+          <p:cNvSpPr>
+            <a:spLocks noGrp="1"/>
+          </p:cNvSpPr>
+          <p:nvPr>
+            <p:ph type="title"/>
+          </p:nvPr>
+        </p:nvSpPr>
+        <p:spPr>
+          <a:xfrm>
+            <a:off x="628650" y="365126"/>
+            <a:ext cx="7973184" cy="1325563"/>
+          </a:xfrm>
+        </p:spPr>
+        <p:txBody>
+          <a:bodyPr/>
+          <a:lstStyle/>
+          <a:p>
+            <a:r>
+              <a:rPr lang="en-US" dirty="0" err="1" smtClean="0"/>
+              <a:t>Parallelisierung</a:t>
+            </a:r>
+            <a:r>
+              <a:rPr lang="en-US" dirty="0" smtClean="0"/>
+              <a:t> – </a:t>
+            </a:r>
+            <a:r>
+              <a:rPr lang="en-US" dirty="0" err="1" smtClean="0"/>
+              <a:t>mpi_task_runner</a:t>
+            </a:r>
+            <a:endParaRPr lang="en-US" dirty="0"/>
+          </a:p>
+        </p:txBody>
+      </p:sp>
+      <p:sp>
+        <p:nvSpPr>
+          <p:cNvPr id="3" name="Content Placeholder 2"/>
+          <p:cNvSpPr>
+            <a:spLocks noGrp="1"/>
+          </p:cNvSpPr>
+          <p:nvPr>
+            <p:ph idx="1"/>
+          </p:nvPr>
+        </p:nvSpPr>
+        <p:spPr/>
+        <p:txBody>
+          <a:bodyPr>
+            <a:noAutofit/>
+          </a:bodyPr>
+          <a:lstStyle/>
+          <a:p>
+            <a:pPr marL="0" indent="0">
+              <a:buNone/>
+            </a:pPr>
+            <a:r>
+              <a:rPr lang="en-US" sz="2400" dirty="0" err="1">
+                <a:latin typeface="Consolas" panose="020B0609020204030204" pitchFamily="49" charset="0"/>
+                <a:cs typeface="Consolas" panose="020B0609020204030204" pitchFamily="49" charset="0"/>
+              </a:rPr>
+              <a:t>algo.init</a:t>
+            </a:r>
+            <a:r>
+              <a:rPr lang="en-US" sz="2400" dirty="0" smtClean="0">
+                <a:latin typeface="Consolas" panose="020B0609020204030204" pitchFamily="49" charset="0"/>
+                <a:cs typeface="Consolas" panose="020B0609020204030204" pitchFamily="49" charset="0"/>
+              </a:rPr>
+              <a:t>()       </a:t>
+            </a:r>
+            <a:r>
+              <a:rPr lang="en-US" sz="2400" dirty="0" smtClean="0">
+                <a:solidFill>
+                  <a:srgbClr val="FF0000"/>
+                </a:solidFill>
+                <a:latin typeface="Consolas" panose="020B0609020204030204" pitchFamily="49" charset="0"/>
+                <a:cs typeface="Consolas" panose="020B0609020204030204" pitchFamily="49" charset="0"/>
+              </a:rPr>
+              <a:t>// rot =&gt; void*</a:t>
+            </a:r>
+            <a:endParaRPr lang="en-US" sz="2400" dirty="0">
+              <a:solidFill>
+                <a:srgbClr val="FF0000"/>
+              </a:solidFill>
+              <a:latin typeface="Consolas" panose="020B0609020204030204" pitchFamily="49" charset="0"/>
+              <a:cs typeface="Consolas" panose="020B0609020204030204" pitchFamily="49" charset="0"/>
+            </a:endParaRPr>
+          </a:p>
+          <a:p>
+            <a:pPr marL="0" indent="0">
+              <a:buNone/>
+            </a:pPr>
+            <a:r>
+              <a:rPr lang="en-US" sz="2400" b="1" dirty="0">
+                <a:latin typeface="Consolas" panose="020B0609020204030204" pitchFamily="49" charset="0"/>
+                <a:cs typeface="Consolas" panose="020B0609020204030204" pitchFamily="49" charset="0"/>
+              </a:rPr>
+              <a:t>for each </a:t>
+            </a:r>
+            <a:r>
+              <a:rPr lang="en-US" sz="2400" dirty="0">
+                <a:latin typeface="Consolas" panose="020B0609020204030204" pitchFamily="49" charset="0"/>
+                <a:cs typeface="Consolas" panose="020B0609020204030204" pitchFamily="49" charset="0"/>
+              </a:rPr>
+              <a:t>slave node:</a:t>
+            </a:r>
+          </a:p>
+          <a:p>
+            <a:pPr marL="0" indent="0">
+              <a:buNone/>
+            </a:pPr>
+            <a:r>
+              <a:rPr lang="en-US" sz="2400" dirty="0" smtClean="0">
+                <a:latin typeface="Consolas" panose="020B0609020204030204" pitchFamily="49" charset="0"/>
+                <a:cs typeface="Consolas" panose="020B0609020204030204" pitchFamily="49" charset="0"/>
+              </a:rPr>
+              <a:t>	</a:t>
+            </a:r>
+            <a:r>
+              <a:rPr lang="en-US" sz="2400" b="1" dirty="0" err="1" smtClean="0">
+                <a:latin typeface="Consolas" panose="020B0609020204030204" pitchFamily="49" charset="0"/>
+                <a:cs typeface="Consolas" panose="020B0609020204030204" pitchFamily="49" charset="0"/>
+              </a:rPr>
+              <a:t>var</a:t>
+            </a:r>
+            <a:r>
+              <a:rPr lang="en-US" sz="2400" dirty="0" smtClean="0">
+                <a:latin typeface="Consolas" panose="020B0609020204030204" pitchFamily="49" charset="0"/>
+                <a:cs typeface="Consolas" panose="020B0609020204030204" pitchFamily="49" charset="0"/>
+              </a:rPr>
+              <a:t> </a:t>
+            </a:r>
+            <a:r>
+              <a:rPr lang="en-US" sz="2400" dirty="0">
+                <a:solidFill>
+                  <a:srgbClr val="FF0000"/>
+                </a:solidFill>
+                <a:latin typeface="Consolas" panose="020B0609020204030204" pitchFamily="49" charset="0"/>
+                <a:cs typeface="Consolas" panose="020B0609020204030204" pitchFamily="49" charset="0"/>
+              </a:rPr>
+              <a:t>in</a:t>
+            </a:r>
+            <a:r>
+              <a:rPr lang="en-US" sz="2400" dirty="0">
+                <a:latin typeface="Consolas" panose="020B0609020204030204" pitchFamily="49" charset="0"/>
+                <a:cs typeface="Consolas" panose="020B0609020204030204" pitchFamily="49" charset="0"/>
+              </a:rPr>
+              <a:t> = </a:t>
+            </a:r>
+            <a:r>
+              <a:rPr lang="en-US" sz="2400" dirty="0" err="1">
+                <a:latin typeface="Consolas" panose="020B0609020204030204" pitchFamily="49" charset="0"/>
+                <a:cs typeface="Consolas" panose="020B0609020204030204" pitchFamily="49" charset="0"/>
+              </a:rPr>
+              <a:t>get_sliced_input</a:t>
+            </a:r>
+            <a:r>
+              <a:rPr lang="en-US" sz="2400" dirty="0">
+                <a:latin typeface="Consolas" panose="020B0609020204030204" pitchFamily="49" charset="0"/>
+                <a:cs typeface="Consolas" panose="020B0609020204030204" pitchFamily="49" charset="0"/>
+              </a:rPr>
+              <a:t>(slave)</a:t>
+            </a:r>
+          </a:p>
+          <a:p>
+            <a:pPr marL="0" indent="0">
+              <a:buNone/>
+            </a:pPr>
+            <a:r>
+              <a:rPr lang="en-US" sz="2400" dirty="0" smtClean="0">
+                <a:latin typeface="Consolas" panose="020B0609020204030204" pitchFamily="49" charset="0"/>
+                <a:cs typeface="Consolas" panose="020B0609020204030204" pitchFamily="49" charset="0"/>
+              </a:rPr>
+              <a:t>	</a:t>
+            </a:r>
+            <a:r>
+              <a:rPr lang="en-US" sz="2400" dirty="0" err="1" smtClean="0">
+                <a:latin typeface="Consolas" panose="020B0609020204030204" pitchFamily="49" charset="0"/>
+                <a:cs typeface="Consolas" panose="020B0609020204030204" pitchFamily="49" charset="0"/>
+              </a:rPr>
+              <a:t>invoke_slave</a:t>
+            </a:r>
+            <a:r>
+              <a:rPr lang="en-US" sz="2400" dirty="0" smtClean="0">
+                <a:latin typeface="Consolas" panose="020B0609020204030204" pitchFamily="49" charset="0"/>
+                <a:cs typeface="Consolas" panose="020B0609020204030204" pitchFamily="49" charset="0"/>
+              </a:rPr>
+              <a:t>(</a:t>
+            </a:r>
+            <a:r>
+              <a:rPr lang="en-US" sz="2400" dirty="0" smtClean="0">
+                <a:solidFill>
+                  <a:srgbClr val="FF0000"/>
+                </a:solidFill>
+                <a:latin typeface="Consolas" panose="020B0609020204030204" pitchFamily="49" charset="0"/>
+                <a:cs typeface="Consolas" panose="020B0609020204030204" pitchFamily="49" charset="0"/>
+              </a:rPr>
+              <a:t>in</a:t>
+            </a:r>
+            <a:r>
+              <a:rPr lang="en-US" sz="2400" dirty="0">
+                <a:latin typeface="Consolas" panose="020B0609020204030204" pitchFamily="49" charset="0"/>
+                <a:cs typeface="Consolas" panose="020B0609020204030204" pitchFamily="49" charset="0"/>
+              </a:rPr>
+              <a:t>)</a:t>
+            </a:r>
+          </a:p>
+          <a:p>
+            <a:pPr marL="0" indent="0">
+              <a:buNone/>
+            </a:pPr>
+            <a:r>
+              <a:rPr lang="en-US" sz="2400" dirty="0" smtClean="0">
+                <a:latin typeface="Consolas" panose="020B0609020204030204" pitchFamily="49" charset="0"/>
+                <a:cs typeface="Consolas" panose="020B0609020204030204" pitchFamily="49" charset="0"/>
+              </a:rPr>
+              <a:t>	</a:t>
+            </a:r>
+            <a:r>
+              <a:rPr lang="en-US" sz="2400" b="1" dirty="0" err="1" smtClean="0">
+                <a:latin typeface="Consolas" panose="020B0609020204030204" pitchFamily="49" charset="0"/>
+                <a:cs typeface="Consolas" panose="020B0609020204030204" pitchFamily="49" charset="0"/>
+              </a:rPr>
+              <a:t>var</a:t>
+            </a:r>
+            <a:r>
+              <a:rPr lang="en-US" sz="2400" dirty="0" smtClean="0">
+                <a:latin typeface="Consolas" panose="020B0609020204030204" pitchFamily="49" charset="0"/>
+                <a:cs typeface="Consolas" panose="020B0609020204030204" pitchFamily="49" charset="0"/>
+              </a:rPr>
+              <a:t> </a:t>
+            </a:r>
+            <a:r>
+              <a:rPr lang="en-US" sz="2400" dirty="0" err="1">
+                <a:solidFill>
+                  <a:srgbClr val="FF0000"/>
+                </a:solidFill>
+                <a:latin typeface="Consolas" panose="020B0609020204030204" pitchFamily="49" charset="0"/>
+                <a:cs typeface="Consolas" panose="020B0609020204030204" pitchFamily="49" charset="0"/>
+              </a:rPr>
+              <a:t>my_in</a:t>
+            </a:r>
+            <a:r>
+              <a:rPr lang="en-US" sz="2400" dirty="0">
+                <a:latin typeface="Consolas" panose="020B0609020204030204" pitchFamily="49" charset="0"/>
+                <a:cs typeface="Consolas" panose="020B0609020204030204" pitchFamily="49" charset="0"/>
+              </a:rPr>
+              <a:t> = </a:t>
+            </a:r>
+            <a:r>
+              <a:rPr lang="en-US" sz="2400" dirty="0" err="1">
+                <a:latin typeface="Consolas" panose="020B0609020204030204" pitchFamily="49" charset="0"/>
+                <a:cs typeface="Consolas" panose="020B0609020204030204" pitchFamily="49" charset="0"/>
+              </a:rPr>
+              <a:t>get_my_input</a:t>
+            </a:r>
+            <a:r>
+              <a:rPr lang="en-US" sz="2400" dirty="0">
+                <a:latin typeface="Consolas" panose="020B0609020204030204" pitchFamily="49" charset="0"/>
+                <a:cs typeface="Consolas" panose="020B0609020204030204" pitchFamily="49" charset="0"/>
+              </a:rPr>
+              <a:t>()</a:t>
+            </a:r>
+          </a:p>
+          <a:p>
+            <a:pPr marL="0" indent="0">
+              <a:buNone/>
+            </a:pPr>
+            <a:r>
+              <a:rPr lang="en-US" sz="2400" dirty="0" err="1" smtClean="0">
+                <a:latin typeface="Consolas" panose="020B0609020204030204" pitchFamily="49" charset="0"/>
+                <a:cs typeface="Consolas" panose="020B0609020204030204" pitchFamily="49" charset="0"/>
+              </a:rPr>
+              <a:t>algo.process_slice</a:t>
+            </a:r>
+            <a:r>
+              <a:rPr lang="en-US" sz="2400" dirty="0" smtClean="0">
+                <a:latin typeface="Consolas" panose="020B0609020204030204" pitchFamily="49" charset="0"/>
+                <a:cs typeface="Consolas" panose="020B0609020204030204" pitchFamily="49" charset="0"/>
+              </a:rPr>
+              <a:t>(</a:t>
+            </a:r>
+            <a:r>
+              <a:rPr lang="en-US" sz="2400" dirty="0" err="1" smtClean="0">
+                <a:solidFill>
+                  <a:srgbClr val="FF0000"/>
+                </a:solidFill>
+                <a:latin typeface="Consolas" panose="020B0609020204030204" pitchFamily="49" charset="0"/>
+                <a:cs typeface="Consolas" panose="020B0609020204030204" pitchFamily="49" charset="0"/>
+              </a:rPr>
+              <a:t>my_in</a:t>
+            </a:r>
+            <a:r>
+              <a:rPr lang="en-US" sz="2400" dirty="0" smtClean="0">
+                <a:latin typeface="Consolas" panose="020B0609020204030204" pitchFamily="49" charset="0"/>
+                <a:cs typeface="Consolas" panose="020B0609020204030204" pitchFamily="49" charset="0"/>
+              </a:rPr>
+              <a:t>)</a:t>
+            </a:r>
+            <a:endParaRPr lang="en-US" sz="2400" dirty="0">
+              <a:latin typeface="Consolas" panose="020B0609020204030204" pitchFamily="49" charset="0"/>
+              <a:cs typeface="Consolas" panose="020B0609020204030204" pitchFamily="49" charset="0"/>
+            </a:endParaRPr>
+          </a:p>
+          <a:p>
+            <a:pPr marL="0" indent="0">
+              <a:buNone/>
+            </a:pPr>
+            <a:r>
+              <a:rPr lang="en-US" sz="2400" dirty="0">
+                <a:solidFill>
+                  <a:srgbClr val="FF0000"/>
+                </a:solidFill>
+                <a:latin typeface="Consolas" panose="020B0609020204030204" pitchFamily="49" charset="0"/>
+                <a:cs typeface="Consolas" panose="020B0609020204030204" pitchFamily="49" charset="0"/>
+              </a:rPr>
+              <a:t>result</a:t>
+            </a:r>
+            <a:r>
+              <a:rPr lang="en-US" sz="2400" dirty="0">
+                <a:latin typeface="Consolas" panose="020B0609020204030204" pitchFamily="49" charset="0"/>
+                <a:cs typeface="Consolas" panose="020B0609020204030204" pitchFamily="49" charset="0"/>
+              </a:rPr>
+              <a:t> += </a:t>
+            </a:r>
+            <a:r>
+              <a:rPr lang="en-US" sz="2400" dirty="0" err="1" smtClean="0">
+                <a:latin typeface="Consolas" panose="020B0609020204030204" pitchFamily="49" charset="0"/>
+                <a:cs typeface="Consolas" panose="020B0609020204030204" pitchFamily="49" charset="0"/>
+              </a:rPr>
+              <a:t>algo.collect_slice</a:t>
+            </a:r>
+            <a:r>
+              <a:rPr lang="en-US" sz="2400" dirty="0" smtClean="0">
+                <a:latin typeface="Consolas" panose="020B0609020204030204" pitchFamily="49" charset="0"/>
+                <a:cs typeface="Consolas" panose="020B0609020204030204" pitchFamily="49" charset="0"/>
+              </a:rPr>
+              <a:t>(</a:t>
+            </a:r>
+            <a:r>
+              <a:rPr lang="en-US" sz="2400" dirty="0" err="1" smtClean="0">
+                <a:solidFill>
+                  <a:srgbClr val="FF0000"/>
+                </a:solidFill>
+                <a:latin typeface="Consolas" panose="020B0609020204030204" pitchFamily="49" charset="0"/>
+                <a:cs typeface="Consolas" panose="020B0609020204030204" pitchFamily="49" charset="0"/>
+              </a:rPr>
+              <a:t>my_in</a:t>
+            </a:r>
+            <a:r>
+              <a:rPr lang="en-US" sz="2400" dirty="0" smtClean="0">
+                <a:latin typeface="Consolas" panose="020B0609020204030204" pitchFamily="49" charset="0"/>
+                <a:cs typeface="Consolas" panose="020B0609020204030204" pitchFamily="49" charset="0"/>
+              </a:rPr>
+              <a:t>)</a:t>
+            </a:r>
+            <a:endParaRPr lang="en-US" sz="2400" dirty="0">
+              <a:latin typeface="Consolas" panose="020B0609020204030204" pitchFamily="49" charset="0"/>
+              <a:cs typeface="Consolas" panose="020B0609020204030204" pitchFamily="49" charset="0"/>
+            </a:endParaRPr>
+          </a:p>
+          <a:p>
+            <a:pPr marL="0" indent="0">
+              <a:buNone/>
+            </a:pPr>
+            <a:r>
+              <a:rPr lang="en-US" sz="2400" b="1" dirty="0">
+                <a:latin typeface="Consolas" panose="020B0609020204030204" pitchFamily="49" charset="0"/>
+                <a:cs typeface="Consolas" panose="020B0609020204030204" pitchFamily="49" charset="0"/>
+              </a:rPr>
+              <a:t>for each </a:t>
+            </a:r>
+            <a:r>
+              <a:rPr lang="en-US" sz="2400" dirty="0">
+                <a:latin typeface="Consolas" panose="020B0609020204030204" pitchFamily="49" charset="0"/>
+                <a:cs typeface="Consolas" panose="020B0609020204030204" pitchFamily="49" charset="0"/>
+              </a:rPr>
+              <a:t>slave node:</a:t>
+            </a:r>
+          </a:p>
+          <a:p>
+            <a:pPr marL="0" indent="0">
+              <a:buNone/>
+            </a:pPr>
+            <a:r>
+              <a:rPr lang="en-US" sz="2400" dirty="0" smtClean="0">
+                <a:latin typeface="Consolas" panose="020B0609020204030204" pitchFamily="49" charset="0"/>
+                <a:cs typeface="Consolas" panose="020B0609020204030204" pitchFamily="49" charset="0"/>
+              </a:rPr>
+              <a:t>	</a:t>
+            </a:r>
+            <a:r>
+              <a:rPr lang="en-US" sz="2400" dirty="0" smtClean="0">
+                <a:solidFill>
+                  <a:srgbClr val="FF0000"/>
+                </a:solidFill>
+                <a:latin typeface="Consolas" panose="020B0609020204030204" pitchFamily="49" charset="0"/>
+                <a:cs typeface="Consolas" panose="020B0609020204030204" pitchFamily="49" charset="0"/>
+              </a:rPr>
+              <a:t>result</a:t>
+            </a:r>
+            <a:r>
+              <a:rPr lang="en-US" sz="2400" dirty="0" smtClean="0">
+                <a:latin typeface="Consolas" panose="020B0609020204030204" pitchFamily="49" charset="0"/>
+                <a:cs typeface="Consolas" panose="020B0609020204030204" pitchFamily="49" charset="0"/>
+              </a:rPr>
+              <a:t> </a:t>
+            </a:r>
+            <a:r>
+              <a:rPr lang="en-US" sz="2400" dirty="0">
+                <a:latin typeface="Consolas" panose="020B0609020204030204" pitchFamily="49" charset="0"/>
+                <a:cs typeface="Consolas" panose="020B0609020204030204" pitchFamily="49" charset="0"/>
+              </a:rPr>
+              <a:t>+= </a:t>
+            </a:r>
+            <a:r>
+              <a:rPr lang="en-US" sz="2400" dirty="0" err="1">
+                <a:latin typeface="Consolas" panose="020B0609020204030204" pitchFamily="49" charset="0"/>
+                <a:cs typeface="Consolas" panose="020B0609020204030204" pitchFamily="49" charset="0"/>
+              </a:rPr>
+              <a:t>algo.collect_slice</a:t>
+            </a:r>
+            <a:r>
+              <a:rPr lang="en-US" sz="2400" dirty="0">
+                <a:latin typeface="Consolas" panose="020B0609020204030204" pitchFamily="49" charset="0"/>
+                <a:cs typeface="Consolas" panose="020B0609020204030204" pitchFamily="49" charset="0"/>
+              </a:rPr>
+              <a:t>(slave)</a:t>
+            </a:r>
+          </a:p>
+          <a:p>
+            <a:pPr marL="0" indent="0">
+              <a:buNone/>
+            </a:pPr>
+            <a:r>
+              <a:rPr lang="en-US" sz="2400" dirty="0" err="1" smtClean="0">
+                <a:latin typeface="Consolas" panose="020B0609020204030204" pitchFamily="49" charset="0"/>
+                <a:cs typeface="Consolas" panose="020B0609020204030204" pitchFamily="49" charset="0"/>
+              </a:rPr>
+              <a:t>algo.finalize</a:t>
+            </a:r>
+            <a:r>
+              <a:rPr lang="en-US" sz="2400" dirty="0" smtClean="0">
+                <a:latin typeface="Consolas" panose="020B0609020204030204" pitchFamily="49" charset="0"/>
+                <a:cs typeface="Consolas" panose="020B0609020204030204" pitchFamily="49" charset="0"/>
+              </a:rPr>
+              <a:t>(</a:t>
+            </a:r>
+            <a:r>
+              <a:rPr lang="en-US" sz="2400" dirty="0" smtClean="0">
+                <a:solidFill>
+                  <a:srgbClr val="FF0000"/>
+                </a:solidFill>
+                <a:latin typeface="Consolas" panose="020B0609020204030204" pitchFamily="49" charset="0"/>
+                <a:cs typeface="Consolas" panose="020B0609020204030204" pitchFamily="49" charset="0"/>
+              </a:rPr>
+              <a:t>result</a:t>
+            </a:r>
+            <a:r>
+              <a:rPr lang="en-US" sz="2400" dirty="0" smtClean="0">
+                <a:latin typeface="Consolas" panose="020B0609020204030204" pitchFamily="49" charset="0"/>
+                <a:cs typeface="Consolas" panose="020B0609020204030204" pitchFamily="49" charset="0"/>
+              </a:rPr>
+              <a:t>)</a:t>
+            </a:r>
+            <a:endParaRPr lang="en-US" sz="2400" dirty="0">
+              <a:latin typeface="Consolas" panose="020B0609020204030204" pitchFamily="49" charset="0"/>
+              <a:cs typeface="Consolas" panose="020B0609020204030204" pitchFamily="49" charset="0"/>
+            </a:endParaRPr>
+          </a:p>
+        </p:txBody>
+      </p:sp>
+    </p:spTree>
+    <p:extLst>
+      <p:ext uri="{BB962C8B-B14F-4D97-AF65-F5344CB8AC3E}">
+        <p14:creationId xmlns:p14="http://schemas.microsoft.com/office/powerpoint/2010/main" val="2084916712"/>
+      </p:ext>
+    </p:extLst>
+  </p:cSld>
+  <p:clrMapOvr>
+    <a:masterClrMapping/>
+  </p:clrMapOvr>
+  <p:timing>
+    <p:tnLst>
+      <p:par>
+        <p:cTn id="1" dur="indefinite" restart="never" nodeType="tmRoot"/>
+      </p:par>
+    </p:tnLst>
+  </p:timing>
+</p:sld>
+</file>
+
+<file path=ppt/slides/slide14.xml><?xml version="1.0" encoding="utf-8"?>
+<p:sld xmlns:a="http://schemas.openxmlformats.org/drawingml/2006/main" xmlns:r="http://schemas.openxmlformats.org/officeDocument/2006/relationships" xmlns:p="http://schemas.openxmlformats.org/presentationml/2006/main">
+  <p:cSld>
+    <p:spTree>
+      <p:nvGrpSpPr>
+        <p:cNvPr id="1" name=""/>
+        <p:cNvGrpSpPr/>
+        <p:nvPr/>
+      </p:nvGrpSpPr>
+      <p:grpSpPr>
+        <a:xfrm>
+          <a:off x="0" y="0"/>
+          <a:ext cx="0" cy="0"/>
+          <a:chOff x="0" y="0"/>
+          <a:chExt cx="0" cy="0"/>
+        </a:xfrm>
+      </p:grpSpPr>
+      <p:sp>
+        <p:nvSpPr>
+          <p:cNvPr id="2" name="Title 1"/>
+          <p:cNvSpPr>
+            <a:spLocks noGrp="1"/>
+          </p:cNvSpPr>
+          <p:nvPr>
+            <p:ph type="title"/>
+          </p:nvPr>
+        </p:nvSpPr>
+        <p:spPr>
+          <a:xfrm>
+            <a:off x="628650" y="365126"/>
+            <a:ext cx="7973184" cy="1325563"/>
+          </a:xfrm>
+        </p:spPr>
+        <p:txBody>
+          <a:bodyPr/>
+          <a:lstStyle/>
+          <a:p>
+            <a:r>
+              <a:rPr lang="en-US" dirty="0" err="1" smtClean="0"/>
+              <a:t>Parallelisierung</a:t>
+            </a:r>
+            <a:r>
+              <a:rPr lang="en-US" dirty="0" smtClean="0"/>
+              <a:t> – encoder (</a:t>
+            </a:r>
+            <a:r>
+              <a:rPr lang="en-US" dirty="0" err="1" smtClean="0"/>
+              <a:t>Bsp</a:t>
+            </a:r>
+            <a:r>
+              <a:rPr lang="en-US" dirty="0" smtClean="0"/>
+              <a:t>.)</a:t>
+            </a:r>
+            <a:endParaRPr lang="en-US" dirty="0"/>
+          </a:p>
+        </p:txBody>
+      </p:sp>
+      <p:sp>
+        <p:nvSpPr>
+          <p:cNvPr id="3" name="Content Placeholder 2"/>
+          <p:cNvSpPr>
+            <a:spLocks noGrp="1"/>
+          </p:cNvSpPr>
+          <p:nvPr>
+            <p:ph idx="1"/>
+          </p:nvPr>
+        </p:nvSpPr>
+        <p:spPr>
+          <a:xfrm>
+            <a:off x="628650" y="1825625"/>
+            <a:ext cx="7886700" cy="2244669"/>
+          </a:xfrm>
+        </p:spPr>
+        <p:txBody>
+          <a:bodyPr>
+            <a:noAutofit/>
+          </a:bodyPr>
+          <a:lstStyle/>
+          <a:p>
+            <a:pPr marL="0" indent="0">
+              <a:buNone/>
+            </a:pPr>
+            <a:r>
+              <a:rPr lang="en-US" sz="1400" dirty="0">
+                <a:latin typeface="Consolas" panose="020B0609020204030204" pitchFamily="49" charset="0"/>
+                <a:cs typeface="Consolas" panose="020B0609020204030204" pitchFamily="49" charset="0"/>
+              </a:rPr>
+              <a:t>void* encoder::</a:t>
+            </a:r>
+            <a:r>
+              <a:rPr lang="en-US" sz="1400" dirty="0" err="1">
+                <a:latin typeface="Consolas" panose="020B0609020204030204" pitchFamily="49" charset="0"/>
+                <a:cs typeface="Consolas" panose="020B0609020204030204" pitchFamily="49" charset="0"/>
+              </a:rPr>
+              <a:t>get_sliced_input</a:t>
+            </a:r>
+            <a:r>
+              <a:rPr lang="en-US" sz="1400" dirty="0">
+                <a:latin typeface="Consolas" panose="020B0609020204030204" pitchFamily="49" charset="0"/>
+                <a:cs typeface="Consolas" panose="020B0609020204030204" pitchFamily="49" charset="0"/>
+              </a:rPr>
+              <a:t>(</a:t>
+            </a:r>
+            <a:r>
+              <a:rPr lang="en-US" sz="1400" dirty="0" err="1">
+                <a:latin typeface="Consolas" panose="020B0609020204030204" pitchFamily="49" charset="0"/>
+                <a:cs typeface="Consolas" panose="020B0609020204030204" pitchFamily="49" charset="0"/>
+              </a:rPr>
+              <a:t>int</a:t>
+            </a:r>
+            <a:r>
+              <a:rPr lang="en-US" sz="1400" dirty="0">
+                <a:latin typeface="Consolas" panose="020B0609020204030204" pitchFamily="49" charset="0"/>
+                <a:cs typeface="Consolas" panose="020B0609020204030204" pitchFamily="49" charset="0"/>
+              </a:rPr>
+              <a:t> </a:t>
+            </a:r>
+            <a:r>
+              <a:rPr lang="en-US" sz="1400" dirty="0" err="1" smtClean="0">
+                <a:latin typeface="Consolas" panose="020B0609020204030204" pitchFamily="49" charset="0"/>
+                <a:cs typeface="Consolas" panose="020B0609020204030204" pitchFamily="49" charset="0"/>
+              </a:rPr>
+              <a:t>sl_idx</a:t>
+            </a:r>
+            <a:r>
+              <a:rPr lang="en-US" sz="1400" dirty="0" smtClean="0">
+                <a:latin typeface="Consolas" panose="020B0609020204030204" pitchFamily="49" charset="0"/>
+                <a:cs typeface="Consolas" panose="020B0609020204030204" pitchFamily="49" charset="0"/>
+              </a:rPr>
+              <a:t>, </a:t>
+            </a:r>
+            <a:r>
+              <a:rPr lang="en-US" sz="1400" dirty="0" err="1">
+                <a:latin typeface="Consolas" panose="020B0609020204030204" pitchFamily="49" charset="0"/>
+                <a:cs typeface="Consolas" panose="020B0609020204030204" pitchFamily="49" charset="0"/>
+              </a:rPr>
+              <a:t>int</a:t>
+            </a:r>
+            <a:r>
+              <a:rPr lang="en-US" sz="1400" dirty="0">
+                <a:latin typeface="Consolas" panose="020B0609020204030204" pitchFamily="49" charset="0"/>
+                <a:cs typeface="Consolas" panose="020B0609020204030204" pitchFamily="49" charset="0"/>
+              </a:rPr>
+              <a:t> </a:t>
+            </a:r>
+            <a:r>
+              <a:rPr lang="en-US" sz="1400" dirty="0" err="1" smtClean="0">
+                <a:latin typeface="Consolas" panose="020B0609020204030204" pitchFamily="49" charset="0"/>
+                <a:cs typeface="Consolas" panose="020B0609020204030204" pitchFamily="49" charset="0"/>
+              </a:rPr>
+              <a:t>sl_cnt</a:t>
+            </a:r>
+            <a:r>
+              <a:rPr lang="en-US" sz="1400" dirty="0" smtClean="0">
+                <a:latin typeface="Consolas" panose="020B0609020204030204" pitchFamily="49" charset="0"/>
+                <a:cs typeface="Consolas" panose="020B0609020204030204" pitchFamily="49" charset="0"/>
+              </a:rPr>
+              <a:t>) </a:t>
+            </a:r>
+            <a:r>
+              <a:rPr lang="en-US" sz="1400" dirty="0">
+                <a:latin typeface="Consolas" panose="020B0609020204030204" pitchFamily="49" charset="0"/>
+                <a:cs typeface="Consolas" panose="020B0609020204030204" pitchFamily="49" charset="0"/>
+              </a:rPr>
+              <a:t>{</a:t>
+            </a:r>
+          </a:p>
+          <a:p>
+            <a:pPr marL="0" indent="0">
+              <a:buNone/>
+            </a:pPr>
+            <a:r>
+              <a:rPr lang="en-US" sz="1400" dirty="0" smtClean="0">
+                <a:latin typeface="Consolas" panose="020B0609020204030204" pitchFamily="49" charset="0"/>
+                <a:cs typeface="Consolas" panose="020B0609020204030204" pitchFamily="49" charset="0"/>
+              </a:rPr>
+              <a:t>    string</a:t>
+            </a:r>
+            <a:r>
+              <a:rPr lang="en-US" sz="1400" dirty="0">
+                <a:latin typeface="Consolas" panose="020B0609020204030204" pitchFamily="49" charset="0"/>
+                <a:cs typeface="Consolas" panose="020B0609020204030204" pitchFamily="49" charset="0"/>
+              </a:rPr>
+              <a:t>* s = new string("");</a:t>
+            </a:r>
+          </a:p>
+          <a:p>
+            <a:pPr marL="0" indent="0">
+              <a:buNone/>
+            </a:pPr>
+            <a:r>
+              <a:rPr lang="en-US" sz="1400" dirty="0" smtClean="0">
+                <a:latin typeface="Consolas" panose="020B0609020204030204" pitchFamily="49" charset="0"/>
+                <a:cs typeface="Consolas" panose="020B0609020204030204" pitchFamily="49" charset="0"/>
+              </a:rPr>
+              <a:t>    for </a:t>
+            </a:r>
+            <a:r>
+              <a:rPr lang="en-US" sz="1400" dirty="0">
+                <a:latin typeface="Consolas" panose="020B0609020204030204" pitchFamily="49" charset="0"/>
+                <a:cs typeface="Consolas" panose="020B0609020204030204" pitchFamily="49" charset="0"/>
+              </a:rPr>
+              <a:t>(unsigned </a:t>
+            </a:r>
+            <a:r>
+              <a:rPr lang="en-US" sz="1400" dirty="0" err="1">
+                <a:latin typeface="Consolas" panose="020B0609020204030204" pitchFamily="49" charset="0"/>
+                <a:cs typeface="Consolas" panose="020B0609020204030204" pitchFamily="49" charset="0"/>
+              </a:rPr>
+              <a:t>int</a:t>
+            </a:r>
+            <a:r>
+              <a:rPr lang="en-US" sz="1400" dirty="0">
+                <a:latin typeface="Consolas" panose="020B0609020204030204" pitchFamily="49" charset="0"/>
+                <a:cs typeface="Consolas" panose="020B0609020204030204" pitchFamily="49" charset="0"/>
+              </a:rPr>
+              <a:t> </a:t>
+            </a:r>
+            <a:r>
+              <a:rPr lang="en-US" sz="1400" dirty="0" err="1">
+                <a:latin typeface="Consolas" panose="020B0609020204030204" pitchFamily="49" charset="0"/>
+                <a:cs typeface="Consolas" panose="020B0609020204030204" pitchFamily="49" charset="0"/>
+              </a:rPr>
+              <a:t>i</a:t>
+            </a:r>
+            <a:r>
+              <a:rPr lang="en-US" sz="1400" dirty="0">
+                <a:latin typeface="Consolas" panose="020B0609020204030204" pitchFamily="49" charset="0"/>
+                <a:cs typeface="Consolas" panose="020B0609020204030204" pitchFamily="49" charset="0"/>
+              </a:rPr>
+              <a:t> = </a:t>
+            </a:r>
+            <a:r>
+              <a:rPr lang="en-US" sz="1400" dirty="0" err="1">
+                <a:latin typeface="Consolas" panose="020B0609020204030204" pitchFamily="49" charset="0"/>
+                <a:cs typeface="Consolas" panose="020B0609020204030204" pitchFamily="49" charset="0"/>
+              </a:rPr>
+              <a:t>sl_idx</a:t>
+            </a:r>
+            <a:r>
+              <a:rPr lang="en-US" sz="1400" dirty="0" smtClean="0">
+                <a:latin typeface="Consolas" panose="020B0609020204030204" pitchFamily="49" charset="0"/>
+                <a:cs typeface="Consolas" panose="020B0609020204030204" pitchFamily="49" charset="0"/>
+              </a:rPr>
+              <a:t>; </a:t>
+            </a:r>
+            <a:r>
+              <a:rPr lang="en-US" sz="1400" dirty="0" err="1">
+                <a:latin typeface="Consolas" panose="020B0609020204030204" pitchFamily="49" charset="0"/>
+                <a:cs typeface="Consolas" panose="020B0609020204030204" pitchFamily="49" charset="0"/>
+              </a:rPr>
+              <a:t>i</a:t>
+            </a:r>
+            <a:r>
+              <a:rPr lang="en-US" sz="1400" dirty="0">
+                <a:latin typeface="Consolas" panose="020B0609020204030204" pitchFamily="49" charset="0"/>
+                <a:cs typeface="Consolas" panose="020B0609020204030204" pitchFamily="49" charset="0"/>
+              </a:rPr>
+              <a:t> &lt; this-</a:t>
+            </a:r>
+            <a:r>
+              <a:rPr lang="en-US" sz="1400" dirty="0" smtClean="0">
+                <a:latin typeface="Consolas" panose="020B0609020204030204" pitchFamily="49" charset="0"/>
+                <a:cs typeface="Consolas" panose="020B0609020204030204" pitchFamily="49" charset="0"/>
+              </a:rPr>
+              <a:t>&gt;_</a:t>
+            </a:r>
+            <a:r>
+              <a:rPr lang="en-US" sz="1400" dirty="0" err="1" smtClean="0">
+                <a:latin typeface="Consolas" panose="020B0609020204030204" pitchFamily="49" charset="0"/>
+                <a:cs typeface="Consolas" panose="020B0609020204030204" pitchFamily="49" charset="0"/>
+              </a:rPr>
+              <a:t>str.length</a:t>
+            </a:r>
+            <a:r>
+              <a:rPr lang="en-US" sz="1400" dirty="0" smtClean="0">
+                <a:latin typeface="Consolas" panose="020B0609020204030204" pitchFamily="49" charset="0"/>
+                <a:cs typeface="Consolas" panose="020B0609020204030204" pitchFamily="49" charset="0"/>
+              </a:rPr>
+              <a:t>(); </a:t>
+            </a:r>
+            <a:r>
+              <a:rPr lang="en-US" sz="1400" dirty="0" err="1">
+                <a:latin typeface="Consolas" panose="020B0609020204030204" pitchFamily="49" charset="0"/>
+                <a:cs typeface="Consolas" panose="020B0609020204030204" pitchFamily="49" charset="0"/>
+              </a:rPr>
+              <a:t>i</a:t>
+            </a:r>
+            <a:r>
+              <a:rPr lang="en-US" sz="1400" dirty="0">
+                <a:latin typeface="Consolas" panose="020B0609020204030204" pitchFamily="49" charset="0"/>
+                <a:cs typeface="Consolas" panose="020B0609020204030204" pitchFamily="49" charset="0"/>
+              </a:rPr>
+              <a:t> += </a:t>
+            </a:r>
+            <a:r>
+              <a:rPr lang="en-US" sz="1400" dirty="0" err="1">
+                <a:latin typeface="Consolas" panose="020B0609020204030204" pitchFamily="49" charset="0"/>
+                <a:cs typeface="Consolas" panose="020B0609020204030204" pitchFamily="49" charset="0"/>
+              </a:rPr>
+              <a:t>sl_cnt</a:t>
+            </a:r>
+            <a:r>
+              <a:rPr lang="en-US" sz="1400" dirty="0" smtClean="0">
+                <a:latin typeface="Consolas" panose="020B0609020204030204" pitchFamily="49" charset="0"/>
+                <a:cs typeface="Consolas" panose="020B0609020204030204" pitchFamily="49" charset="0"/>
+              </a:rPr>
+              <a:t>) </a:t>
+            </a:r>
+            <a:r>
+              <a:rPr lang="en-US" sz="1400" dirty="0">
+                <a:latin typeface="Consolas" panose="020B0609020204030204" pitchFamily="49" charset="0"/>
+                <a:cs typeface="Consolas" panose="020B0609020204030204" pitchFamily="49" charset="0"/>
+              </a:rPr>
+              <a:t>{</a:t>
+            </a:r>
+          </a:p>
+          <a:p>
+            <a:pPr marL="0" indent="0">
+              <a:buNone/>
+            </a:pPr>
+            <a:r>
+              <a:rPr lang="en-US" sz="1400" dirty="0" smtClean="0">
+                <a:latin typeface="Consolas" panose="020B0609020204030204" pitchFamily="49" charset="0"/>
+                <a:cs typeface="Consolas" panose="020B0609020204030204" pitchFamily="49" charset="0"/>
+              </a:rPr>
+              <a:t>        (*</a:t>
+            </a:r>
+            <a:r>
+              <a:rPr lang="en-US" sz="1400" dirty="0">
+                <a:latin typeface="Consolas" panose="020B0609020204030204" pitchFamily="49" charset="0"/>
+                <a:cs typeface="Consolas" panose="020B0609020204030204" pitchFamily="49" charset="0"/>
+              </a:rPr>
+              <a:t>s) += this-&gt;_</a:t>
+            </a:r>
+            <a:r>
+              <a:rPr lang="en-US" sz="1400" dirty="0" err="1">
+                <a:latin typeface="Consolas" panose="020B0609020204030204" pitchFamily="49" charset="0"/>
+                <a:cs typeface="Consolas" panose="020B0609020204030204" pitchFamily="49" charset="0"/>
+              </a:rPr>
+              <a:t>str</a:t>
+            </a:r>
+            <a:r>
+              <a:rPr lang="en-US" sz="1400" dirty="0">
+                <a:latin typeface="Consolas" panose="020B0609020204030204" pitchFamily="49" charset="0"/>
+                <a:cs typeface="Consolas" panose="020B0609020204030204" pitchFamily="49" charset="0"/>
+              </a:rPr>
+              <a:t>[</a:t>
+            </a:r>
+            <a:r>
+              <a:rPr lang="en-US" sz="1400" dirty="0" err="1">
+                <a:latin typeface="Consolas" panose="020B0609020204030204" pitchFamily="49" charset="0"/>
+                <a:cs typeface="Consolas" panose="020B0609020204030204" pitchFamily="49" charset="0"/>
+              </a:rPr>
+              <a:t>i</a:t>
+            </a:r>
+            <a:r>
+              <a:rPr lang="en-US" sz="1400" dirty="0">
+                <a:latin typeface="Consolas" panose="020B0609020204030204" pitchFamily="49" charset="0"/>
+                <a:cs typeface="Consolas" panose="020B0609020204030204" pitchFamily="49" charset="0"/>
+              </a:rPr>
+              <a:t>];</a:t>
+            </a:r>
+          </a:p>
+          <a:p>
+            <a:pPr marL="0" indent="0">
+              <a:buNone/>
+            </a:pPr>
+            <a:r>
+              <a:rPr lang="en-US" sz="1400" dirty="0" smtClean="0">
+                <a:latin typeface="Consolas" panose="020B0609020204030204" pitchFamily="49" charset="0"/>
+                <a:cs typeface="Consolas" panose="020B0609020204030204" pitchFamily="49" charset="0"/>
+              </a:rPr>
+              <a:t>    }</a:t>
+            </a:r>
+            <a:endParaRPr lang="en-US" sz="1400" dirty="0">
+              <a:latin typeface="Consolas" panose="020B0609020204030204" pitchFamily="49" charset="0"/>
+              <a:cs typeface="Consolas" panose="020B0609020204030204" pitchFamily="49" charset="0"/>
+            </a:endParaRPr>
+          </a:p>
+          <a:p>
+            <a:pPr marL="0" indent="0">
+              <a:buNone/>
+            </a:pPr>
+            <a:r>
+              <a:rPr lang="en-US" sz="1400" dirty="0" smtClean="0">
+                <a:latin typeface="Consolas" panose="020B0609020204030204" pitchFamily="49" charset="0"/>
+                <a:cs typeface="Consolas" panose="020B0609020204030204" pitchFamily="49" charset="0"/>
+              </a:rPr>
+              <a:t>    return </a:t>
+            </a:r>
+            <a:r>
+              <a:rPr lang="en-US" sz="1400" dirty="0">
+                <a:latin typeface="Consolas" panose="020B0609020204030204" pitchFamily="49" charset="0"/>
+                <a:cs typeface="Consolas" panose="020B0609020204030204" pitchFamily="49" charset="0"/>
+              </a:rPr>
+              <a:t>s;</a:t>
+            </a:r>
+          </a:p>
+          <a:p>
+            <a:pPr marL="0" indent="0">
+              <a:buNone/>
+            </a:pPr>
+            <a:r>
+              <a:rPr lang="en-US" sz="1400" dirty="0">
+                <a:latin typeface="Consolas" panose="020B0609020204030204" pitchFamily="49" charset="0"/>
+                <a:cs typeface="Consolas" panose="020B0609020204030204" pitchFamily="49" charset="0"/>
+              </a:rPr>
+              <a:t>}</a:t>
+            </a:r>
+            <a:endParaRPr lang="en-US" sz="1400" dirty="0">
+              <a:latin typeface="Consolas" panose="020B0609020204030204" pitchFamily="49" charset="0"/>
+              <a:cs typeface="Consolas" panose="020B0609020204030204" pitchFamily="49" charset="0"/>
+            </a:endParaRPr>
+          </a:p>
+        </p:txBody>
+      </p:sp>
+      <p:sp>
+        <p:nvSpPr>
+          <p:cNvPr id="4" name="Content Placeholder 2"/>
+          <p:cNvSpPr txBox="1">
+            <a:spLocks/>
+          </p:cNvSpPr>
+          <p:nvPr/>
+        </p:nvSpPr>
+        <p:spPr>
+          <a:xfrm>
+            <a:off x="628649" y="4205230"/>
+            <a:ext cx="4089007" cy="1971732"/>
+          </a:xfrm>
+          <a:prstGeom prst="rect">
+            <a:avLst/>
+          </a:prstGeom>
+        </p:spPr>
+        <p:txBody>
+          <a:bodyPr vert="horz" lIns="91440" tIns="45720" rIns="91440" bIns="45720" rtlCol="0">
+            <a:normAutofit/>
+          </a:bodyPr>
+          <a:lstStyle>
+            <a:lvl1pPr marL="228600" indent="-228600" algn="l" defTabSz="914400" rtl="0" eaLnBrk="1" latinLnBrk="0" hangingPunct="1">
+              <a:lnSpc>
+                <a:spcPct val="90000"/>
+              </a:lnSpc>
+              <a:spcBef>
+                <a:spcPts val="1000"/>
+              </a:spcBef>
+              <a:buFont typeface="Arial" panose="020B0604020202020204" pitchFamily="34" charset="0"/>
+              <a:buChar char="•"/>
+              <a:defRPr sz="2800" kern="1200">
+                <a:solidFill>
+                  <a:schemeClr val="tx1"/>
+                </a:solidFill>
+                <a:latin typeface="+mn-lt"/>
+                <a:ea typeface="+mn-ea"/>
+                <a:cs typeface="+mn-cs"/>
+              </a:defRPr>
+            </a:lvl1pPr>
+            <a:lvl2pPr marL="685800" indent="-228600" algn="l" defTabSz="914400" rtl="0" eaLnBrk="1" latinLnBrk="0" hangingPunct="1">
+              <a:lnSpc>
+                <a:spcPct val="90000"/>
+              </a:lnSpc>
+              <a:spcBef>
+                <a:spcPts val="500"/>
+              </a:spcBef>
+              <a:buFont typeface="Arial" panose="020B0604020202020204" pitchFamily="34" charset="0"/>
+              <a:buChar char="•"/>
+              <a:defRPr sz="2400" kern="1200">
+                <a:solidFill>
+                  <a:schemeClr val="tx1"/>
+                </a:solidFill>
+                <a:latin typeface="+mn-lt"/>
+                <a:ea typeface="+mn-ea"/>
+                <a:cs typeface="+mn-cs"/>
+              </a:defRPr>
+            </a:lvl2pPr>
+            <a:lvl3pPr marL="1143000" indent="-228600" algn="l" defTabSz="914400" rtl="0" eaLnBrk="1" latinLnBrk="0" hangingPunct="1">
+              <a:lnSpc>
+                <a:spcPct val="90000"/>
+              </a:lnSpc>
+              <a:spcBef>
+                <a:spcPts val="500"/>
+              </a:spcBef>
+              <a:buFont typeface="Arial" panose="020B0604020202020204" pitchFamily="34" charset="0"/>
+              <a:buChar char="•"/>
+              <a:defRPr sz="2000" kern="1200">
+                <a:solidFill>
+                  <a:schemeClr val="tx1"/>
+                </a:solidFill>
+                <a:latin typeface="+mn-lt"/>
+                <a:ea typeface="+mn-ea"/>
+                <a:cs typeface="+mn-cs"/>
+              </a:defRPr>
+            </a:lvl3pPr>
+            <a:lvl4pPr marL="1600200" indent="-228600" algn="l" defTabSz="914400" rtl="0" eaLnBrk="1" latinLnBrk="0" hangingPunct="1">
+              <a:lnSpc>
+                <a:spcPct val="90000"/>
+              </a:lnSpc>
+              <a:spcBef>
+                <a:spcPts val="500"/>
+              </a:spcBef>
+              <a:buFont typeface="Arial" panose="020B0604020202020204" pitchFamily="34" charset="0"/>
+              <a:buChar char="•"/>
+              <a:defRPr sz="1800" kern="1200">
+                <a:solidFill>
+                  <a:schemeClr val="tx1"/>
+                </a:solidFill>
+                <a:latin typeface="+mn-lt"/>
+                <a:ea typeface="+mn-ea"/>
+                <a:cs typeface="+mn-cs"/>
+              </a:defRPr>
+            </a:lvl4pPr>
+            <a:lvl5pPr marL="2057400" indent="-228600" algn="l" defTabSz="914400" rtl="0" eaLnBrk="1" latinLnBrk="0" hangingPunct="1">
+              <a:lnSpc>
+                <a:spcPct val="90000"/>
+              </a:lnSpc>
+              <a:spcBef>
+                <a:spcPts val="500"/>
+              </a:spcBef>
+              <a:buFont typeface="Arial" panose="020B0604020202020204" pitchFamily="34" charset="0"/>
+              <a:buChar char="•"/>
+              <a:defRPr sz="1800" kern="1200">
+                <a:solidFill>
+                  <a:schemeClr val="tx1"/>
+                </a:solidFill>
+                <a:latin typeface="+mn-lt"/>
+                <a:ea typeface="+mn-ea"/>
+                <a:cs typeface="+mn-cs"/>
+              </a:defRPr>
+            </a:lvl5pPr>
+            <a:lvl6pPr marL="2514600" indent="-228600" algn="l" defTabSz="914400" rtl="0" eaLnBrk="1" latinLnBrk="0" hangingPunct="1">
+              <a:lnSpc>
+                <a:spcPct val="90000"/>
+              </a:lnSpc>
+              <a:spcBef>
+                <a:spcPts val="500"/>
+              </a:spcBef>
+              <a:buFont typeface="Arial" panose="020B0604020202020204" pitchFamily="34" charset="0"/>
+              <a:buChar char="•"/>
+              <a:defRPr sz="1800" kern="1200">
+                <a:solidFill>
+                  <a:schemeClr val="tx1"/>
+                </a:solidFill>
+                <a:latin typeface="+mn-lt"/>
+                <a:ea typeface="+mn-ea"/>
+                <a:cs typeface="+mn-cs"/>
+              </a:defRPr>
+            </a:lvl6pPr>
+            <a:lvl7pPr marL="2971800" indent="-228600" algn="l" defTabSz="914400" rtl="0" eaLnBrk="1" latinLnBrk="0" hangingPunct="1">
+              <a:lnSpc>
+                <a:spcPct val="90000"/>
+              </a:lnSpc>
+              <a:spcBef>
+                <a:spcPts val="500"/>
+              </a:spcBef>
+              <a:buFont typeface="Arial" panose="020B0604020202020204" pitchFamily="34" charset="0"/>
+              <a:buChar char="•"/>
+              <a:defRPr sz="1800" kern="1200">
+                <a:solidFill>
+                  <a:schemeClr val="tx1"/>
+                </a:solidFill>
+                <a:latin typeface="+mn-lt"/>
+                <a:ea typeface="+mn-ea"/>
+                <a:cs typeface="+mn-cs"/>
+              </a:defRPr>
+            </a:lvl7pPr>
+            <a:lvl8pPr marL="3429000" indent="-228600" algn="l" defTabSz="914400" rtl="0" eaLnBrk="1" latinLnBrk="0" hangingPunct="1">
+              <a:lnSpc>
+                <a:spcPct val="90000"/>
+              </a:lnSpc>
+              <a:spcBef>
+                <a:spcPts val="500"/>
+              </a:spcBef>
+              <a:buFont typeface="Arial" panose="020B0604020202020204" pitchFamily="34" charset="0"/>
+              <a:buChar char="•"/>
+              <a:defRPr sz="1800" kern="1200">
+                <a:solidFill>
+                  <a:schemeClr val="tx1"/>
+                </a:solidFill>
+                <a:latin typeface="+mn-lt"/>
+                <a:ea typeface="+mn-ea"/>
+                <a:cs typeface="+mn-cs"/>
+              </a:defRPr>
+            </a:lvl8pPr>
+            <a:lvl9pPr marL="3886200" indent="-228600" algn="l" defTabSz="914400" rtl="0" eaLnBrk="1" latinLnBrk="0" hangingPunct="1">
+              <a:lnSpc>
+                <a:spcPct val="90000"/>
+              </a:lnSpc>
+              <a:spcBef>
+                <a:spcPts val="500"/>
+              </a:spcBef>
+              <a:buFont typeface="Arial" panose="020B0604020202020204" pitchFamily="34" charset="0"/>
+              <a:buChar char="•"/>
+              <a:defRPr sz="1800" kern="1200">
+                <a:solidFill>
+                  <a:schemeClr val="tx1"/>
+                </a:solidFill>
+                <a:latin typeface="+mn-lt"/>
+                <a:ea typeface="+mn-ea"/>
+                <a:cs typeface="+mn-cs"/>
+              </a:defRPr>
+            </a:lvl9pPr>
+          </a:lstStyle>
+          <a:p>
+            <a:pPr marL="0" indent="0">
+              <a:buFont typeface="Arial" panose="020B0604020202020204" pitchFamily="34" charset="0"/>
+              <a:buNone/>
+            </a:pPr>
+            <a:r>
+              <a:rPr lang="en-US" b="1" dirty="0" err="1" smtClean="0"/>
+              <a:t>mpi_task_runner</a:t>
+            </a:r>
+            <a:endParaRPr lang="en-US" b="1" dirty="0" smtClean="0"/>
+          </a:p>
+          <a:p>
+            <a:pPr marL="0" indent="0">
+              <a:buFont typeface="Arial" panose="020B0604020202020204" pitchFamily="34" charset="0"/>
+              <a:buNone/>
+            </a:pPr>
+            <a:r>
+              <a:rPr lang="en-US" dirty="0" err="1" smtClean="0"/>
+              <a:t>sl_idx</a:t>
+            </a:r>
+            <a:r>
+              <a:rPr lang="en-US" dirty="0" smtClean="0"/>
+              <a:t> = [0..world.size()-1]</a:t>
+            </a:r>
+          </a:p>
+          <a:p>
+            <a:pPr marL="0" indent="0">
+              <a:buFont typeface="Arial" panose="020B0604020202020204" pitchFamily="34" charset="0"/>
+              <a:buNone/>
+            </a:pPr>
+            <a:r>
+              <a:rPr lang="en-US" dirty="0" err="1" smtClean="0"/>
+              <a:t>sl_cnt</a:t>
+            </a:r>
+            <a:r>
+              <a:rPr lang="en-US" dirty="0" smtClean="0"/>
+              <a:t> = </a:t>
+            </a:r>
+            <a:r>
+              <a:rPr lang="en-US" dirty="0" err="1" smtClean="0"/>
+              <a:t>world.size</a:t>
+            </a:r>
+            <a:r>
+              <a:rPr lang="en-US" dirty="0" smtClean="0"/>
+              <a:t>()</a:t>
+            </a:r>
+            <a:endParaRPr lang="en-US" dirty="0"/>
+          </a:p>
+        </p:txBody>
+      </p:sp>
+      <p:sp>
+        <p:nvSpPr>
+          <p:cNvPr id="5" name="Content Placeholder 2"/>
+          <p:cNvSpPr txBox="1">
+            <a:spLocks/>
+          </p:cNvSpPr>
+          <p:nvPr/>
+        </p:nvSpPr>
+        <p:spPr>
+          <a:xfrm>
+            <a:off x="5033246" y="4205230"/>
+            <a:ext cx="3482104" cy="1971732"/>
+          </a:xfrm>
+          <a:prstGeom prst="rect">
+            <a:avLst/>
+          </a:prstGeom>
+        </p:spPr>
+        <p:txBody>
+          <a:bodyPr vert="horz" lIns="91440" tIns="45720" rIns="91440" bIns="45720" rtlCol="0">
+            <a:normAutofit/>
+          </a:bodyPr>
+          <a:lstStyle>
+            <a:lvl1pPr marL="228600" indent="-228600" algn="l" defTabSz="914400" rtl="0" eaLnBrk="1" latinLnBrk="0" hangingPunct="1">
+              <a:lnSpc>
+                <a:spcPct val="90000"/>
+              </a:lnSpc>
+              <a:spcBef>
+                <a:spcPts val="1000"/>
+              </a:spcBef>
+              <a:buFont typeface="Arial" panose="020B0604020202020204" pitchFamily="34" charset="0"/>
+              <a:buChar char="•"/>
+              <a:defRPr sz="2800" kern="1200">
+                <a:solidFill>
+                  <a:schemeClr val="tx1"/>
+                </a:solidFill>
+                <a:latin typeface="+mn-lt"/>
+                <a:ea typeface="+mn-ea"/>
+                <a:cs typeface="+mn-cs"/>
+              </a:defRPr>
+            </a:lvl1pPr>
+            <a:lvl2pPr marL="685800" indent="-228600" algn="l" defTabSz="914400" rtl="0" eaLnBrk="1" latinLnBrk="0" hangingPunct="1">
+              <a:lnSpc>
+                <a:spcPct val="90000"/>
+              </a:lnSpc>
+              <a:spcBef>
+                <a:spcPts val="500"/>
+              </a:spcBef>
+              <a:buFont typeface="Arial" panose="020B0604020202020204" pitchFamily="34" charset="0"/>
+              <a:buChar char="•"/>
+              <a:defRPr sz="2400" kern="1200">
+                <a:solidFill>
+                  <a:schemeClr val="tx1"/>
+                </a:solidFill>
+                <a:latin typeface="+mn-lt"/>
+                <a:ea typeface="+mn-ea"/>
+                <a:cs typeface="+mn-cs"/>
+              </a:defRPr>
+            </a:lvl2pPr>
+            <a:lvl3pPr marL="1143000" indent="-228600" algn="l" defTabSz="914400" rtl="0" eaLnBrk="1" latinLnBrk="0" hangingPunct="1">
+              <a:lnSpc>
+                <a:spcPct val="90000"/>
+              </a:lnSpc>
+              <a:spcBef>
+                <a:spcPts val="500"/>
+              </a:spcBef>
+              <a:buFont typeface="Arial" panose="020B0604020202020204" pitchFamily="34" charset="0"/>
+              <a:buChar char="•"/>
+              <a:defRPr sz="2000" kern="1200">
+                <a:solidFill>
+                  <a:schemeClr val="tx1"/>
+                </a:solidFill>
+                <a:latin typeface="+mn-lt"/>
+                <a:ea typeface="+mn-ea"/>
+                <a:cs typeface="+mn-cs"/>
+              </a:defRPr>
+            </a:lvl3pPr>
+            <a:lvl4pPr marL="1600200" indent="-228600" algn="l" defTabSz="914400" rtl="0" eaLnBrk="1" latinLnBrk="0" hangingPunct="1">
+              <a:lnSpc>
+                <a:spcPct val="90000"/>
+              </a:lnSpc>
+              <a:spcBef>
+                <a:spcPts val="500"/>
+              </a:spcBef>
+              <a:buFont typeface="Arial" panose="020B0604020202020204" pitchFamily="34" charset="0"/>
+              <a:buChar char="•"/>
+              <a:defRPr sz="1800" kern="1200">
+                <a:solidFill>
+                  <a:schemeClr val="tx1"/>
+                </a:solidFill>
+                <a:latin typeface="+mn-lt"/>
+                <a:ea typeface="+mn-ea"/>
+                <a:cs typeface="+mn-cs"/>
+              </a:defRPr>
+            </a:lvl4pPr>
+            <a:lvl5pPr marL="2057400" indent="-228600" algn="l" defTabSz="914400" rtl="0" eaLnBrk="1" latinLnBrk="0" hangingPunct="1">
+              <a:lnSpc>
+                <a:spcPct val="90000"/>
+              </a:lnSpc>
+              <a:spcBef>
+                <a:spcPts val="500"/>
+              </a:spcBef>
+              <a:buFont typeface="Arial" panose="020B0604020202020204" pitchFamily="34" charset="0"/>
+              <a:buChar char="•"/>
+              <a:defRPr sz="1800" kern="1200">
+                <a:solidFill>
+                  <a:schemeClr val="tx1"/>
+                </a:solidFill>
+                <a:latin typeface="+mn-lt"/>
+                <a:ea typeface="+mn-ea"/>
+                <a:cs typeface="+mn-cs"/>
+              </a:defRPr>
+            </a:lvl5pPr>
+            <a:lvl6pPr marL="2514600" indent="-228600" algn="l" defTabSz="914400" rtl="0" eaLnBrk="1" latinLnBrk="0" hangingPunct="1">
+              <a:lnSpc>
+                <a:spcPct val="90000"/>
+              </a:lnSpc>
+              <a:spcBef>
+                <a:spcPts val="500"/>
+              </a:spcBef>
+              <a:buFont typeface="Arial" panose="020B0604020202020204" pitchFamily="34" charset="0"/>
+              <a:buChar char="•"/>
+              <a:defRPr sz="1800" kern="1200">
+                <a:solidFill>
+                  <a:schemeClr val="tx1"/>
+                </a:solidFill>
+                <a:latin typeface="+mn-lt"/>
+                <a:ea typeface="+mn-ea"/>
+                <a:cs typeface="+mn-cs"/>
+              </a:defRPr>
+            </a:lvl6pPr>
+            <a:lvl7pPr marL="2971800" indent="-228600" algn="l" defTabSz="914400" rtl="0" eaLnBrk="1" latinLnBrk="0" hangingPunct="1">
+              <a:lnSpc>
+                <a:spcPct val="90000"/>
+              </a:lnSpc>
+              <a:spcBef>
+                <a:spcPts val="500"/>
+              </a:spcBef>
+              <a:buFont typeface="Arial" panose="020B0604020202020204" pitchFamily="34" charset="0"/>
+              <a:buChar char="•"/>
+              <a:defRPr sz="1800" kern="1200">
+                <a:solidFill>
+                  <a:schemeClr val="tx1"/>
+                </a:solidFill>
+                <a:latin typeface="+mn-lt"/>
+                <a:ea typeface="+mn-ea"/>
+                <a:cs typeface="+mn-cs"/>
+              </a:defRPr>
+            </a:lvl7pPr>
+            <a:lvl8pPr marL="3429000" indent="-228600" algn="l" defTabSz="914400" rtl="0" eaLnBrk="1" latinLnBrk="0" hangingPunct="1">
+              <a:lnSpc>
+                <a:spcPct val="90000"/>
+              </a:lnSpc>
+              <a:spcBef>
+                <a:spcPts val="500"/>
+              </a:spcBef>
+              <a:buFont typeface="Arial" panose="020B0604020202020204" pitchFamily="34" charset="0"/>
+              <a:buChar char="•"/>
+              <a:defRPr sz="1800" kern="1200">
+                <a:solidFill>
+                  <a:schemeClr val="tx1"/>
+                </a:solidFill>
+                <a:latin typeface="+mn-lt"/>
+                <a:ea typeface="+mn-ea"/>
+                <a:cs typeface="+mn-cs"/>
+              </a:defRPr>
+            </a:lvl8pPr>
+            <a:lvl9pPr marL="3886200" indent="-228600" algn="l" defTabSz="914400" rtl="0" eaLnBrk="1" latinLnBrk="0" hangingPunct="1">
+              <a:lnSpc>
+                <a:spcPct val="90000"/>
+              </a:lnSpc>
+              <a:spcBef>
+                <a:spcPts val="500"/>
+              </a:spcBef>
+              <a:buFont typeface="Arial" panose="020B0604020202020204" pitchFamily="34" charset="0"/>
+              <a:buChar char="•"/>
+              <a:defRPr sz="1800" kern="1200">
+                <a:solidFill>
+                  <a:schemeClr val="tx1"/>
+                </a:solidFill>
+                <a:latin typeface="+mn-lt"/>
+                <a:ea typeface="+mn-ea"/>
+                <a:cs typeface="+mn-cs"/>
+              </a:defRPr>
+            </a:lvl9pPr>
+          </a:lstStyle>
+          <a:p>
+            <a:pPr marL="0" indent="0">
+              <a:buFont typeface="Arial" panose="020B0604020202020204" pitchFamily="34" charset="0"/>
+              <a:buNone/>
+            </a:pPr>
+            <a:r>
+              <a:rPr lang="en-US" b="1" dirty="0" err="1" smtClean="0"/>
+              <a:t>simple_task_runner</a:t>
+            </a:r>
+            <a:endParaRPr lang="en-US" b="1" dirty="0" smtClean="0"/>
+          </a:p>
+          <a:p>
+            <a:pPr marL="0" indent="0">
+              <a:buFont typeface="Arial" panose="020B0604020202020204" pitchFamily="34" charset="0"/>
+              <a:buNone/>
+            </a:pPr>
+            <a:r>
+              <a:rPr lang="en-US" dirty="0" err="1" smtClean="0"/>
+              <a:t>sl_idx</a:t>
+            </a:r>
+            <a:r>
+              <a:rPr lang="en-US" dirty="0" smtClean="0"/>
+              <a:t> = 0</a:t>
+            </a:r>
+          </a:p>
+          <a:p>
+            <a:pPr marL="0" indent="0">
+              <a:buFont typeface="Arial" panose="020B0604020202020204" pitchFamily="34" charset="0"/>
+              <a:buNone/>
+            </a:pPr>
+            <a:r>
+              <a:rPr lang="en-US" dirty="0" err="1" smtClean="0"/>
+              <a:t>sl_cnt</a:t>
+            </a:r>
+            <a:r>
+              <a:rPr lang="en-US" dirty="0" smtClean="0"/>
+              <a:t> = 1</a:t>
+            </a:r>
+            <a:endParaRPr lang="en-US" dirty="0"/>
+          </a:p>
+        </p:txBody>
+      </p:sp>
+    </p:spTree>
+    <p:extLst>
+      <p:ext uri="{BB962C8B-B14F-4D97-AF65-F5344CB8AC3E}">
+        <p14:creationId xmlns:p14="http://schemas.microsoft.com/office/powerpoint/2010/main" val="2767047075"/>
+      </p:ext>
+    </p:extLst>
+  </p:cSld>
+  <p:clrMapOvr>
+    <a:masterClrMapping/>
+  </p:clrMapOvr>
+  <p:timing>
+    <p:tnLst>
+      <p:par>
+        <p:cTn id="1" dur="indefinite" restart="never" nodeType="tmRoot"/>
+      </p:par>
+    </p:tnLst>
+  </p:timing>
+</p:sld>
+</file>
+
+<file path=ppt/slides/slide15.xml><?xml version="1.0" encoding="utf-8"?>
+<p:sld xmlns:a="http://schemas.openxmlformats.org/drawingml/2006/main" xmlns:r="http://schemas.openxmlformats.org/officeDocument/2006/relationships" xmlns:p="http://schemas.openxmlformats.org/presentationml/2006/main">
+  <p:cSld>
+    <p:spTree>
+      <p:nvGrpSpPr>
+        <p:cNvPr id="1" name=""/>
+        <p:cNvGrpSpPr/>
+        <p:nvPr/>
+      </p:nvGrpSpPr>
+      <p:grpSpPr>
+        <a:xfrm>
+          <a:off x="0" y="0"/>
+          <a:ext cx="0" cy="0"/>
+          <a:chOff x="0" y="0"/>
+          <a:chExt cx="0" cy="0"/>
+        </a:xfrm>
+      </p:grpSpPr>
+      <p:sp>
+        <p:nvSpPr>
+          <p:cNvPr id="2" name="Title 1"/>
+          <p:cNvSpPr>
+            <a:spLocks noGrp="1"/>
+          </p:cNvSpPr>
+          <p:nvPr>
+            <p:ph type="title"/>
+          </p:nvPr>
+        </p:nvSpPr>
+        <p:spPr/>
+        <p:txBody>
+          <a:bodyPr/>
+          <a:lstStyle/>
+          <a:p>
+            <a:r>
+              <a:rPr lang="en-US" dirty="0" err="1" smtClean="0"/>
+              <a:t>Parallelisierung</a:t>
+            </a:r>
+            <a:r>
+              <a:rPr lang="en-US" dirty="0" smtClean="0"/>
+              <a:t> – Transport (I)</a:t>
+            </a:r>
+            <a:endParaRPr lang="en-US" dirty="0"/>
+          </a:p>
+        </p:txBody>
+      </p:sp>
+      <p:sp>
+        <p:nvSpPr>
+          <p:cNvPr id="3" name="Content Placeholder 2"/>
+          <p:cNvSpPr>
+            <a:spLocks noGrp="1"/>
+          </p:cNvSpPr>
+          <p:nvPr>
+            <p:ph idx="1"/>
+          </p:nvPr>
+        </p:nvSpPr>
+        <p:spPr>
+          <a:xfrm>
+            <a:off x="628650" y="1825625"/>
+            <a:ext cx="8037920" cy="4351338"/>
+          </a:xfrm>
+        </p:spPr>
+        <p:txBody>
+          <a:bodyPr>
+            <a:normAutofit lnSpcReduction="10000"/>
+          </a:bodyPr>
+          <a:lstStyle/>
+          <a:p>
+            <a:pPr marL="0" indent="0">
+              <a:buNone/>
+            </a:pPr>
+            <a:r>
+              <a:rPr lang="en-US" b="1" dirty="0" smtClean="0"/>
+              <a:t>Problem:</a:t>
+            </a:r>
+          </a:p>
+          <a:p>
+            <a:pPr marL="0" indent="0">
+              <a:buNone/>
+            </a:pPr>
+            <a:r>
+              <a:rPr lang="en-US" dirty="0" err="1" smtClean="0"/>
+              <a:t>Serialisierung</a:t>
+            </a:r>
+            <a:r>
+              <a:rPr lang="en-US" dirty="0" smtClean="0"/>
+              <a:t> von </a:t>
+            </a:r>
+            <a:r>
+              <a:rPr lang="en-US" b="1" dirty="0" smtClean="0"/>
+              <a:t>void*</a:t>
+            </a:r>
+            <a:r>
+              <a:rPr lang="en-US" dirty="0" smtClean="0"/>
+              <a:t> per se </a:t>
+            </a:r>
+            <a:r>
+              <a:rPr lang="en-US" dirty="0" err="1" smtClean="0"/>
+              <a:t>nicht</a:t>
+            </a:r>
+            <a:r>
+              <a:rPr lang="en-US" dirty="0" smtClean="0"/>
+              <a:t> </a:t>
+            </a:r>
+            <a:r>
+              <a:rPr lang="en-US" dirty="0" err="1" smtClean="0"/>
+              <a:t>möglich</a:t>
+            </a:r>
+            <a:endParaRPr lang="en-US" dirty="0" smtClean="0"/>
+          </a:p>
+          <a:p>
+            <a:pPr marL="0" indent="0">
+              <a:buNone/>
+            </a:pPr>
+            <a:endParaRPr lang="en-US" dirty="0"/>
+          </a:p>
+          <a:p>
+            <a:pPr marL="0" indent="0">
+              <a:buNone/>
+            </a:pPr>
+            <a:r>
+              <a:rPr lang="en-US" b="1" dirty="0" smtClean="0"/>
+              <a:t>Best Practice:</a:t>
+            </a:r>
+          </a:p>
+          <a:p>
+            <a:pPr marL="0" indent="0">
+              <a:buNone/>
+            </a:pPr>
+            <a:r>
+              <a:rPr lang="en-US" dirty="0" err="1" smtClean="0"/>
+              <a:t>Registrierte</a:t>
+            </a:r>
+            <a:r>
+              <a:rPr lang="en-US" dirty="0" smtClean="0"/>
+              <a:t> Well Known Types (</a:t>
+            </a:r>
+            <a:r>
+              <a:rPr lang="en-US" dirty="0" err="1" smtClean="0"/>
+              <a:t>gemeinsame</a:t>
+            </a:r>
+            <a:r>
+              <a:rPr lang="en-US" dirty="0" smtClean="0"/>
+              <a:t> </a:t>
+            </a:r>
+            <a:r>
+              <a:rPr lang="en-US" dirty="0" err="1" smtClean="0"/>
+              <a:t>Superklasse</a:t>
+            </a:r>
+            <a:r>
+              <a:rPr lang="en-US" dirty="0" smtClean="0"/>
+              <a:t>)</a:t>
+            </a:r>
+          </a:p>
+          <a:p>
+            <a:pPr marL="0" indent="0">
+              <a:buNone/>
+            </a:pPr>
+            <a:endParaRPr lang="en-US" dirty="0"/>
+          </a:p>
+          <a:p>
+            <a:pPr marL="0" indent="0">
+              <a:buNone/>
+            </a:pPr>
+            <a:r>
+              <a:rPr lang="en-US" b="1" dirty="0" err="1" smtClean="0"/>
+              <a:t>Lösung</a:t>
+            </a:r>
+            <a:r>
+              <a:rPr lang="en-US" b="1" dirty="0" smtClean="0"/>
+              <a:t>:</a:t>
+            </a:r>
+          </a:p>
+          <a:p>
+            <a:pPr marL="0" indent="0">
+              <a:buNone/>
+            </a:pPr>
+            <a:r>
+              <a:rPr lang="en-US" dirty="0" smtClean="0"/>
+              <a:t>Custom Container </a:t>
+            </a:r>
+            <a:r>
+              <a:rPr lang="en-US" b="1" dirty="0" smtClean="0"/>
+              <a:t>pack</a:t>
+            </a:r>
+            <a:endParaRPr lang="en-US" b="1" dirty="0"/>
+          </a:p>
+        </p:txBody>
+      </p:sp>
+    </p:spTree>
+    <p:extLst>
+      <p:ext uri="{BB962C8B-B14F-4D97-AF65-F5344CB8AC3E}">
+        <p14:creationId xmlns:p14="http://schemas.microsoft.com/office/powerpoint/2010/main" val="1997904052"/>
+      </p:ext>
+    </p:extLst>
+  </p:cSld>
+  <p:clrMapOvr>
+    <a:masterClrMapping/>
+  </p:clrMapOvr>
+  <p:timing>
+    <p:tnLst>
+      <p:par>
+        <p:cTn id="1" dur="indefinite" restart="never" nodeType="tmRoot"/>
+      </p:par>
+    </p:tnLst>
+  </p:timing>
+</p:sld>
+</file>
+
+<file path=ppt/slides/slide16.xml><?xml version="1.0" encoding="utf-8"?>
+<p:sld xmlns:a="http://schemas.openxmlformats.org/drawingml/2006/main" xmlns:r="http://schemas.openxmlformats.org/officeDocument/2006/relationships" xmlns:p="http://schemas.openxmlformats.org/presentationml/2006/main">
+  <p:cSld>
+    <p:spTree>
+      <p:nvGrpSpPr>
+        <p:cNvPr id="1" name=""/>
+        <p:cNvGrpSpPr/>
+        <p:nvPr/>
+      </p:nvGrpSpPr>
+      <p:grpSpPr>
+        <a:xfrm>
+          <a:off x="0" y="0"/>
+          <a:ext cx="0" cy="0"/>
+          <a:chOff x="0" y="0"/>
+          <a:chExt cx="0" cy="0"/>
+        </a:xfrm>
+      </p:grpSpPr>
+      <p:sp>
+        <p:nvSpPr>
+          <p:cNvPr id="2" name="Title 1"/>
+          <p:cNvSpPr>
+            <a:spLocks noGrp="1"/>
+          </p:cNvSpPr>
+          <p:nvPr>
+            <p:ph type="title"/>
+          </p:nvPr>
+        </p:nvSpPr>
+        <p:spPr/>
+        <p:txBody>
+          <a:bodyPr/>
+          <a:lstStyle/>
+          <a:p>
+            <a:r>
+              <a:rPr lang="en-US" dirty="0" err="1" smtClean="0"/>
+              <a:t>Parallelisierung</a:t>
+            </a:r>
+            <a:r>
+              <a:rPr lang="en-US" dirty="0" smtClean="0"/>
+              <a:t> – Transport (II)</a:t>
+            </a:r>
+            <a:endParaRPr lang="en-US" dirty="0"/>
+          </a:p>
+        </p:txBody>
+      </p:sp>
+      <p:sp>
+        <p:nvSpPr>
+          <p:cNvPr id="3" name="Content Placeholder 2"/>
+          <p:cNvSpPr>
+            <a:spLocks noGrp="1"/>
+          </p:cNvSpPr>
+          <p:nvPr>
+            <p:ph idx="1"/>
+          </p:nvPr>
+        </p:nvSpPr>
+        <p:spPr>
+          <a:xfrm>
+            <a:off x="628650" y="1825625"/>
+            <a:ext cx="8037920" cy="4351338"/>
+          </a:xfrm>
+        </p:spPr>
+        <p:txBody>
+          <a:bodyPr>
+            <a:normAutofit fontScale="55000" lnSpcReduction="20000"/>
+          </a:bodyPr>
+          <a:lstStyle/>
+          <a:p>
+            <a:pPr marL="0" indent="0">
+              <a:buNone/>
+            </a:pPr>
+            <a:r>
+              <a:rPr lang="en-US" dirty="0">
+                <a:latin typeface="Consolas" panose="020B0609020204030204" pitchFamily="49" charset="0"/>
+                <a:cs typeface="Consolas" panose="020B0609020204030204" pitchFamily="49" charset="0"/>
+              </a:rPr>
+              <a:t>void encoder::</a:t>
+            </a:r>
+            <a:r>
+              <a:rPr lang="en-US" dirty="0" err="1">
+                <a:latin typeface="Consolas" panose="020B0609020204030204" pitchFamily="49" charset="0"/>
+                <a:cs typeface="Consolas" panose="020B0609020204030204" pitchFamily="49" charset="0"/>
+              </a:rPr>
+              <a:t>pack_input</a:t>
+            </a:r>
+            <a:r>
+              <a:rPr lang="en-US" dirty="0">
+                <a:latin typeface="Consolas" panose="020B0609020204030204" pitchFamily="49" charset="0"/>
+                <a:cs typeface="Consolas" panose="020B0609020204030204" pitchFamily="49" charset="0"/>
+              </a:rPr>
+              <a:t>(pack &amp;p, void* data) {</a:t>
+            </a:r>
+          </a:p>
+          <a:p>
+            <a:pPr marL="0" indent="0">
+              <a:buNone/>
+            </a:pPr>
+            <a:r>
+              <a:rPr lang="en-US" dirty="0">
+                <a:latin typeface="Consolas" panose="020B0609020204030204" pitchFamily="49" charset="0"/>
+                <a:cs typeface="Consolas" panose="020B0609020204030204" pitchFamily="49" charset="0"/>
+              </a:rPr>
+              <a:t>	</a:t>
+            </a:r>
+            <a:r>
+              <a:rPr lang="en-US" dirty="0" err="1">
+                <a:latin typeface="Consolas" panose="020B0609020204030204" pitchFamily="49" charset="0"/>
+                <a:cs typeface="Consolas" panose="020B0609020204030204" pitchFamily="49" charset="0"/>
+              </a:rPr>
+              <a:t>p.Str</a:t>
+            </a:r>
+            <a:r>
+              <a:rPr lang="en-US" dirty="0">
+                <a:latin typeface="Consolas" panose="020B0609020204030204" pitchFamily="49" charset="0"/>
+                <a:cs typeface="Consolas" panose="020B0609020204030204" pitchFamily="49" charset="0"/>
+              </a:rPr>
+              <a:t> = *((string*)data);</a:t>
+            </a:r>
+          </a:p>
+          <a:p>
+            <a:pPr marL="0" indent="0">
+              <a:buNone/>
+            </a:pPr>
+            <a:r>
+              <a:rPr lang="en-US" dirty="0">
+                <a:latin typeface="Consolas" panose="020B0609020204030204" pitchFamily="49" charset="0"/>
+                <a:cs typeface="Consolas" panose="020B0609020204030204" pitchFamily="49" charset="0"/>
+              </a:rPr>
+              <a:t>}</a:t>
+            </a:r>
+          </a:p>
+          <a:p>
+            <a:pPr marL="0" indent="0">
+              <a:buNone/>
+            </a:pPr>
+            <a:endParaRPr lang="en-US" dirty="0">
+              <a:latin typeface="Consolas" panose="020B0609020204030204" pitchFamily="49" charset="0"/>
+              <a:cs typeface="Consolas" panose="020B0609020204030204" pitchFamily="49" charset="0"/>
+            </a:endParaRPr>
+          </a:p>
+          <a:p>
+            <a:pPr marL="0" indent="0">
+              <a:buNone/>
+            </a:pPr>
+            <a:r>
+              <a:rPr lang="en-US" dirty="0">
+                <a:latin typeface="Consolas" panose="020B0609020204030204" pitchFamily="49" charset="0"/>
+                <a:cs typeface="Consolas" panose="020B0609020204030204" pitchFamily="49" charset="0"/>
+              </a:rPr>
+              <a:t>void encoder::</a:t>
+            </a:r>
+            <a:r>
+              <a:rPr lang="en-US" dirty="0" err="1">
+                <a:latin typeface="Consolas" panose="020B0609020204030204" pitchFamily="49" charset="0"/>
+                <a:cs typeface="Consolas" panose="020B0609020204030204" pitchFamily="49" charset="0"/>
+              </a:rPr>
+              <a:t>pack_output</a:t>
+            </a:r>
+            <a:r>
+              <a:rPr lang="en-US" dirty="0">
+                <a:latin typeface="Consolas" panose="020B0609020204030204" pitchFamily="49" charset="0"/>
+                <a:cs typeface="Consolas" panose="020B0609020204030204" pitchFamily="49" charset="0"/>
+              </a:rPr>
+              <a:t>(pack &amp;p, void* data) {</a:t>
+            </a:r>
+          </a:p>
+          <a:p>
+            <a:pPr marL="0" indent="0">
+              <a:buNone/>
+            </a:pPr>
+            <a:r>
+              <a:rPr lang="en-US" dirty="0">
+                <a:latin typeface="Consolas" panose="020B0609020204030204" pitchFamily="49" charset="0"/>
+                <a:cs typeface="Consolas" panose="020B0609020204030204" pitchFamily="49" charset="0"/>
+              </a:rPr>
+              <a:t>	</a:t>
+            </a:r>
+            <a:r>
+              <a:rPr lang="en-US" dirty="0" err="1">
+                <a:latin typeface="Consolas" panose="020B0609020204030204" pitchFamily="49" charset="0"/>
+                <a:cs typeface="Consolas" panose="020B0609020204030204" pitchFamily="49" charset="0"/>
+              </a:rPr>
+              <a:t>p.Pixels</a:t>
+            </a:r>
+            <a:r>
+              <a:rPr lang="en-US" dirty="0">
+                <a:latin typeface="Consolas" panose="020B0609020204030204" pitchFamily="49" charset="0"/>
+                <a:cs typeface="Consolas" panose="020B0609020204030204" pitchFamily="49" charset="0"/>
+              </a:rPr>
+              <a:t> = *((vector&lt;pair&lt;</a:t>
+            </a:r>
+            <a:r>
+              <a:rPr lang="en-US" dirty="0" err="1">
+                <a:latin typeface="Consolas" panose="020B0609020204030204" pitchFamily="49" charset="0"/>
+                <a:cs typeface="Consolas" panose="020B0609020204030204" pitchFamily="49" charset="0"/>
+              </a:rPr>
+              <a:t>rgb</a:t>
+            </a:r>
+            <a:r>
+              <a:rPr lang="en-US" dirty="0">
+                <a:latin typeface="Consolas" panose="020B0609020204030204" pitchFamily="49" charset="0"/>
+                <a:cs typeface="Consolas" panose="020B0609020204030204" pitchFamily="49" charset="0"/>
+              </a:rPr>
+              <a:t>, </a:t>
+            </a:r>
+            <a:r>
+              <a:rPr lang="en-US" dirty="0" err="1">
+                <a:latin typeface="Consolas" panose="020B0609020204030204" pitchFamily="49" charset="0"/>
+                <a:cs typeface="Consolas" panose="020B0609020204030204" pitchFamily="49" charset="0"/>
+              </a:rPr>
+              <a:t>rgb</a:t>
+            </a:r>
+            <a:r>
+              <a:rPr lang="en-US" dirty="0">
+                <a:latin typeface="Consolas" panose="020B0609020204030204" pitchFamily="49" charset="0"/>
+                <a:cs typeface="Consolas" panose="020B0609020204030204" pitchFamily="49" charset="0"/>
+              </a:rPr>
+              <a:t>&gt; &gt;*)data);</a:t>
+            </a:r>
+          </a:p>
+          <a:p>
+            <a:pPr marL="0" indent="0">
+              <a:buNone/>
+            </a:pPr>
+            <a:r>
+              <a:rPr lang="en-US" dirty="0">
+                <a:latin typeface="Consolas" panose="020B0609020204030204" pitchFamily="49" charset="0"/>
+                <a:cs typeface="Consolas" panose="020B0609020204030204" pitchFamily="49" charset="0"/>
+              </a:rPr>
+              <a:t>}</a:t>
+            </a:r>
+          </a:p>
+          <a:p>
+            <a:pPr marL="0" indent="0">
+              <a:buNone/>
+            </a:pPr>
+            <a:endParaRPr lang="en-US" dirty="0">
+              <a:latin typeface="Consolas" panose="020B0609020204030204" pitchFamily="49" charset="0"/>
+              <a:cs typeface="Consolas" panose="020B0609020204030204" pitchFamily="49" charset="0"/>
+            </a:endParaRPr>
+          </a:p>
+          <a:p>
+            <a:pPr marL="0" indent="0">
+              <a:buNone/>
+            </a:pPr>
+            <a:r>
+              <a:rPr lang="en-US" dirty="0">
+                <a:latin typeface="Consolas" panose="020B0609020204030204" pitchFamily="49" charset="0"/>
+                <a:cs typeface="Consolas" panose="020B0609020204030204" pitchFamily="49" charset="0"/>
+              </a:rPr>
+              <a:t>void* encoder::</a:t>
+            </a:r>
+            <a:r>
+              <a:rPr lang="en-US" dirty="0" err="1">
+                <a:latin typeface="Consolas" panose="020B0609020204030204" pitchFamily="49" charset="0"/>
+                <a:cs typeface="Consolas" panose="020B0609020204030204" pitchFamily="49" charset="0"/>
+              </a:rPr>
+              <a:t>unpack_input</a:t>
+            </a:r>
+            <a:r>
+              <a:rPr lang="en-US" dirty="0">
+                <a:latin typeface="Consolas" panose="020B0609020204030204" pitchFamily="49" charset="0"/>
+                <a:cs typeface="Consolas" panose="020B0609020204030204" pitchFamily="49" charset="0"/>
+              </a:rPr>
+              <a:t>(pack &amp;p) {</a:t>
+            </a:r>
+          </a:p>
+          <a:p>
+            <a:pPr marL="0" indent="0">
+              <a:buNone/>
+            </a:pPr>
+            <a:r>
+              <a:rPr lang="en-US" dirty="0">
+                <a:latin typeface="Consolas" panose="020B0609020204030204" pitchFamily="49" charset="0"/>
+                <a:cs typeface="Consolas" panose="020B0609020204030204" pitchFamily="49" charset="0"/>
+              </a:rPr>
+              <a:t>	return new string(</a:t>
+            </a:r>
+            <a:r>
+              <a:rPr lang="en-US" dirty="0" err="1">
+                <a:latin typeface="Consolas" panose="020B0609020204030204" pitchFamily="49" charset="0"/>
+                <a:cs typeface="Consolas" panose="020B0609020204030204" pitchFamily="49" charset="0"/>
+              </a:rPr>
+              <a:t>p.Str</a:t>
+            </a:r>
+            <a:r>
+              <a:rPr lang="en-US" dirty="0">
+                <a:latin typeface="Consolas" panose="020B0609020204030204" pitchFamily="49" charset="0"/>
+                <a:cs typeface="Consolas" panose="020B0609020204030204" pitchFamily="49" charset="0"/>
+              </a:rPr>
+              <a:t>);</a:t>
+            </a:r>
+          </a:p>
+          <a:p>
+            <a:pPr marL="0" indent="0">
+              <a:buNone/>
+            </a:pPr>
+            <a:r>
+              <a:rPr lang="en-US" dirty="0">
+                <a:latin typeface="Consolas" panose="020B0609020204030204" pitchFamily="49" charset="0"/>
+                <a:cs typeface="Consolas" panose="020B0609020204030204" pitchFamily="49" charset="0"/>
+              </a:rPr>
+              <a:t>}</a:t>
+            </a:r>
+          </a:p>
+          <a:p>
+            <a:pPr marL="0" indent="0">
+              <a:buNone/>
+            </a:pPr>
+            <a:endParaRPr lang="en-US" dirty="0">
+              <a:latin typeface="Consolas" panose="020B0609020204030204" pitchFamily="49" charset="0"/>
+              <a:cs typeface="Consolas" panose="020B0609020204030204" pitchFamily="49" charset="0"/>
+            </a:endParaRPr>
+          </a:p>
+          <a:p>
+            <a:pPr marL="0" indent="0">
+              <a:buNone/>
+            </a:pPr>
+            <a:r>
+              <a:rPr lang="en-US" dirty="0">
+                <a:latin typeface="Consolas" panose="020B0609020204030204" pitchFamily="49" charset="0"/>
+                <a:cs typeface="Consolas" panose="020B0609020204030204" pitchFamily="49" charset="0"/>
+              </a:rPr>
+              <a:t>void* encoder::</a:t>
+            </a:r>
+            <a:r>
+              <a:rPr lang="en-US" dirty="0" err="1">
+                <a:latin typeface="Consolas" panose="020B0609020204030204" pitchFamily="49" charset="0"/>
+                <a:cs typeface="Consolas" panose="020B0609020204030204" pitchFamily="49" charset="0"/>
+              </a:rPr>
+              <a:t>unpack_output</a:t>
+            </a:r>
+            <a:r>
+              <a:rPr lang="en-US" dirty="0">
+                <a:latin typeface="Consolas" panose="020B0609020204030204" pitchFamily="49" charset="0"/>
+                <a:cs typeface="Consolas" panose="020B0609020204030204" pitchFamily="49" charset="0"/>
+              </a:rPr>
+              <a:t>(pack &amp;p) {</a:t>
+            </a:r>
+          </a:p>
+          <a:p>
+            <a:pPr marL="0" indent="0">
+              <a:buNone/>
+            </a:pPr>
+            <a:r>
+              <a:rPr lang="en-US" dirty="0">
+                <a:latin typeface="Consolas" panose="020B0609020204030204" pitchFamily="49" charset="0"/>
+                <a:cs typeface="Consolas" panose="020B0609020204030204" pitchFamily="49" charset="0"/>
+              </a:rPr>
+              <a:t>	return new vector&lt;pair&lt;</a:t>
+            </a:r>
+            <a:r>
+              <a:rPr lang="en-US" dirty="0" err="1">
+                <a:latin typeface="Consolas" panose="020B0609020204030204" pitchFamily="49" charset="0"/>
+                <a:cs typeface="Consolas" panose="020B0609020204030204" pitchFamily="49" charset="0"/>
+              </a:rPr>
+              <a:t>rgb</a:t>
+            </a:r>
+            <a:r>
+              <a:rPr lang="en-US" dirty="0">
+                <a:latin typeface="Consolas" panose="020B0609020204030204" pitchFamily="49" charset="0"/>
+                <a:cs typeface="Consolas" panose="020B0609020204030204" pitchFamily="49" charset="0"/>
+              </a:rPr>
+              <a:t>, </a:t>
+            </a:r>
+            <a:r>
+              <a:rPr lang="en-US" dirty="0" err="1">
+                <a:latin typeface="Consolas" panose="020B0609020204030204" pitchFamily="49" charset="0"/>
+                <a:cs typeface="Consolas" panose="020B0609020204030204" pitchFamily="49" charset="0"/>
+              </a:rPr>
+              <a:t>rgb</a:t>
+            </a:r>
+            <a:r>
+              <a:rPr lang="en-US" dirty="0">
+                <a:latin typeface="Consolas" panose="020B0609020204030204" pitchFamily="49" charset="0"/>
+                <a:cs typeface="Consolas" panose="020B0609020204030204" pitchFamily="49" charset="0"/>
+              </a:rPr>
+              <a:t>&gt; &gt;(</a:t>
+            </a:r>
+            <a:r>
+              <a:rPr lang="en-US" dirty="0" err="1">
+                <a:latin typeface="Consolas" panose="020B0609020204030204" pitchFamily="49" charset="0"/>
+                <a:cs typeface="Consolas" panose="020B0609020204030204" pitchFamily="49" charset="0"/>
+              </a:rPr>
+              <a:t>p.Pixels</a:t>
+            </a:r>
+            <a:r>
+              <a:rPr lang="en-US" dirty="0">
+                <a:latin typeface="Consolas" panose="020B0609020204030204" pitchFamily="49" charset="0"/>
+                <a:cs typeface="Consolas" panose="020B0609020204030204" pitchFamily="49" charset="0"/>
+              </a:rPr>
+              <a:t>);</a:t>
+            </a:r>
+          </a:p>
+          <a:p>
+            <a:pPr marL="0" indent="0">
+              <a:buNone/>
+            </a:pPr>
+            <a:r>
+              <a:rPr lang="en-US" dirty="0">
+                <a:latin typeface="Consolas" panose="020B0609020204030204" pitchFamily="49" charset="0"/>
+                <a:cs typeface="Consolas" panose="020B0609020204030204" pitchFamily="49" charset="0"/>
+              </a:rPr>
+              <a:t>}</a:t>
+            </a:r>
+          </a:p>
+        </p:txBody>
+      </p:sp>
+    </p:spTree>
+    <p:extLst>
+      <p:ext uri="{BB962C8B-B14F-4D97-AF65-F5344CB8AC3E}">
+        <p14:creationId xmlns:p14="http://schemas.microsoft.com/office/powerpoint/2010/main" val="365911630"/>
+      </p:ext>
+    </p:extLst>
+  </p:cSld>
+  <p:clrMapOvr>
+    <a:masterClrMapping/>
+  </p:clrMapOvr>
+  <p:timing>
+    <p:tnLst>
+      <p:par>
+        <p:cTn id="1" dur="indefinite" restart="never" nodeType="tmRoot"/>
+      </p:par>
+    </p:tnLst>
+  </p:timing>
+</p:sld>
+</file>
+
+<file path=ppt/slides/slide17.xml><?xml version="1.0" encoding="utf-8"?>
+<p:sld xmlns:a="http://schemas.openxmlformats.org/drawingml/2006/main" xmlns:r="http://schemas.openxmlformats.org/officeDocument/2006/relationships" xmlns:p="http://schemas.openxmlformats.org/presentationml/2006/main">
+  <p:cSld>
+    <p:spTree>
+      <p:nvGrpSpPr>
+        <p:cNvPr id="1" name=""/>
+        <p:cNvGrpSpPr/>
+        <p:nvPr/>
+      </p:nvGrpSpPr>
+      <p:grpSpPr>
+        <a:xfrm>
+          <a:off x="0" y="0"/>
+          <a:ext cx="0" cy="0"/>
+          <a:chOff x="0" y="0"/>
+          <a:chExt cx="0" cy="0"/>
+        </a:xfrm>
+      </p:grpSpPr>
+      <p:sp>
+        <p:nvSpPr>
+          <p:cNvPr id="2" name="Title 1"/>
+          <p:cNvSpPr>
+            <a:spLocks noGrp="1"/>
+          </p:cNvSpPr>
+          <p:nvPr>
+            <p:ph type="title"/>
+          </p:nvPr>
+        </p:nvSpPr>
+        <p:spPr/>
+        <p:txBody>
+          <a:bodyPr/>
+          <a:lstStyle/>
+          <a:p>
+            <a:r>
+              <a:rPr lang="en-US" dirty="0" err="1" smtClean="0"/>
+              <a:t>Bidirektionale</a:t>
+            </a:r>
+            <a:r>
+              <a:rPr lang="en-US" dirty="0" smtClean="0"/>
+              <a:t> Mappings</a:t>
+            </a:r>
+            <a:endParaRPr lang="en-US" dirty="0"/>
+          </a:p>
+        </p:txBody>
+      </p:sp>
+      <p:sp>
+        <p:nvSpPr>
+          <p:cNvPr id="3" name="Content Placeholder 2"/>
+          <p:cNvSpPr>
+            <a:spLocks noGrp="1"/>
+          </p:cNvSpPr>
+          <p:nvPr>
+            <p:ph idx="1"/>
+          </p:nvPr>
+        </p:nvSpPr>
+        <p:spPr/>
+        <p:txBody>
+          <a:bodyPr>
+            <a:normAutofit fontScale="85000" lnSpcReduction="20000"/>
+          </a:bodyPr>
+          <a:lstStyle/>
+          <a:p>
+            <a:pPr marL="0" indent="0">
+              <a:buNone/>
+            </a:pPr>
+            <a:r>
+              <a:rPr lang="en-US" b="1" dirty="0" smtClean="0"/>
+              <a:t>colorizer:</a:t>
+            </a:r>
+          </a:p>
+          <a:p>
+            <a:pPr marL="0" indent="0">
+              <a:buNone/>
+            </a:pPr>
+            <a:r>
+              <a:rPr lang="en-US" sz="2000" dirty="0" err="1">
+                <a:latin typeface="Consolas" panose="020B0609020204030204" pitchFamily="49" charset="0"/>
+                <a:cs typeface="Consolas" panose="020B0609020204030204" pitchFamily="49" charset="0"/>
+              </a:rPr>
+              <a:t>typedef</a:t>
+            </a:r>
+            <a:r>
+              <a:rPr lang="en-US" sz="2000" dirty="0">
+                <a:latin typeface="Consolas" panose="020B0609020204030204" pitchFamily="49" charset="0"/>
+                <a:cs typeface="Consolas" panose="020B0609020204030204" pitchFamily="49" charset="0"/>
+              </a:rPr>
+              <a:t> boost::</a:t>
+            </a:r>
+            <a:r>
+              <a:rPr lang="en-US" sz="2000" dirty="0" err="1" smtClean="0">
+                <a:latin typeface="Consolas" panose="020B0609020204030204" pitchFamily="49" charset="0"/>
+                <a:cs typeface="Consolas" panose="020B0609020204030204" pitchFamily="49" charset="0"/>
+              </a:rPr>
+              <a:t>bimap</a:t>
+            </a:r>
+            <a:r>
+              <a:rPr lang="en-US" sz="2000" dirty="0" smtClean="0">
+                <a:latin typeface="Consolas" panose="020B0609020204030204" pitchFamily="49" charset="0"/>
+                <a:cs typeface="Consolas" panose="020B0609020204030204" pitchFamily="49" charset="0"/>
+              </a:rPr>
+              <a:t>&lt;unsigned </a:t>
+            </a:r>
+            <a:r>
+              <a:rPr lang="en-US" sz="2000" dirty="0">
+                <a:latin typeface="Consolas" panose="020B0609020204030204" pitchFamily="49" charset="0"/>
+                <a:cs typeface="Consolas" panose="020B0609020204030204" pitchFamily="49" charset="0"/>
+              </a:rPr>
+              <a:t>short, </a:t>
+            </a:r>
+            <a:r>
+              <a:rPr lang="en-US" sz="2000" dirty="0" err="1">
+                <a:latin typeface="Consolas" panose="020B0609020204030204" pitchFamily="49" charset="0"/>
+                <a:cs typeface="Consolas" panose="020B0609020204030204" pitchFamily="49" charset="0"/>
+              </a:rPr>
+              <a:t>rgb</a:t>
+            </a:r>
+            <a:r>
+              <a:rPr lang="en-US" sz="2000" dirty="0">
+                <a:latin typeface="Consolas" panose="020B0609020204030204" pitchFamily="49" charset="0"/>
+                <a:cs typeface="Consolas" panose="020B0609020204030204" pitchFamily="49" charset="0"/>
+              </a:rPr>
+              <a:t>&gt; </a:t>
+            </a:r>
+            <a:r>
+              <a:rPr lang="en-US" sz="2000" dirty="0" err="1">
+                <a:latin typeface="Consolas" panose="020B0609020204030204" pitchFamily="49" charset="0"/>
+                <a:cs typeface="Consolas" panose="020B0609020204030204" pitchFamily="49" charset="0"/>
+              </a:rPr>
+              <a:t>nibble_bimap</a:t>
+            </a:r>
+            <a:r>
+              <a:rPr lang="en-US" sz="2000" dirty="0" smtClean="0">
+                <a:latin typeface="Consolas" panose="020B0609020204030204" pitchFamily="49" charset="0"/>
+                <a:cs typeface="Consolas" panose="020B0609020204030204" pitchFamily="49" charset="0"/>
+              </a:rPr>
+              <a:t>;</a:t>
+            </a:r>
+          </a:p>
+          <a:p>
+            <a:pPr marL="0" indent="0">
+              <a:buNone/>
+            </a:pPr>
+            <a:endParaRPr lang="en-US" sz="2000" dirty="0" smtClean="0">
+              <a:latin typeface="Consolas" panose="020B0609020204030204" pitchFamily="49" charset="0"/>
+              <a:cs typeface="Consolas" panose="020B0609020204030204" pitchFamily="49" charset="0"/>
+            </a:endParaRPr>
+          </a:p>
+          <a:p>
+            <a:pPr marL="0" indent="0">
+              <a:buNone/>
+            </a:pPr>
+            <a:r>
+              <a:rPr lang="en-US" b="1" dirty="0" err="1" smtClean="0"/>
+              <a:t>rgb</a:t>
+            </a:r>
+            <a:r>
+              <a:rPr lang="en-US" b="1" dirty="0" smtClean="0"/>
+              <a:t>:</a:t>
+            </a:r>
+          </a:p>
+          <a:p>
+            <a:pPr marL="0" indent="0">
+              <a:buNone/>
+            </a:pPr>
+            <a:r>
+              <a:rPr lang="en-US" sz="2000" dirty="0" smtClean="0">
+                <a:latin typeface="Consolas" panose="020B0609020204030204" pitchFamily="49" charset="0"/>
+                <a:cs typeface="Consolas" panose="020B0609020204030204" pitchFamily="49" charset="0"/>
+              </a:rPr>
+              <a:t>template</a:t>
+            </a:r>
+            <a:r>
+              <a:rPr lang="en-US" sz="2000" dirty="0">
+                <a:latin typeface="Consolas" panose="020B0609020204030204" pitchFamily="49" charset="0"/>
+                <a:cs typeface="Consolas" panose="020B0609020204030204" pitchFamily="49" charset="0"/>
+              </a:rPr>
+              <a:t>&lt;&gt; </a:t>
+            </a:r>
+            <a:r>
+              <a:rPr lang="en-US" sz="2000" dirty="0" err="1">
+                <a:latin typeface="Consolas" panose="020B0609020204030204" pitchFamily="49" charset="0"/>
+                <a:cs typeface="Consolas" panose="020B0609020204030204" pitchFamily="49" charset="0"/>
+              </a:rPr>
+              <a:t>struct</a:t>
+            </a:r>
+            <a:r>
+              <a:rPr lang="en-US" sz="2000" dirty="0">
+                <a:latin typeface="Consolas" panose="020B0609020204030204" pitchFamily="49" charset="0"/>
+                <a:cs typeface="Consolas" panose="020B0609020204030204" pitchFamily="49" charset="0"/>
+              </a:rPr>
+              <a:t> less&lt;</a:t>
+            </a:r>
+            <a:r>
+              <a:rPr lang="en-US" sz="2000" dirty="0" err="1">
+                <a:latin typeface="Consolas" panose="020B0609020204030204" pitchFamily="49" charset="0"/>
+                <a:cs typeface="Consolas" panose="020B0609020204030204" pitchFamily="49" charset="0"/>
+              </a:rPr>
+              <a:t>rgb</a:t>
+            </a:r>
+            <a:r>
+              <a:rPr lang="en-US" sz="2000" dirty="0">
+                <a:latin typeface="Consolas" panose="020B0609020204030204" pitchFamily="49" charset="0"/>
+                <a:cs typeface="Consolas" panose="020B0609020204030204" pitchFamily="49" charset="0"/>
+              </a:rPr>
+              <a:t>&gt; : </a:t>
+            </a:r>
+            <a:r>
+              <a:rPr lang="en-US" sz="2000" dirty="0" err="1">
+                <a:latin typeface="Consolas" panose="020B0609020204030204" pitchFamily="49" charset="0"/>
+                <a:cs typeface="Consolas" panose="020B0609020204030204" pitchFamily="49" charset="0"/>
+              </a:rPr>
+              <a:t>binary_function</a:t>
+            </a:r>
+            <a:r>
+              <a:rPr lang="en-US" sz="2000" dirty="0">
+                <a:latin typeface="Consolas" panose="020B0609020204030204" pitchFamily="49" charset="0"/>
+                <a:cs typeface="Consolas" panose="020B0609020204030204" pitchFamily="49" charset="0"/>
+              </a:rPr>
+              <a:t>&lt;</a:t>
+            </a:r>
+            <a:r>
+              <a:rPr lang="en-US" sz="2000" dirty="0" err="1">
+                <a:latin typeface="Consolas" panose="020B0609020204030204" pitchFamily="49" charset="0"/>
+                <a:cs typeface="Consolas" panose="020B0609020204030204" pitchFamily="49" charset="0"/>
+              </a:rPr>
+              <a:t>rgb</a:t>
+            </a:r>
+            <a:r>
+              <a:rPr lang="en-US" sz="2000" dirty="0">
+                <a:latin typeface="Consolas" panose="020B0609020204030204" pitchFamily="49" charset="0"/>
+                <a:cs typeface="Consolas" panose="020B0609020204030204" pitchFamily="49" charset="0"/>
+              </a:rPr>
+              <a:t>, </a:t>
+            </a:r>
+            <a:r>
+              <a:rPr lang="en-US" sz="2000" dirty="0" err="1">
+                <a:latin typeface="Consolas" panose="020B0609020204030204" pitchFamily="49" charset="0"/>
+                <a:cs typeface="Consolas" panose="020B0609020204030204" pitchFamily="49" charset="0"/>
+              </a:rPr>
+              <a:t>rgb</a:t>
+            </a:r>
+            <a:r>
+              <a:rPr lang="en-US" sz="2000" dirty="0">
+                <a:latin typeface="Consolas" panose="020B0609020204030204" pitchFamily="49" charset="0"/>
+                <a:cs typeface="Consolas" panose="020B0609020204030204" pitchFamily="49" charset="0"/>
+              </a:rPr>
+              <a:t>, </a:t>
+            </a:r>
+            <a:r>
+              <a:rPr lang="en-US" sz="2000" dirty="0" err="1">
+                <a:latin typeface="Consolas" panose="020B0609020204030204" pitchFamily="49" charset="0"/>
+                <a:cs typeface="Consolas" panose="020B0609020204030204" pitchFamily="49" charset="0"/>
+              </a:rPr>
+              <a:t>bool</a:t>
+            </a:r>
+            <a:r>
+              <a:rPr lang="en-US" sz="2000" dirty="0">
+                <a:latin typeface="Consolas" panose="020B0609020204030204" pitchFamily="49" charset="0"/>
+                <a:cs typeface="Consolas" panose="020B0609020204030204" pitchFamily="49" charset="0"/>
+              </a:rPr>
+              <a:t>&gt; {</a:t>
+            </a:r>
+          </a:p>
+          <a:p>
+            <a:pPr marL="0" indent="0">
+              <a:buNone/>
+            </a:pPr>
+            <a:r>
+              <a:rPr lang="en-US" sz="2000" dirty="0">
+                <a:latin typeface="Consolas" panose="020B0609020204030204" pitchFamily="49" charset="0"/>
+                <a:cs typeface="Consolas" panose="020B0609020204030204" pitchFamily="49" charset="0"/>
+              </a:rPr>
+              <a:t>	</a:t>
+            </a:r>
+            <a:r>
+              <a:rPr lang="en-US" sz="2000" dirty="0" err="1">
+                <a:latin typeface="Consolas" panose="020B0609020204030204" pitchFamily="49" charset="0"/>
+                <a:cs typeface="Consolas" panose="020B0609020204030204" pitchFamily="49" charset="0"/>
+              </a:rPr>
+              <a:t>bool</a:t>
+            </a:r>
+            <a:r>
+              <a:rPr lang="en-US" sz="2000" dirty="0">
+                <a:latin typeface="Consolas" panose="020B0609020204030204" pitchFamily="49" charset="0"/>
+                <a:cs typeface="Consolas" panose="020B0609020204030204" pitchFamily="49" charset="0"/>
+              </a:rPr>
+              <a:t> operator() (</a:t>
+            </a:r>
+            <a:r>
+              <a:rPr lang="en-US" sz="2000" dirty="0" err="1">
+                <a:latin typeface="Consolas" panose="020B0609020204030204" pitchFamily="49" charset="0"/>
+                <a:cs typeface="Consolas" panose="020B0609020204030204" pitchFamily="49" charset="0"/>
+              </a:rPr>
+              <a:t>const</a:t>
+            </a:r>
+            <a:r>
+              <a:rPr lang="en-US" sz="2000" dirty="0">
+                <a:latin typeface="Consolas" panose="020B0609020204030204" pitchFamily="49" charset="0"/>
+                <a:cs typeface="Consolas" panose="020B0609020204030204" pitchFamily="49" charset="0"/>
+              </a:rPr>
+              <a:t> </a:t>
+            </a:r>
+            <a:r>
+              <a:rPr lang="en-US" sz="2000" dirty="0" err="1">
+                <a:latin typeface="Consolas" panose="020B0609020204030204" pitchFamily="49" charset="0"/>
+                <a:cs typeface="Consolas" panose="020B0609020204030204" pitchFamily="49" charset="0"/>
+              </a:rPr>
+              <a:t>rgb</a:t>
+            </a:r>
+            <a:r>
+              <a:rPr lang="en-US" sz="2000" dirty="0">
+                <a:latin typeface="Consolas" panose="020B0609020204030204" pitchFamily="49" charset="0"/>
+                <a:cs typeface="Consolas" panose="020B0609020204030204" pitchFamily="49" charset="0"/>
+              </a:rPr>
+              <a:t>&amp; a, </a:t>
+            </a:r>
+            <a:r>
+              <a:rPr lang="en-US" sz="2000" dirty="0" err="1">
+                <a:latin typeface="Consolas" panose="020B0609020204030204" pitchFamily="49" charset="0"/>
+                <a:cs typeface="Consolas" panose="020B0609020204030204" pitchFamily="49" charset="0"/>
+              </a:rPr>
+              <a:t>const</a:t>
+            </a:r>
+            <a:r>
+              <a:rPr lang="en-US" sz="2000" dirty="0">
+                <a:latin typeface="Consolas" panose="020B0609020204030204" pitchFamily="49" charset="0"/>
+                <a:cs typeface="Consolas" panose="020B0609020204030204" pitchFamily="49" charset="0"/>
+              </a:rPr>
+              <a:t> </a:t>
+            </a:r>
+            <a:r>
+              <a:rPr lang="en-US" sz="2000" dirty="0" err="1">
+                <a:latin typeface="Consolas" panose="020B0609020204030204" pitchFamily="49" charset="0"/>
+                <a:cs typeface="Consolas" panose="020B0609020204030204" pitchFamily="49" charset="0"/>
+              </a:rPr>
+              <a:t>rgb</a:t>
+            </a:r>
+            <a:r>
+              <a:rPr lang="en-US" sz="2000" dirty="0">
+                <a:latin typeface="Consolas" panose="020B0609020204030204" pitchFamily="49" charset="0"/>
+                <a:cs typeface="Consolas" panose="020B0609020204030204" pitchFamily="49" charset="0"/>
+              </a:rPr>
+              <a:t>&amp; b) </a:t>
+            </a:r>
+            <a:r>
+              <a:rPr lang="en-US" sz="2000" dirty="0" err="1">
+                <a:latin typeface="Consolas" panose="020B0609020204030204" pitchFamily="49" charset="0"/>
+                <a:cs typeface="Consolas" panose="020B0609020204030204" pitchFamily="49" charset="0"/>
+              </a:rPr>
+              <a:t>const</a:t>
+            </a:r>
+            <a:r>
+              <a:rPr lang="en-US" sz="2000" dirty="0">
+                <a:latin typeface="Consolas" panose="020B0609020204030204" pitchFamily="49" charset="0"/>
+                <a:cs typeface="Consolas" panose="020B0609020204030204" pitchFamily="49" charset="0"/>
+              </a:rPr>
+              <a:t> {</a:t>
+            </a:r>
+          </a:p>
+          <a:p>
+            <a:pPr marL="0" indent="0">
+              <a:buNone/>
+            </a:pPr>
+            <a:r>
+              <a:rPr lang="en-US" sz="2000" dirty="0">
+                <a:latin typeface="Consolas" panose="020B0609020204030204" pitchFamily="49" charset="0"/>
+                <a:cs typeface="Consolas" panose="020B0609020204030204" pitchFamily="49" charset="0"/>
+              </a:rPr>
+              <a:t>		if (</a:t>
+            </a:r>
+            <a:r>
+              <a:rPr lang="en-US" sz="2000" dirty="0" err="1">
+                <a:latin typeface="Consolas" panose="020B0609020204030204" pitchFamily="49" charset="0"/>
+                <a:cs typeface="Consolas" panose="020B0609020204030204" pitchFamily="49" charset="0"/>
+              </a:rPr>
+              <a:t>a.r</a:t>
+            </a:r>
+            <a:r>
+              <a:rPr lang="en-US" sz="2000" dirty="0">
+                <a:latin typeface="Consolas" panose="020B0609020204030204" pitchFamily="49" charset="0"/>
+                <a:cs typeface="Consolas" panose="020B0609020204030204" pitchFamily="49" charset="0"/>
+              </a:rPr>
+              <a:t>() &lt; </a:t>
+            </a:r>
+            <a:r>
+              <a:rPr lang="en-US" sz="2000" dirty="0" err="1">
+                <a:latin typeface="Consolas" panose="020B0609020204030204" pitchFamily="49" charset="0"/>
+                <a:cs typeface="Consolas" panose="020B0609020204030204" pitchFamily="49" charset="0"/>
+              </a:rPr>
+              <a:t>b.r</a:t>
+            </a:r>
+            <a:r>
+              <a:rPr lang="en-US" sz="2000" dirty="0">
+                <a:latin typeface="Consolas" panose="020B0609020204030204" pitchFamily="49" charset="0"/>
+                <a:cs typeface="Consolas" panose="020B0609020204030204" pitchFamily="49" charset="0"/>
+              </a:rPr>
+              <a:t>()) </a:t>
+            </a:r>
+            <a:r>
+              <a:rPr lang="en-US" sz="2000" dirty="0" smtClean="0">
+                <a:latin typeface="Consolas" panose="020B0609020204030204" pitchFamily="49" charset="0"/>
+                <a:cs typeface="Consolas" panose="020B0609020204030204" pitchFamily="49" charset="0"/>
+              </a:rPr>
+              <a:t>{ return true; }</a:t>
+            </a:r>
+            <a:endParaRPr lang="en-US" sz="2000" dirty="0">
+              <a:latin typeface="Consolas" panose="020B0609020204030204" pitchFamily="49" charset="0"/>
+              <a:cs typeface="Consolas" panose="020B0609020204030204" pitchFamily="49" charset="0"/>
+            </a:endParaRPr>
+          </a:p>
+          <a:p>
+            <a:pPr marL="0" indent="0">
+              <a:buNone/>
+            </a:pPr>
+            <a:r>
+              <a:rPr lang="en-US" sz="2000" dirty="0">
+                <a:latin typeface="Consolas" panose="020B0609020204030204" pitchFamily="49" charset="0"/>
+                <a:cs typeface="Consolas" panose="020B0609020204030204" pitchFamily="49" charset="0"/>
+              </a:rPr>
+              <a:t>		if (</a:t>
+            </a:r>
+            <a:r>
+              <a:rPr lang="en-US" sz="2000" dirty="0" err="1">
+                <a:latin typeface="Consolas" panose="020B0609020204030204" pitchFamily="49" charset="0"/>
+                <a:cs typeface="Consolas" panose="020B0609020204030204" pitchFamily="49" charset="0"/>
+              </a:rPr>
+              <a:t>a.r</a:t>
+            </a:r>
+            <a:r>
+              <a:rPr lang="en-US" sz="2000" dirty="0">
+                <a:latin typeface="Consolas" panose="020B0609020204030204" pitchFamily="49" charset="0"/>
+                <a:cs typeface="Consolas" panose="020B0609020204030204" pitchFamily="49" charset="0"/>
+              </a:rPr>
+              <a:t>() &gt; </a:t>
+            </a:r>
+            <a:r>
+              <a:rPr lang="en-US" sz="2000" dirty="0" err="1">
+                <a:latin typeface="Consolas" panose="020B0609020204030204" pitchFamily="49" charset="0"/>
+                <a:cs typeface="Consolas" panose="020B0609020204030204" pitchFamily="49" charset="0"/>
+              </a:rPr>
+              <a:t>b.r</a:t>
+            </a:r>
+            <a:r>
+              <a:rPr lang="en-US" sz="2000" dirty="0">
+                <a:latin typeface="Consolas" panose="020B0609020204030204" pitchFamily="49" charset="0"/>
+                <a:cs typeface="Consolas" panose="020B0609020204030204" pitchFamily="49" charset="0"/>
+              </a:rPr>
+              <a:t>()) </a:t>
+            </a:r>
+            <a:r>
+              <a:rPr lang="en-US" sz="2000" dirty="0" smtClean="0">
+                <a:latin typeface="Consolas" panose="020B0609020204030204" pitchFamily="49" charset="0"/>
+                <a:cs typeface="Consolas" panose="020B0609020204030204" pitchFamily="49" charset="0"/>
+              </a:rPr>
+              <a:t>{ return false; }</a:t>
+            </a:r>
+            <a:endParaRPr lang="en-US" sz="2000" dirty="0">
+              <a:latin typeface="Consolas" panose="020B0609020204030204" pitchFamily="49" charset="0"/>
+              <a:cs typeface="Consolas" panose="020B0609020204030204" pitchFamily="49" charset="0"/>
+            </a:endParaRPr>
+          </a:p>
+          <a:p>
+            <a:pPr marL="0" indent="0">
+              <a:buNone/>
+            </a:pPr>
+            <a:r>
+              <a:rPr lang="en-US" sz="2000" dirty="0">
+                <a:latin typeface="Consolas" panose="020B0609020204030204" pitchFamily="49" charset="0"/>
+                <a:cs typeface="Consolas" panose="020B0609020204030204" pitchFamily="49" charset="0"/>
+              </a:rPr>
+              <a:t>		if (</a:t>
+            </a:r>
+            <a:r>
+              <a:rPr lang="en-US" sz="2000" dirty="0" err="1">
+                <a:latin typeface="Consolas" panose="020B0609020204030204" pitchFamily="49" charset="0"/>
+                <a:cs typeface="Consolas" panose="020B0609020204030204" pitchFamily="49" charset="0"/>
+              </a:rPr>
+              <a:t>a.g</a:t>
+            </a:r>
+            <a:r>
+              <a:rPr lang="en-US" sz="2000" dirty="0">
+                <a:latin typeface="Consolas" panose="020B0609020204030204" pitchFamily="49" charset="0"/>
+                <a:cs typeface="Consolas" panose="020B0609020204030204" pitchFamily="49" charset="0"/>
+              </a:rPr>
+              <a:t>() &lt; </a:t>
+            </a:r>
+            <a:r>
+              <a:rPr lang="en-US" sz="2000" dirty="0" err="1">
+                <a:latin typeface="Consolas" panose="020B0609020204030204" pitchFamily="49" charset="0"/>
+                <a:cs typeface="Consolas" panose="020B0609020204030204" pitchFamily="49" charset="0"/>
+              </a:rPr>
+              <a:t>b.g</a:t>
+            </a:r>
+            <a:r>
+              <a:rPr lang="en-US" sz="2000" dirty="0">
+                <a:latin typeface="Consolas" panose="020B0609020204030204" pitchFamily="49" charset="0"/>
+                <a:cs typeface="Consolas" panose="020B0609020204030204" pitchFamily="49" charset="0"/>
+              </a:rPr>
+              <a:t>()) </a:t>
+            </a:r>
+            <a:r>
+              <a:rPr lang="en-US" sz="2000" dirty="0" smtClean="0">
+                <a:latin typeface="Consolas" panose="020B0609020204030204" pitchFamily="49" charset="0"/>
+                <a:cs typeface="Consolas" panose="020B0609020204030204" pitchFamily="49" charset="0"/>
+              </a:rPr>
+              <a:t>{ return true; }</a:t>
+            </a:r>
+            <a:endParaRPr lang="en-US" sz="2000" dirty="0">
+              <a:latin typeface="Consolas" panose="020B0609020204030204" pitchFamily="49" charset="0"/>
+              <a:cs typeface="Consolas" panose="020B0609020204030204" pitchFamily="49" charset="0"/>
+            </a:endParaRPr>
+          </a:p>
+          <a:p>
+            <a:pPr marL="0" indent="0">
+              <a:buNone/>
+            </a:pPr>
+            <a:r>
+              <a:rPr lang="en-US" sz="2000" dirty="0">
+                <a:latin typeface="Consolas" panose="020B0609020204030204" pitchFamily="49" charset="0"/>
+                <a:cs typeface="Consolas" panose="020B0609020204030204" pitchFamily="49" charset="0"/>
+              </a:rPr>
+              <a:t>		if (</a:t>
+            </a:r>
+            <a:r>
+              <a:rPr lang="en-US" sz="2000" dirty="0" err="1">
+                <a:latin typeface="Consolas" panose="020B0609020204030204" pitchFamily="49" charset="0"/>
+                <a:cs typeface="Consolas" panose="020B0609020204030204" pitchFamily="49" charset="0"/>
+              </a:rPr>
+              <a:t>a.g</a:t>
+            </a:r>
+            <a:r>
+              <a:rPr lang="en-US" sz="2000" dirty="0">
+                <a:latin typeface="Consolas" panose="020B0609020204030204" pitchFamily="49" charset="0"/>
+                <a:cs typeface="Consolas" panose="020B0609020204030204" pitchFamily="49" charset="0"/>
+              </a:rPr>
+              <a:t>() &gt; </a:t>
+            </a:r>
+            <a:r>
+              <a:rPr lang="en-US" sz="2000" dirty="0" err="1">
+                <a:latin typeface="Consolas" panose="020B0609020204030204" pitchFamily="49" charset="0"/>
+                <a:cs typeface="Consolas" panose="020B0609020204030204" pitchFamily="49" charset="0"/>
+              </a:rPr>
+              <a:t>b.g</a:t>
+            </a:r>
+            <a:r>
+              <a:rPr lang="en-US" sz="2000" dirty="0">
+                <a:latin typeface="Consolas" panose="020B0609020204030204" pitchFamily="49" charset="0"/>
+                <a:cs typeface="Consolas" panose="020B0609020204030204" pitchFamily="49" charset="0"/>
+              </a:rPr>
+              <a:t>()) </a:t>
+            </a:r>
+            <a:r>
+              <a:rPr lang="en-US" sz="2000" dirty="0" smtClean="0">
+                <a:latin typeface="Consolas" panose="020B0609020204030204" pitchFamily="49" charset="0"/>
+                <a:cs typeface="Consolas" panose="020B0609020204030204" pitchFamily="49" charset="0"/>
+              </a:rPr>
+              <a:t>{ return false; }</a:t>
+            </a:r>
+            <a:endParaRPr lang="en-US" sz="2000" dirty="0">
+              <a:latin typeface="Consolas" panose="020B0609020204030204" pitchFamily="49" charset="0"/>
+              <a:cs typeface="Consolas" panose="020B0609020204030204" pitchFamily="49" charset="0"/>
+            </a:endParaRPr>
+          </a:p>
+          <a:p>
+            <a:pPr marL="0" indent="0">
+              <a:buNone/>
+            </a:pPr>
+            <a:r>
+              <a:rPr lang="en-US" sz="2000" dirty="0">
+                <a:latin typeface="Consolas" panose="020B0609020204030204" pitchFamily="49" charset="0"/>
+                <a:cs typeface="Consolas" panose="020B0609020204030204" pitchFamily="49" charset="0"/>
+              </a:rPr>
+              <a:t>		return </a:t>
+            </a:r>
+            <a:r>
+              <a:rPr lang="en-US" sz="2000" dirty="0" err="1">
+                <a:latin typeface="Consolas" panose="020B0609020204030204" pitchFamily="49" charset="0"/>
+                <a:cs typeface="Consolas" panose="020B0609020204030204" pitchFamily="49" charset="0"/>
+              </a:rPr>
+              <a:t>a.b</a:t>
+            </a:r>
+            <a:r>
+              <a:rPr lang="en-US" sz="2000" dirty="0">
+                <a:latin typeface="Consolas" panose="020B0609020204030204" pitchFamily="49" charset="0"/>
+                <a:cs typeface="Consolas" panose="020B0609020204030204" pitchFamily="49" charset="0"/>
+              </a:rPr>
+              <a:t>() &lt; </a:t>
+            </a:r>
+            <a:r>
+              <a:rPr lang="en-US" sz="2000" dirty="0" err="1">
+                <a:latin typeface="Consolas" panose="020B0609020204030204" pitchFamily="49" charset="0"/>
+                <a:cs typeface="Consolas" panose="020B0609020204030204" pitchFamily="49" charset="0"/>
+              </a:rPr>
+              <a:t>b.b</a:t>
+            </a:r>
+            <a:r>
+              <a:rPr lang="en-US" sz="2000" dirty="0">
+                <a:latin typeface="Consolas" panose="020B0609020204030204" pitchFamily="49" charset="0"/>
+                <a:cs typeface="Consolas" panose="020B0609020204030204" pitchFamily="49" charset="0"/>
+              </a:rPr>
+              <a:t>();</a:t>
+            </a:r>
+          </a:p>
+          <a:p>
+            <a:pPr marL="0" indent="0">
+              <a:buNone/>
+            </a:pPr>
+            <a:r>
+              <a:rPr lang="en-US" sz="2000" dirty="0">
+                <a:latin typeface="Consolas" panose="020B0609020204030204" pitchFamily="49" charset="0"/>
+                <a:cs typeface="Consolas" panose="020B0609020204030204" pitchFamily="49" charset="0"/>
+              </a:rPr>
+              <a:t>	}</a:t>
+            </a:r>
+          </a:p>
+          <a:p>
+            <a:pPr marL="0" indent="0">
+              <a:buNone/>
+            </a:pPr>
+            <a:r>
+              <a:rPr lang="en-US" sz="2000" dirty="0" smtClean="0">
+                <a:latin typeface="Consolas" panose="020B0609020204030204" pitchFamily="49" charset="0"/>
+                <a:cs typeface="Consolas" panose="020B0609020204030204" pitchFamily="49" charset="0"/>
+              </a:rPr>
+              <a:t>};</a:t>
+            </a:r>
+            <a:endParaRPr lang="en-US" sz="2000" dirty="0">
+              <a:latin typeface="Consolas" panose="020B0609020204030204" pitchFamily="49" charset="0"/>
+              <a:cs typeface="Consolas" panose="020B0609020204030204" pitchFamily="49" charset="0"/>
+            </a:endParaRPr>
+          </a:p>
+          <a:p>
+            <a:pPr marL="0" indent="0">
+              <a:buNone/>
+            </a:pPr>
+            <a:endParaRPr lang="en-US" sz="2000" dirty="0" smtClean="0">
+              <a:latin typeface="Consolas" panose="020B0609020204030204" pitchFamily="49" charset="0"/>
+              <a:cs typeface="Consolas" panose="020B0609020204030204" pitchFamily="49" charset="0"/>
+            </a:endParaRPr>
+          </a:p>
+          <a:p>
+            <a:pPr marL="0" indent="0">
+              <a:buNone/>
+            </a:pPr>
+            <a:endParaRPr lang="en-US" sz="2000" dirty="0">
+              <a:latin typeface="Consolas" panose="020B0609020204030204" pitchFamily="49" charset="0"/>
+              <a:cs typeface="Consolas" panose="020B0609020204030204" pitchFamily="49" charset="0"/>
+            </a:endParaRPr>
+          </a:p>
+        </p:txBody>
+      </p:sp>
+    </p:spTree>
+    <p:extLst>
+      <p:ext uri="{BB962C8B-B14F-4D97-AF65-F5344CB8AC3E}">
+        <p14:creationId xmlns:p14="http://schemas.microsoft.com/office/powerpoint/2010/main" val="3982322178"/>
+      </p:ext>
+    </p:extLst>
+  </p:cSld>
+  <p:clrMapOvr>
+    <a:masterClrMapping/>
+  </p:clrMapOvr>
+  <p:timing>
+    <p:tnLst>
+      <p:par>
+        <p:cTn id="1" dur="indefinite" restart="never" nodeType="tmRoot"/>
+      </p:par>
+    </p:tnLst>
+  </p:timing>
+</p:sld>
+</file>
+
+<file path=ppt/slides/slide18.xml><?xml version="1.0" encoding="utf-8"?>
+<p:sld xmlns:a="http://schemas.openxmlformats.org/drawingml/2006/main" xmlns:r="http://schemas.openxmlformats.org/officeDocument/2006/relationships" xmlns:p="http://schemas.openxmlformats.org/presentationml/2006/main">
+  <p:cSld>
+    <p:spTree>
+      <p:nvGrpSpPr>
+        <p:cNvPr id="1" name=""/>
+        <p:cNvGrpSpPr/>
+        <p:nvPr/>
+      </p:nvGrpSpPr>
+      <p:grpSpPr>
+        <a:xfrm>
+          <a:off x="0" y="0"/>
+          <a:ext cx="0" cy="0"/>
+          <a:chOff x="0" y="0"/>
+          <a:chExt cx="0" cy="0"/>
+        </a:xfrm>
+      </p:grpSpPr>
+      <p:sp>
+        <p:nvSpPr>
+          <p:cNvPr id="2" name="Title 1"/>
+          <p:cNvSpPr>
+            <a:spLocks noGrp="1"/>
+          </p:cNvSpPr>
+          <p:nvPr>
+            <p:ph type="title"/>
+          </p:nvPr>
+        </p:nvSpPr>
+        <p:spPr/>
+        <p:txBody>
+          <a:bodyPr/>
+          <a:lstStyle/>
+          <a:p>
+            <a:r>
+              <a:rPr lang="en-US" dirty="0" err="1" smtClean="0"/>
+              <a:t>Fazit</a:t>
+            </a:r>
+            <a:endParaRPr lang="en-US" dirty="0"/>
+          </a:p>
+        </p:txBody>
+      </p:sp>
+      <p:sp>
+        <p:nvSpPr>
+          <p:cNvPr id="3" name="Content Placeholder 2"/>
+          <p:cNvSpPr>
+            <a:spLocks noGrp="1"/>
+          </p:cNvSpPr>
+          <p:nvPr>
+            <p:ph idx="1"/>
+          </p:nvPr>
+        </p:nvSpPr>
+        <p:spPr/>
+        <p:txBody>
+          <a:bodyPr/>
+          <a:lstStyle/>
+          <a:p>
+            <a:r>
+              <a:rPr lang="en-US" dirty="0" err="1" smtClean="0"/>
+              <a:t>Verfahren</a:t>
+            </a:r>
+            <a:r>
+              <a:rPr lang="en-US" dirty="0" smtClean="0"/>
+              <a:t> </a:t>
+            </a:r>
+            <a:r>
+              <a:rPr lang="en-US" dirty="0" err="1" smtClean="0"/>
+              <a:t>funktioniert</a:t>
+            </a:r>
+            <a:r>
+              <a:rPr lang="en-US" dirty="0" smtClean="0"/>
+              <a:t> und </a:t>
+            </a:r>
+            <a:r>
+              <a:rPr lang="en-US" dirty="0" err="1" smtClean="0"/>
+              <a:t>ist</a:t>
+            </a:r>
+            <a:r>
+              <a:rPr lang="en-US" dirty="0" smtClean="0"/>
+              <a:t> </a:t>
+            </a:r>
+            <a:r>
+              <a:rPr lang="en-US" dirty="0" err="1" smtClean="0"/>
+              <a:t>umsetzbar</a:t>
+            </a:r>
+            <a:endParaRPr lang="en-US" dirty="0" smtClean="0"/>
+          </a:p>
+          <a:p>
+            <a:r>
+              <a:rPr lang="en-US" dirty="0" smtClean="0"/>
+              <a:t>Hat </a:t>
+            </a:r>
+            <a:r>
+              <a:rPr lang="en-US" dirty="0" err="1" smtClean="0"/>
+              <a:t>aber</a:t>
+            </a:r>
+            <a:r>
+              <a:rPr lang="en-US" dirty="0" smtClean="0"/>
+              <a:t> </a:t>
+            </a:r>
+            <a:r>
+              <a:rPr lang="en-US" dirty="0" err="1" smtClean="0"/>
+              <a:t>konzeptionelle</a:t>
+            </a:r>
+            <a:r>
+              <a:rPr lang="en-US" dirty="0" smtClean="0"/>
+              <a:t> </a:t>
+            </a:r>
+            <a:r>
+              <a:rPr lang="en-US" dirty="0" err="1" smtClean="0"/>
+              <a:t>Mängel</a:t>
+            </a:r>
+            <a:endParaRPr lang="en-US" dirty="0" smtClean="0"/>
+          </a:p>
+          <a:p>
+            <a:r>
+              <a:rPr lang="en-US" dirty="0" err="1" smtClean="0"/>
+              <a:t>Parallelisierbare</a:t>
+            </a:r>
+            <a:r>
+              <a:rPr lang="en-US" dirty="0" smtClean="0"/>
+              <a:t> </a:t>
+            </a:r>
+            <a:r>
+              <a:rPr lang="en-US" dirty="0" err="1" smtClean="0"/>
+              <a:t>Verarbeitung</a:t>
+            </a:r>
+            <a:r>
+              <a:rPr lang="en-US" dirty="0" smtClean="0"/>
+              <a:t> marginal </a:t>
+            </a:r>
+            <a:r>
+              <a:rPr lang="en-US" dirty="0" err="1" smtClean="0"/>
+              <a:t>gegenüber</a:t>
+            </a:r>
+            <a:r>
+              <a:rPr lang="en-US" dirty="0" smtClean="0"/>
+              <a:t> Transport-Overhead</a:t>
+            </a:r>
+          </a:p>
+          <a:p>
+            <a:r>
+              <a:rPr lang="en-US" dirty="0" smtClean="0"/>
+              <a:t>Threads </a:t>
+            </a:r>
+            <a:r>
+              <a:rPr lang="en-US" dirty="0" err="1" smtClean="0"/>
+              <a:t>könnten</a:t>
+            </a:r>
+            <a:r>
+              <a:rPr lang="en-US" dirty="0" smtClean="0"/>
+              <a:t> die </a:t>
+            </a:r>
+            <a:r>
+              <a:rPr lang="en-US" dirty="0" err="1" smtClean="0"/>
+              <a:t>Lösung</a:t>
+            </a:r>
+            <a:r>
+              <a:rPr lang="en-US" dirty="0" smtClean="0"/>
+              <a:t> </a:t>
+            </a:r>
+            <a:r>
+              <a:rPr lang="en-US" dirty="0" err="1" smtClean="0"/>
+              <a:t>sein</a:t>
+            </a:r>
+            <a:endParaRPr lang="en-US" dirty="0" smtClean="0"/>
+          </a:p>
+        </p:txBody>
+      </p:sp>
+    </p:spTree>
+    <p:extLst>
+      <p:ext uri="{BB962C8B-B14F-4D97-AF65-F5344CB8AC3E}">
+        <p14:creationId xmlns:p14="http://schemas.microsoft.com/office/powerpoint/2010/main" val="1488272200"/>
+      </p:ext>
+    </p:extLst>
+  </p:cSld>
+  <p:clrMapOvr>
+    <a:masterClrMapping/>
+  </p:clrMapOvr>
+  <p:timing>
+    <p:tnLst>
+      <p:par>
+        <p:cTn id="1" dur="indefinite" restart="never" nodeType="tmRoot"/>
+      </p:par>
+    </p:tnLst>
+  </p:timing>
+</p:sld>
+</file>
+
 <file path=ppt/slides/slide2.xml><?xml version="1.0" encoding="utf-8"?>
 <p:sld xmlns:a="http://schemas.openxmlformats.org/drawingml/2006/main" xmlns:r="http://schemas.openxmlformats.org/officeDocument/2006/relationships" xmlns:p="http://schemas.openxmlformats.org/presentationml/2006/main">
   <p:cSld>
